--- a/anjum_stuff/Silicon Prairie Bank Presentation.pptx
+++ b/anjum_stuff/Silicon Prairie Bank Presentation.pptx
@@ -12,6 +12,19 @@
     <p:sldId id="260" r:id="rId6"/>
     <p:sldId id="261" r:id="rId7"/>
     <p:sldId id="262" r:id="rId8"/>
+    <p:sldId id="263" r:id="rId9"/>
+    <p:sldId id="264" r:id="rId10"/>
+    <p:sldId id="265" r:id="rId11"/>
+    <p:sldId id="266" r:id="rId12"/>
+    <p:sldId id="267" r:id="rId13"/>
+    <p:sldId id="269" r:id="rId14"/>
+    <p:sldId id="270" r:id="rId15"/>
+    <p:sldId id="271" r:id="rId16"/>
+    <p:sldId id="268" r:id="rId17"/>
+    <p:sldId id="272" r:id="rId18"/>
+    <p:sldId id="273" r:id="rId19"/>
+    <p:sldId id="274" r:id="rId20"/>
+    <p:sldId id="275" r:id="rId21"/>
   </p:sldIdLst>
   <p:sldSz cx="12192000" cy="6858000"/>
   <p:notesSz cx="6858000" cy="9144000"/>
@@ -110,13 +123,19 @@
       </a:defRPr>
     </a:lvl9pPr>
   </p:defaultTextStyle>
+  <p:extLst>
+    <p:ext uri="{EFAFB233-063F-42B5-8137-9DF3F51BA10A}">
+      <p15:sldGuideLst xmlns:p15="http://schemas.microsoft.com/office/powerpoint/2012/main"/>
+    </p:ext>
+  </p:extLst>
 </p:presentation>
 </file>
 
 <file path=ppt/revisionInfo.xml><?xml version="1.0" encoding="utf-8"?>
 <p1510:revInfo xmlns:a="http://schemas.openxmlformats.org/drawingml/2006/main" xmlns:r="http://schemas.openxmlformats.org/officeDocument/2006/relationships" xmlns:p1510="http://schemas.microsoft.com/office/powerpoint/2015/10/main">
   <p1510:revLst>
-    <p1510:client id="{32E3A89C-8A9F-44CE-BFA3-1DA71A70F3F5}" v="6" dt="2023-03-21T20:37:50.103"/>
+    <p1510:client id="{32E3A89C-8A9F-44CE-BFA3-1DA71A70F3F5}" v="1420" dt="2023-03-21T21:51:37.212"/>
+    <p1510:client id="{3FFD6C1A-2E2F-4891-AADA-7AA7CB5727D1}" v="16" dt="2023-03-21T21:08:34.367"/>
   </p1510:revLst>
 </p1510:revInfo>
 </file>
@@ -124,9 +143,33 @@
 <file path=ppt/changesInfos/changesInfo1.xml><?xml version="1.0" encoding="utf-8"?>
 <pc:chgInfo xmlns:a="http://schemas.openxmlformats.org/drawingml/2006/main" xmlns:r="http://schemas.openxmlformats.org/officeDocument/2006/relationships" xmlns:ac="http://schemas.microsoft.com/office/drawing/2013/main/command" xmlns:pc="http://schemas.microsoft.com/office/powerpoint/2013/main/command">
   <pc:docChgLst>
+    <pc:chgData name="Guest User" providerId="Windows Live" clId="Web-{3FFD6C1A-2E2F-4891-AADA-7AA7CB5727D1}"/>
+    <pc:docChg chg="modSld">
+      <pc:chgData name="Guest User" userId="" providerId="Windows Live" clId="Web-{3FFD6C1A-2E2F-4891-AADA-7AA7CB5727D1}" dt="2023-03-21T21:08:34.367" v="7" actId="20577"/>
+      <pc:docMkLst>
+        <pc:docMk/>
+      </pc:docMkLst>
+      <pc:sldChg chg="modSp">
+        <pc:chgData name="Guest User" userId="" providerId="Windows Live" clId="Web-{3FFD6C1A-2E2F-4891-AADA-7AA7CB5727D1}" dt="2023-03-21T21:08:34.367" v="7" actId="20577"/>
+        <pc:sldMkLst>
+          <pc:docMk/>
+          <pc:sldMk cId="660185649" sldId="259"/>
+        </pc:sldMkLst>
+        <pc:spChg chg="mod">
+          <ac:chgData name="Guest User" userId="" providerId="Windows Live" clId="Web-{3FFD6C1A-2E2F-4891-AADA-7AA7CB5727D1}" dt="2023-03-21T21:08:34.367" v="7" actId="20577"/>
+          <ac:spMkLst>
+            <pc:docMk/>
+            <pc:sldMk cId="660185649" sldId="259"/>
+            <ac:spMk id="7" creationId="{2D8A9BD3-0B0F-E58E-BF27-F7077F6945EC}"/>
+          </ac:spMkLst>
+        </pc:spChg>
+      </pc:sldChg>
+    </pc:docChg>
+  </pc:docChgLst>
+  <pc:docChgLst>
     <pc:chgData name="Sajid Anjum" userId="e1e9ee02ec1f9b15" providerId="LiveId" clId="{32E3A89C-8A9F-44CE-BFA3-1DA71A70F3F5}"/>
-    <pc:docChg chg="custSel addSld modSld sldOrd">
-      <pc:chgData name="Sajid Anjum" userId="e1e9ee02ec1f9b15" providerId="LiveId" clId="{32E3A89C-8A9F-44CE-BFA3-1DA71A70F3F5}" dt="2023-03-21T20:37:57.746" v="965" actId="20577"/>
+    <pc:docChg chg="undo custSel addSld modSld sldOrd">
+      <pc:chgData name="Sajid Anjum" userId="e1e9ee02ec1f9b15" providerId="LiveId" clId="{32E3A89C-8A9F-44CE-BFA3-1DA71A70F3F5}" dt="2023-03-21T21:52:54.416" v="2946" actId="20577"/>
       <pc:docMkLst>
         <pc:docMk/>
       </pc:docMkLst>
@@ -192,8 +235,8 @@
           </ac:spMkLst>
         </pc:spChg>
       </pc:sldChg>
-      <pc:sldChg chg="addSp delSp modSp new mod modClrScheme chgLayout">
-        <pc:chgData name="Sajid Anjum" userId="e1e9ee02ec1f9b15" providerId="LiveId" clId="{32E3A89C-8A9F-44CE-BFA3-1DA71A70F3F5}" dt="2023-03-21T20:37:57.746" v="965" actId="20577"/>
+      <pc:sldChg chg="addSp delSp modSp new mod modClrScheme modAnim chgLayout">
+        <pc:chgData name="Sajid Anjum" userId="e1e9ee02ec1f9b15" providerId="LiveId" clId="{32E3A89C-8A9F-44CE-BFA3-1DA71A70F3F5}" dt="2023-03-21T21:19:45.935" v="1209"/>
         <pc:sldMkLst>
           <pc:docMk/>
           <pc:sldMk cId="1764296566" sldId="262"/>
@@ -247,11 +290,734 @@
           </ac:spMkLst>
         </pc:spChg>
         <pc:spChg chg="add mod">
-          <ac:chgData name="Sajid Anjum" userId="e1e9ee02ec1f9b15" providerId="LiveId" clId="{32E3A89C-8A9F-44CE-BFA3-1DA71A70F3F5}" dt="2023-03-21T20:37:57.746" v="965" actId="20577"/>
+          <ac:chgData name="Sajid Anjum" userId="e1e9ee02ec1f9b15" providerId="LiveId" clId="{32E3A89C-8A9F-44CE-BFA3-1DA71A70F3F5}" dt="2023-03-21T21:15:22.891" v="1118" actId="20577"/>
           <ac:spMkLst>
             <pc:docMk/>
             <pc:sldMk cId="1764296566" sldId="262"/>
             <ac:spMk id="8" creationId="{69150E1F-7E8C-383F-15FB-A6EAAF9300D6}"/>
+          </ac:spMkLst>
+        </pc:spChg>
+      </pc:sldChg>
+      <pc:sldChg chg="addSp delSp modSp add mod modAnim">
+        <pc:chgData name="Sajid Anjum" userId="e1e9ee02ec1f9b15" providerId="LiveId" clId="{32E3A89C-8A9F-44CE-BFA3-1DA71A70F3F5}" dt="2023-03-21T21:25:04.219" v="1361"/>
+        <pc:sldMkLst>
+          <pc:docMk/>
+          <pc:sldMk cId="3143045216" sldId="263"/>
+        </pc:sldMkLst>
+        <pc:spChg chg="mod">
+          <ac:chgData name="Sajid Anjum" userId="e1e9ee02ec1f9b15" providerId="LiveId" clId="{32E3A89C-8A9F-44CE-BFA3-1DA71A70F3F5}" dt="2023-03-21T21:16:59.238" v="1143" actId="20577"/>
+          <ac:spMkLst>
+            <pc:docMk/>
+            <pc:sldMk cId="3143045216" sldId="263"/>
+            <ac:spMk id="4" creationId="{25452CBA-4F1B-3C46-8D91-8A938C594F1C}"/>
+          </ac:spMkLst>
+        </pc:spChg>
+        <pc:spChg chg="del mod">
+          <ac:chgData name="Sajid Anjum" userId="e1e9ee02ec1f9b15" providerId="LiveId" clId="{32E3A89C-8A9F-44CE-BFA3-1DA71A70F3F5}" dt="2023-03-21T21:16:48.550" v="1121" actId="478"/>
+          <ac:spMkLst>
+            <pc:docMk/>
+            <pc:sldMk cId="3143045216" sldId="263"/>
+            <ac:spMk id="5" creationId="{0BC0C6F6-D1B8-E424-6E94-C6B51D1D2EF5}"/>
+          </ac:spMkLst>
+        </pc:spChg>
+        <pc:spChg chg="del">
+          <ac:chgData name="Sajid Anjum" userId="e1e9ee02ec1f9b15" providerId="LiveId" clId="{32E3A89C-8A9F-44CE-BFA3-1DA71A70F3F5}" dt="2023-03-21T21:16:48.550" v="1121" actId="478"/>
+          <ac:spMkLst>
+            <pc:docMk/>
+            <pc:sldMk cId="3143045216" sldId="263"/>
+            <ac:spMk id="6" creationId="{00A0C29F-6700-1A16-E3C9-A75D6EC603F7}"/>
+          </ac:spMkLst>
+        </pc:spChg>
+        <pc:spChg chg="del">
+          <ac:chgData name="Sajid Anjum" userId="e1e9ee02ec1f9b15" providerId="LiveId" clId="{32E3A89C-8A9F-44CE-BFA3-1DA71A70F3F5}" dt="2023-03-21T21:16:48.550" v="1121" actId="478"/>
+          <ac:spMkLst>
+            <pc:docMk/>
+            <pc:sldMk cId="3143045216" sldId="263"/>
+            <ac:spMk id="7" creationId="{C51535B6-F83C-4DB0-A833-337111152950}"/>
+          </ac:spMkLst>
+        </pc:spChg>
+        <pc:spChg chg="del">
+          <ac:chgData name="Sajid Anjum" userId="e1e9ee02ec1f9b15" providerId="LiveId" clId="{32E3A89C-8A9F-44CE-BFA3-1DA71A70F3F5}" dt="2023-03-21T21:16:48.550" v="1121" actId="478"/>
+          <ac:spMkLst>
+            <pc:docMk/>
+            <pc:sldMk cId="3143045216" sldId="263"/>
+            <ac:spMk id="8" creationId="{69150E1F-7E8C-383F-15FB-A6EAAF9300D6}"/>
+          </ac:spMkLst>
+        </pc:spChg>
+        <pc:spChg chg="add mod">
+          <ac:chgData name="Sajid Anjum" userId="e1e9ee02ec1f9b15" providerId="LiveId" clId="{32E3A89C-8A9F-44CE-BFA3-1DA71A70F3F5}" dt="2023-03-21T21:18:53.356" v="1172" actId="1076"/>
+          <ac:spMkLst>
+            <pc:docMk/>
+            <pc:sldMk cId="3143045216" sldId="263"/>
+            <ac:spMk id="15" creationId="{4288DDAF-0774-A7DB-BC02-F1D6A4EE79C1}"/>
+          </ac:spMkLst>
+        </pc:spChg>
+        <pc:spChg chg="add mod">
+          <ac:chgData name="Sajid Anjum" userId="e1e9ee02ec1f9b15" providerId="LiveId" clId="{32E3A89C-8A9F-44CE-BFA3-1DA71A70F3F5}" dt="2023-03-21T21:19:04.643" v="1192" actId="1076"/>
+          <ac:spMkLst>
+            <pc:docMk/>
+            <pc:sldMk cId="3143045216" sldId="263"/>
+            <ac:spMk id="16" creationId="{3CAD5AC6-B5AE-D94A-8831-6CD58FDED0EB}"/>
+          </ac:spMkLst>
+        </pc:spChg>
+        <pc:spChg chg="add mod">
+          <ac:chgData name="Sajid Anjum" userId="e1e9ee02ec1f9b15" providerId="LiveId" clId="{32E3A89C-8A9F-44CE-BFA3-1DA71A70F3F5}" dt="2023-03-21T21:19:15.272" v="1205" actId="20577"/>
+          <ac:spMkLst>
+            <pc:docMk/>
+            <pc:sldMk cId="3143045216" sldId="263"/>
+            <ac:spMk id="17" creationId="{8639687B-EB70-2D16-C90B-40A88992DD70}"/>
+          </ac:spMkLst>
+        </pc:spChg>
+        <pc:spChg chg="add mod">
+          <ac:chgData name="Sajid Anjum" userId="e1e9ee02ec1f9b15" providerId="LiveId" clId="{32E3A89C-8A9F-44CE-BFA3-1DA71A70F3F5}" dt="2023-03-21T21:23:03.537" v="1293" actId="1076"/>
+          <ac:spMkLst>
+            <pc:docMk/>
+            <pc:sldMk cId="3143045216" sldId="263"/>
+            <ac:spMk id="18" creationId="{9310D5BB-3111-D380-615E-1BFFE137A72E}"/>
+          </ac:spMkLst>
+        </pc:spChg>
+        <pc:spChg chg="add mod">
+          <ac:chgData name="Sajid Anjum" userId="e1e9ee02ec1f9b15" providerId="LiveId" clId="{32E3A89C-8A9F-44CE-BFA3-1DA71A70F3F5}" dt="2023-03-21T21:23:11.284" v="1295" actId="14100"/>
+          <ac:spMkLst>
+            <pc:docMk/>
+            <pc:sldMk cId="3143045216" sldId="263"/>
+            <ac:spMk id="19" creationId="{ADD03AB8-EF25-0425-B074-9A609006B131}"/>
+          </ac:spMkLst>
+        </pc:spChg>
+        <pc:spChg chg="add mod">
+          <ac:chgData name="Sajid Anjum" userId="e1e9ee02ec1f9b15" providerId="LiveId" clId="{32E3A89C-8A9F-44CE-BFA3-1DA71A70F3F5}" dt="2023-03-21T21:23:43.750" v="1306" actId="1076"/>
+          <ac:spMkLst>
+            <pc:docMk/>
+            <pc:sldMk cId="3143045216" sldId="263"/>
+            <ac:spMk id="20" creationId="{022B57A8-6241-599B-EF95-B63F0F7B0104}"/>
+          </ac:spMkLst>
+        </pc:spChg>
+        <pc:spChg chg="add mod">
+          <ac:chgData name="Sajid Anjum" userId="e1e9ee02ec1f9b15" providerId="LiveId" clId="{32E3A89C-8A9F-44CE-BFA3-1DA71A70F3F5}" dt="2023-03-21T21:24:14.704" v="1330" actId="1076"/>
+          <ac:spMkLst>
+            <pc:docMk/>
+            <pc:sldMk cId="3143045216" sldId="263"/>
+            <ac:spMk id="21" creationId="{65C075E9-2DBA-EAE3-4E0A-3D40270892A5}"/>
+          </ac:spMkLst>
+        </pc:spChg>
+        <pc:spChg chg="add mod">
+          <ac:chgData name="Sajid Anjum" userId="e1e9ee02ec1f9b15" providerId="LiveId" clId="{32E3A89C-8A9F-44CE-BFA3-1DA71A70F3F5}" dt="2023-03-21T21:24:21.518" v="1340" actId="20577"/>
+          <ac:spMkLst>
+            <pc:docMk/>
+            <pc:sldMk cId="3143045216" sldId="263"/>
+            <ac:spMk id="22" creationId="{5DF786E1-3B98-591D-9C95-BCB9B072B8C6}"/>
+          </ac:spMkLst>
+        </pc:spChg>
+        <pc:spChg chg="add mod">
+          <ac:chgData name="Sajid Anjum" userId="e1e9ee02ec1f9b15" providerId="LiveId" clId="{32E3A89C-8A9F-44CE-BFA3-1DA71A70F3F5}" dt="2023-03-21T21:24:33.683" v="1358" actId="14100"/>
+          <ac:spMkLst>
+            <pc:docMk/>
+            <pc:sldMk cId="3143045216" sldId="263"/>
+            <ac:spMk id="23" creationId="{A0423498-77DF-8044-7FA8-DD546E216B8F}"/>
+          </ac:spMkLst>
+        </pc:spChg>
+        <pc:cxnChg chg="add del">
+          <ac:chgData name="Sajid Anjum" userId="e1e9ee02ec1f9b15" providerId="LiveId" clId="{32E3A89C-8A9F-44CE-BFA3-1DA71A70F3F5}" dt="2023-03-21T21:17:39.126" v="1145" actId="478"/>
+          <ac:cxnSpMkLst>
+            <pc:docMk/>
+            <pc:sldMk cId="3143045216" sldId="263"/>
+            <ac:cxnSpMk id="3" creationId="{29017D0D-B72A-FCAF-FB7B-A71C7B676294}"/>
+          </ac:cxnSpMkLst>
+        </pc:cxnChg>
+        <pc:cxnChg chg="add mod">
+          <ac:chgData name="Sajid Anjum" userId="e1e9ee02ec1f9b15" providerId="LiveId" clId="{32E3A89C-8A9F-44CE-BFA3-1DA71A70F3F5}" dt="2023-03-21T21:18:11.751" v="1149" actId="692"/>
+          <ac:cxnSpMkLst>
+            <pc:docMk/>
+            <pc:sldMk cId="3143045216" sldId="263"/>
+            <ac:cxnSpMk id="10" creationId="{6D0BE593-F272-F79D-CDBC-93BF652E87D0}"/>
+          </ac:cxnSpMkLst>
+        </pc:cxnChg>
+        <pc:cxnChg chg="add mod">
+          <ac:chgData name="Sajid Anjum" userId="e1e9ee02ec1f9b15" providerId="LiveId" clId="{32E3A89C-8A9F-44CE-BFA3-1DA71A70F3F5}" dt="2023-03-21T21:18:22.231" v="1152" actId="1076"/>
+          <ac:cxnSpMkLst>
+            <pc:docMk/>
+            <pc:sldMk cId="3143045216" sldId="263"/>
+            <ac:cxnSpMk id="11" creationId="{BB172072-98FF-D499-AC24-567B01849835}"/>
+          </ac:cxnSpMkLst>
+        </pc:cxnChg>
+        <pc:cxnChg chg="add mod">
+          <ac:chgData name="Sajid Anjum" userId="e1e9ee02ec1f9b15" providerId="LiveId" clId="{32E3A89C-8A9F-44CE-BFA3-1DA71A70F3F5}" dt="2023-03-21T21:18:36.135" v="1155" actId="1076"/>
+          <ac:cxnSpMkLst>
+            <pc:docMk/>
+            <pc:sldMk cId="3143045216" sldId="263"/>
+            <ac:cxnSpMk id="13" creationId="{29EEE54D-BA37-3C52-758F-52728026DA04}"/>
+          </ac:cxnSpMkLst>
+        </pc:cxnChg>
+      </pc:sldChg>
+      <pc:sldChg chg="addSp modSp new mod modAnim">
+        <pc:chgData name="Sajid Anjum" userId="e1e9ee02ec1f9b15" providerId="LiveId" clId="{32E3A89C-8A9F-44CE-BFA3-1DA71A70F3F5}" dt="2023-03-21T21:30:49.601" v="1764"/>
+        <pc:sldMkLst>
+          <pc:docMk/>
+          <pc:sldMk cId="3880380332" sldId="264"/>
+        </pc:sldMkLst>
+        <pc:spChg chg="add mod">
+          <ac:chgData name="Sajid Anjum" userId="e1e9ee02ec1f9b15" providerId="LiveId" clId="{32E3A89C-8A9F-44CE-BFA3-1DA71A70F3F5}" dt="2023-03-21T21:25:22.245" v="1363"/>
+          <ac:spMkLst>
+            <pc:docMk/>
+            <pc:sldMk cId="3880380332" sldId="264"/>
+            <ac:spMk id="2" creationId="{3A7B8767-66DE-A93B-EDEB-EB98DBD15948}"/>
+          </ac:spMkLst>
+        </pc:spChg>
+        <pc:spChg chg="add mod">
+          <ac:chgData name="Sajid Anjum" userId="e1e9ee02ec1f9b15" providerId="LiveId" clId="{32E3A89C-8A9F-44CE-BFA3-1DA71A70F3F5}" dt="2023-03-21T21:25:42.380" v="1380" actId="1076"/>
+          <ac:spMkLst>
+            <pc:docMk/>
+            <pc:sldMk cId="3880380332" sldId="264"/>
+            <ac:spMk id="3" creationId="{9FA9C295-9473-9DEE-9F76-58C92D13AAC7}"/>
+          </ac:spMkLst>
+        </pc:spChg>
+        <pc:spChg chg="add mod">
+          <ac:chgData name="Sajid Anjum" userId="e1e9ee02ec1f9b15" providerId="LiveId" clId="{32E3A89C-8A9F-44CE-BFA3-1DA71A70F3F5}" dt="2023-03-21T21:25:51.296" v="1402" actId="20577"/>
+          <ac:spMkLst>
+            <pc:docMk/>
+            <pc:sldMk cId="3880380332" sldId="264"/>
+            <ac:spMk id="4" creationId="{8C2BD9A1-016E-FF6C-8392-D389941C6A0A}"/>
+          </ac:spMkLst>
+        </pc:spChg>
+        <pc:spChg chg="add mod">
+          <ac:chgData name="Sajid Anjum" userId="e1e9ee02ec1f9b15" providerId="LiveId" clId="{32E3A89C-8A9F-44CE-BFA3-1DA71A70F3F5}" dt="2023-03-21T21:25:59.708" v="1418" actId="20577"/>
+          <ac:spMkLst>
+            <pc:docMk/>
+            <pc:sldMk cId="3880380332" sldId="264"/>
+            <ac:spMk id="5" creationId="{2FE20402-A704-74CE-93DB-04186B6F9C89}"/>
+          </ac:spMkLst>
+        </pc:spChg>
+        <pc:spChg chg="add mod">
+          <ac:chgData name="Sajid Anjum" userId="e1e9ee02ec1f9b15" providerId="LiveId" clId="{32E3A89C-8A9F-44CE-BFA3-1DA71A70F3F5}" dt="2023-03-21T21:30:12.010" v="1744" actId="1076"/>
+          <ac:spMkLst>
+            <pc:docMk/>
+            <pc:sldMk cId="3880380332" sldId="264"/>
+            <ac:spMk id="6" creationId="{4BEE85DC-769B-13F7-C4D9-41246A9E6BDC}"/>
+          </ac:spMkLst>
+        </pc:spChg>
+        <pc:spChg chg="add mod">
+          <ac:chgData name="Sajid Anjum" userId="e1e9ee02ec1f9b15" providerId="LiveId" clId="{32E3A89C-8A9F-44CE-BFA3-1DA71A70F3F5}" dt="2023-03-21T21:30:12.010" v="1744" actId="1076"/>
+          <ac:spMkLst>
+            <pc:docMk/>
+            <pc:sldMk cId="3880380332" sldId="264"/>
+            <ac:spMk id="7" creationId="{4BE69073-3756-E294-A4AC-D00B86039984}"/>
+          </ac:spMkLst>
+        </pc:spChg>
+        <pc:spChg chg="add mod">
+          <ac:chgData name="Sajid Anjum" userId="e1e9ee02ec1f9b15" providerId="LiveId" clId="{32E3A89C-8A9F-44CE-BFA3-1DA71A70F3F5}" dt="2023-03-21T21:30:40.506" v="1763" actId="1076"/>
+          <ac:spMkLst>
+            <pc:docMk/>
+            <pc:sldMk cId="3880380332" sldId="264"/>
+            <ac:spMk id="8" creationId="{AAB7A48D-E1E4-C14E-B0EE-3202F7F6A5A8}"/>
+          </ac:spMkLst>
+        </pc:spChg>
+      </pc:sldChg>
+      <pc:sldChg chg="addSp delSp modSp add mod delAnim modAnim">
+        <pc:chgData name="Sajid Anjum" userId="e1e9ee02ec1f9b15" providerId="LiveId" clId="{32E3A89C-8A9F-44CE-BFA3-1DA71A70F3F5}" dt="2023-03-21T21:29:52.452" v="1743" actId="20577"/>
+        <pc:sldMkLst>
+          <pc:docMk/>
+          <pc:sldMk cId="2281693076" sldId="265"/>
+        </pc:sldMkLst>
+        <pc:spChg chg="del">
+          <ac:chgData name="Sajid Anjum" userId="e1e9ee02ec1f9b15" providerId="LiveId" clId="{32E3A89C-8A9F-44CE-BFA3-1DA71A70F3F5}" dt="2023-03-21T21:27:49.684" v="1643" actId="478"/>
+          <ac:spMkLst>
+            <pc:docMk/>
+            <pc:sldMk cId="2281693076" sldId="265"/>
+            <ac:spMk id="3" creationId="{9FA9C295-9473-9DEE-9F76-58C92D13AAC7}"/>
+          </ac:spMkLst>
+        </pc:spChg>
+        <pc:spChg chg="mod">
+          <ac:chgData name="Sajid Anjum" userId="e1e9ee02ec1f9b15" providerId="LiveId" clId="{32E3A89C-8A9F-44CE-BFA3-1DA71A70F3F5}" dt="2023-03-21T21:29:34.016" v="1736" actId="1076"/>
+          <ac:spMkLst>
+            <pc:docMk/>
+            <pc:sldMk cId="2281693076" sldId="265"/>
+            <ac:spMk id="4" creationId="{8C2BD9A1-016E-FF6C-8392-D389941C6A0A}"/>
+          </ac:spMkLst>
+        </pc:spChg>
+        <pc:spChg chg="del">
+          <ac:chgData name="Sajid Anjum" userId="e1e9ee02ec1f9b15" providerId="LiveId" clId="{32E3A89C-8A9F-44CE-BFA3-1DA71A70F3F5}" dt="2023-03-21T21:27:49.684" v="1643" actId="478"/>
+          <ac:spMkLst>
+            <pc:docMk/>
+            <pc:sldMk cId="2281693076" sldId="265"/>
+            <ac:spMk id="5" creationId="{2FE20402-A704-74CE-93DB-04186B6F9C89}"/>
+          </ac:spMkLst>
+        </pc:spChg>
+        <pc:spChg chg="del">
+          <ac:chgData name="Sajid Anjum" userId="e1e9ee02ec1f9b15" providerId="LiveId" clId="{32E3A89C-8A9F-44CE-BFA3-1DA71A70F3F5}" dt="2023-03-21T21:27:49.684" v="1643" actId="478"/>
+          <ac:spMkLst>
+            <pc:docMk/>
+            <pc:sldMk cId="2281693076" sldId="265"/>
+            <ac:spMk id="6" creationId="{4BEE85DC-769B-13F7-C4D9-41246A9E6BDC}"/>
+          </ac:spMkLst>
+        </pc:spChg>
+        <pc:spChg chg="del">
+          <ac:chgData name="Sajid Anjum" userId="e1e9ee02ec1f9b15" providerId="LiveId" clId="{32E3A89C-8A9F-44CE-BFA3-1DA71A70F3F5}" dt="2023-03-21T21:27:49.684" v="1643" actId="478"/>
+          <ac:spMkLst>
+            <pc:docMk/>
+            <pc:sldMk cId="2281693076" sldId="265"/>
+            <ac:spMk id="7" creationId="{4BE69073-3756-E294-A4AC-D00B86039984}"/>
+          </ac:spMkLst>
+        </pc:spChg>
+        <pc:spChg chg="add mod">
+          <ac:chgData name="Sajid Anjum" userId="e1e9ee02ec1f9b15" providerId="LiveId" clId="{32E3A89C-8A9F-44CE-BFA3-1DA71A70F3F5}" dt="2023-03-21T21:29:17.070" v="1731" actId="1076"/>
+          <ac:spMkLst>
+            <pc:docMk/>
+            <pc:sldMk cId="2281693076" sldId="265"/>
+            <ac:spMk id="10" creationId="{E05FC820-9F58-48E5-9A09-E7DE55F5D921}"/>
+          </ac:spMkLst>
+        </pc:spChg>
+        <pc:spChg chg="add mod">
+          <ac:chgData name="Sajid Anjum" userId="e1e9ee02ec1f9b15" providerId="LiveId" clId="{32E3A89C-8A9F-44CE-BFA3-1DA71A70F3F5}" dt="2023-03-21T21:29:52.452" v="1743" actId="20577"/>
+          <ac:spMkLst>
+            <pc:docMk/>
+            <pc:sldMk cId="2281693076" sldId="265"/>
+            <ac:spMk id="11" creationId="{E1E76422-88F5-A540-295F-94C92D440AE5}"/>
+          </ac:spMkLst>
+        </pc:spChg>
+        <pc:picChg chg="add mod">
+          <ac:chgData name="Sajid Anjum" userId="e1e9ee02ec1f9b15" providerId="LiveId" clId="{32E3A89C-8A9F-44CE-BFA3-1DA71A70F3F5}" dt="2023-03-21T21:29:28.040" v="1734" actId="1076"/>
+          <ac:picMkLst>
+            <pc:docMk/>
+            <pc:sldMk cId="2281693076" sldId="265"/>
+            <ac:picMk id="8" creationId="{671D90AA-7E75-24CB-16BF-E0C268550126}"/>
+          </ac:picMkLst>
+        </pc:picChg>
+        <pc:picChg chg="add mod">
+          <ac:chgData name="Sajid Anjum" userId="e1e9ee02ec1f9b15" providerId="LiveId" clId="{32E3A89C-8A9F-44CE-BFA3-1DA71A70F3F5}" dt="2023-03-21T21:29:21.785" v="1732" actId="1076"/>
+          <ac:picMkLst>
+            <pc:docMk/>
+            <pc:sldMk cId="2281693076" sldId="265"/>
+            <ac:picMk id="9" creationId="{14C59AD3-C180-BA4E-F728-006EE90661CE}"/>
+          </ac:picMkLst>
+        </pc:picChg>
+      </pc:sldChg>
+      <pc:sldChg chg="addSp modSp new mod modAnim">
+        <pc:chgData name="Sajid Anjum" userId="e1e9ee02ec1f9b15" providerId="LiveId" clId="{32E3A89C-8A9F-44CE-BFA3-1DA71A70F3F5}" dt="2023-03-21T21:39:28.026" v="2066"/>
+        <pc:sldMkLst>
+          <pc:docMk/>
+          <pc:sldMk cId="2994325091" sldId="266"/>
+        </pc:sldMkLst>
+        <pc:spChg chg="add mod">
+          <ac:chgData name="Sajid Anjum" userId="e1e9ee02ec1f9b15" providerId="LiveId" clId="{32E3A89C-8A9F-44CE-BFA3-1DA71A70F3F5}" dt="2023-03-21T21:31:16.785" v="1786" actId="6549"/>
+          <ac:spMkLst>
+            <pc:docMk/>
+            <pc:sldMk cId="2994325091" sldId="266"/>
+            <ac:spMk id="2" creationId="{DF1AA8CB-B1C2-5BFA-444E-88D35BF376BA}"/>
+          </ac:spMkLst>
+        </pc:spChg>
+        <pc:spChg chg="add mod">
+          <ac:chgData name="Sajid Anjum" userId="e1e9ee02ec1f9b15" providerId="LiveId" clId="{32E3A89C-8A9F-44CE-BFA3-1DA71A70F3F5}" dt="2023-03-21T21:36:27.887" v="1851" actId="14100"/>
+          <ac:spMkLst>
+            <pc:docMk/>
+            <pc:sldMk cId="2994325091" sldId="266"/>
+            <ac:spMk id="3" creationId="{62D2A763-7C61-72D6-C15A-05D35C48B4D0}"/>
+          </ac:spMkLst>
+        </pc:spChg>
+        <pc:spChg chg="add mod">
+          <ac:chgData name="Sajid Anjum" userId="e1e9ee02ec1f9b15" providerId="LiveId" clId="{32E3A89C-8A9F-44CE-BFA3-1DA71A70F3F5}" dt="2023-03-21T21:37:48.786" v="1903" actId="20577"/>
+          <ac:spMkLst>
+            <pc:docMk/>
+            <pc:sldMk cId="2994325091" sldId="266"/>
+            <ac:spMk id="5" creationId="{2877E095-50BA-EF8C-31A9-56A8F4E40401}"/>
+          </ac:spMkLst>
+        </pc:spChg>
+        <pc:spChg chg="add mod">
+          <ac:chgData name="Sajid Anjum" userId="e1e9ee02ec1f9b15" providerId="LiveId" clId="{32E3A89C-8A9F-44CE-BFA3-1DA71A70F3F5}" dt="2023-03-21T21:39:16.722" v="2063" actId="14100"/>
+          <ac:spMkLst>
+            <pc:docMk/>
+            <pc:sldMk cId="2994325091" sldId="266"/>
+            <ac:spMk id="6" creationId="{015B32FF-6080-7B67-F60C-B1E74D6823FC}"/>
+          </ac:spMkLst>
+        </pc:spChg>
+        <pc:picChg chg="add mod">
+          <ac:chgData name="Sajid Anjum" userId="e1e9ee02ec1f9b15" providerId="LiveId" clId="{32E3A89C-8A9F-44CE-BFA3-1DA71A70F3F5}" dt="2023-03-21T21:36:16.238" v="1848" actId="1076"/>
+          <ac:picMkLst>
+            <pc:docMk/>
+            <pc:sldMk cId="2994325091" sldId="266"/>
+            <ac:picMk id="4" creationId="{E7F0AF41-9E5A-2D0D-AA6E-AFC6AFE2C6A3}"/>
+          </ac:picMkLst>
+        </pc:picChg>
+      </pc:sldChg>
+      <pc:sldChg chg="addSp delSp modSp add mod delAnim modAnim">
+        <pc:chgData name="Sajid Anjum" userId="e1e9ee02ec1f9b15" providerId="LiveId" clId="{32E3A89C-8A9F-44CE-BFA3-1DA71A70F3F5}" dt="2023-03-21T21:44:35.614" v="2286" actId="20577"/>
+        <pc:sldMkLst>
+          <pc:docMk/>
+          <pc:sldMk cId="2136911324" sldId="267"/>
+        </pc:sldMkLst>
+        <pc:spChg chg="del">
+          <ac:chgData name="Sajid Anjum" userId="e1e9ee02ec1f9b15" providerId="LiveId" clId="{32E3A89C-8A9F-44CE-BFA3-1DA71A70F3F5}" dt="2023-03-21T21:42:31.664" v="2068" actId="478"/>
+          <ac:spMkLst>
+            <pc:docMk/>
+            <pc:sldMk cId="2136911324" sldId="267"/>
+            <ac:spMk id="3" creationId="{62D2A763-7C61-72D6-C15A-05D35C48B4D0}"/>
+          </ac:spMkLst>
+        </pc:spChg>
+        <pc:spChg chg="del">
+          <ac:chgData name="Sajid Anjum" userId="e1e9ee02ec1f9b15" providerId="LiveId" clId="{32E3A89C-8A9F-44CE-BFA3-1DA71A70F3F5}" dt="2023-03-21T21:42:31.664" v="2068" actId="478"/>
+          <ac:spMkLst>
+            <pc:docMk/>
+            <pc:sldMk cId="2136911324" sldId="267"/>
+            <ac:spMk id="5" creationId="{2877E095-50BA-EF8C-31A9-56A8F4E40401}"/>
+          </ac:spMkLst>
+        </pc:spChg>
+        <pc:spChg chg="mod">
+          <ac:chgData name="Sajid Anjum" userId="e1e9ee02ec1f9b15" providerId="LiveId" clId="{32E3A89C-8A9F-44CE-BFA3-1DA71A70F3F5}" dt="2023-03-21T21:44:10.349" v="2159" actId="20577"/>
+          <ac:spMkLst>
+            <pc:docMk/>
+            <pc:sldMk cId="2136911324" sldId="267"/>
+            <ac:spMk id="6" creationId="{015B32FF-6080-7B67-F60C-B1E74D6823FC}"/>
+          </ac:spMkLst>
+        </pc:spChg>
+        <pc:spChg chg="add mod">
+          <ac:chgData name="Sajid Anjum" userId="e1e9ee02ec1f9b15" providerId="LiveId" clId="{32E3A89C-8A9F-44CE-BFA3-1DA71A70F3F5}" dt="2023-03-21T21:44:35.614" v="2286" actId="20577"/>
+          <ac:spMkLst>
+            <pc:docMk/>
+            <pc:sldMk cId="2136911324" sldId="267"/>
+            <ac:spMk id="10" creationId="{2750AAB7-2633-2E59-4D7F-13E84FDD1857}"/>
+          </ac:spMkLst>
+        </pc:spChg>
+        <pc:picChg chg="del">
+          <ac:chgData name="Sajid Anjum" userId="e1e9ee02ec1f9b15" providerId="LiveId" clId="{32E3A89C-8A9F-44CE-BFA3-1DA71A70F3F5}" dt="2023-03-21T21:42:31.664" v="2068" actId="478"/>
+          <ac:picMkLst>
+            <pc:docMk/>
+            <pc:sldMk cId="2136911324" sldId="267"/>
+            <ac:picMk id="4" creationId="{E7F0AF41-9E5A-2D0D-AA6E-AFC6AFE2C6A3}"/>
+          </ac:picMkLst>
+        </pc:picChg>
+        <pc:picChg chg="add mod">
+          <ac:chgData name="Sajid Anjum" userId="e1e9ee02ec1f9b15" providerId="LiveId" clId="{32E3A89C-8A9F-44CE-BFA3-1DA71A70F3F5}" dt="2023-03-21T21:42:42.354" v="2070"/>
+          <ac:picMkLst>
+            <pc:docMk/>
+            <pc:sldMk cId="2136911324" sldId="267"/>
+            <ac:picMk id="7" creationId="{A35CEA0F-7F2D-1A2E-6D49-125A03292071}"/>
+          </ac:picMkLst>
+        </pc:picChg>
+        <pc:picChg chg="add mod">
+          <ac:chgData name="Sajid Anjum" userId="e1e9ee02ec1f9b15" providerId="LiveId" clId="{32E3A89C-8A9F-44CE-BFA3-1DA71A70F3F5}" dt="2023-03-21T21:42:42.354" v="2070"/>
+          <ac:picMkLst>
+            <pc:docMk/>
+            <pc:sldMk cId="2136911324" sldId="267"/>
+            <ac:picMk id="8" creationId="{B19C1866-630E-0546-ED55-26BC67FC345E}"/>
+          </ac:picMkLst>
+        </pc:picChg>
+        <pc:picChg chg="add mod">
+          <ac:chgData name="Sajid Anjum" userId="e1e9ee02ec1f9b15" providerId="LiveId" clId="{32E3A89C-8A9F-44CE-BFA3-1DA71A70F3F5}" dt="2023-03-21T21:42:45.373" v="2073" actId="1076"/>
+          <ac:picMkLst>
+            <pc:docMk/>
+            <pc:sldMk cId="2136911324" sldId="267"/>
+            <ac:picMk id="9" creationId="{66A460E3-6F46-7548-C387-F9545A0B9E92}"/>
+          </ac:picMkLst>
+        </pc:picChg>
+      </pc:sldChg>
+      <pc:sldChg chg="addSp delSp modSp add mod delAnim modAnim">
+        <pc:chgData name="Sajid Anjum" userId="e1e9ee02ec1f9b15" providerId="LiveId" clId="{32E3A89C-8A9F-44CE-BFA3-1DA71A70F3F5}" dt="2023-03-21T21:46:38.647" v="2547"/>
+        <pc:sldMkLst>
+          <pc:docMk/>
+          <pc:sldMk cId="2744693983" sldId="268"/>
+        </pc:sldMkLst>
+        <pc:spChg chg="mod">
+          <ac:chgData name="Sajid Anjum" userId="e1e9ee02ec1f9b15" providerId="LiveId" clId="{32E3A89C-8A9F-44CE-BFA3-1DA71A70F3F5}" dt="2023-03-21T21:46:33.401" v="2545" actId="1076"/>
+          <ac:spMkLst>
+            <pc:docMk/>
+            <pc:sldMk cId="2744693983" sldId="268"/>
+            <ac:spMk id="2" creationId="{DF1AA8CB-B1C2-5BFA-444E-88D35BF376BA}"/>
+          </ac:spMkLst>
+        </pc:spChg>
+        <pc:spChg chg="add mod">
+          <ac:chgData name="Sajid Anjum" userId="e1e9ee02ec1f9b15" providerId="LiveId" clId="{32E3A89C-8A9F-44CE-BFA3-1DA71A70F3F5}" dt="2023-03-21T21:45:58.208" v="2533" actId="20577"/>
+          <ac:spMkLst>
+            <pc:docMk/>
+            <pc:sldMk cId="2744693983" sldId="268"/>
+            <ac:spMk id="3" creationId="{8D194478-A78B-939D-3AF4-B41CB199A7CE}"/>
+          </ac:spMkLst>
+        </pc:spChg>
+        <pc:spChg chg="mod">
+          <ac:chgData name="Sajid Anjum" userId="e1e9ee02ec1f9b15" providerId="LiveId" clId="{32E3A89C-8A9F-44CE-BFA3-1DA71A70F3F5}" dt="2023-03-21T21:45:48.190" v="2491" actId="255"/>
+          <ac:spMkLst>
+            <pc:docMk/>
+            <pc:sldMk cId="2744693983" sldId="268"/>
+            <ac:spMk id="6" creationId="{015B32FF-6080-7B67-F60C-B1E74D6823FC}"/>
+          </ac:spMkLst>
+        </pc:spChg>
+        <pc:spChg chg="del">
+          <ac:chgData name="Sajid Anjum" userId="e1e9ee02ec1f9b15" providerId="LiveId" clId="{32E3A89C-8A9F-44CE-BFA3-1DA71A70F3F5}" dt="2023-03-21T21:44:52.426" v="2288" actId="478"/>
+          <ac:spMkLst>
+            <pc:docMk/>
+            <pc:sldMk cId="2744693983" sldId="268"/>
+            <ac:spMk id="10" creationId="{2750AAB7-2633-2E59-4D7F-13E84FDD1857}"/>
+          </ac:spMkLst>
+        </pc:spChg>
+        <pc:picChg chg="add mod">
+          <ac:chgData name="Sajid Anjum" userId="e1e9ee02ec1f9b15" providerId="LiveId" clId="{32E3A89C-8A9F-44CE-BFA3-1DA71A70F3F5}" dt="2023-03-21T21:46:28.489" v="2543" actId="1076"/>
+          <ac:picMkLst>
+            <pc:docMk/>
+            <pc:sldMk cId="2744693983" sldId="268"/>
+            <ac:picMk id="4" creationId="{067A9354-7469-8EE2-9203-963EF52543C4}"/>
+          </ac:picMkLst>
+        </pc:picChg>
+        <pc:picChg chg="add mod">
+          <ac:chgData name="Sajid Anjum" userId="e1e9ee02ec1f9b15" providerId="LiveId" clId="{32E3A89C-8A9F-44CE-BFA3-1DA71A70F3F5}" dt="2023-03-21T21:46:30.330" v="2544" actId="1076"/>
+          <ac:picMkLst>
+            <pc:docMk/>
+            <pc:sldMk cId="2744693983" sldId="268"/>
+            <ac:picMk id="5" creationId="{DA6830D7-6A6F-C4FF-82E5-571A13EFE264}"/>
+          </ac:picMkLst>
+        </pc:picChg>
+        <pc:picChg chg="del">
+          <ac:chgData name="Sajid Anjum" userId="e1e9ee02ec1f9b15" providerId="LiveId" clId="{32E3A89C-8A9F-44CE-BFA3-1DA71A70F3F5}" dt="2023-03-21T21:44:52.426" v="2288" actId="478"/>
+          <ac:picMkLst>
+            <pc:docMk/>
+            <pc:sldMk cId="2744693983" sldId="268"/>
+            <ac:picMk id="9" creationId="{66A460E3-6F46-7548-C387-F9545A0B9E92}"/>
+          </ac:picMkLst>
+        </pc:picChg>
+      </pc:sldChg>
+      <pc:sldChg chg="addSp delSp modSp add mod delAnim modAnim">
+        <pc:chgData name="Sajid Anjum" userId="e1e9ee02ec1f9b15" providerId="LiveId" clId="{32E3A89C-8A9F-44CE-BFA3-1DA71A70F3F5}" dt="2023-03-21T21:49:48.313" v="2818" actId="20577"/>
+        <pc:sldMkLst>
+          <pc:docMk/>
+          <pc:sldMk cId="1905562632" sldId="269"/>
+        </pc:sldMkLst>
+        <pc:spChg chg="mod">
+          <ac:chgData name="Sajid Anjum" userId="e1e9ee02ec1f9b15" providerId="LiveId" clId="{32E3A89C-8A9F-44CE-BFA3-1DA71A70F3F5}" dt="2023-03-21T21:47:14.508" v="2566" actId="20577"/>
+          <ac:spMkLst>
+            <pc:docMk/>
+            <pc:sldMk cId="1905562632" sldId="269"/>
+            <ac:spMk id="2" creationId="{DF1AA8CB-B1C2-5BFA-444E-88D35BF376BA}"/>
+          </ac:spMkLst>
+        </pc:spChg>
+        <pc:spChg chg="add mod">
+          <ac:chgData name="Sajid Anjum" userId="e1e9ee02ec1f9b15" providerId="LiveId" clId="{32E3A89C-8A9F-44CE-BFA3-1DA71A70F3F5}" dt="2023-03-21T21:49:28.772" v="2751" actId="20577"/>
+          <ac:spMkLst>
+            <pc:docMk/>
+            <pc:sldMk cId="1905562632" sldId="269"/>
+            <ac:spMk id="4" creationId="{E77D5D57-925E-7CC7-61BB-8F6D0CE39314}"/>
+          </ac:spMkLst>
+        </pc:spChg>
+        <pc:spChg chg="mod">
+          <ac:chgData name="Sajid Anjum" userId="e1e9ee02ec1f9b15" providerId="LiveId" clId="{32E3A89C-8A9F-44CE-BFA3-1DA71A70F3F5}" dt="2023-03-21T21:47:30.137" v="2613" actId="20577"/>
+          <ac:spMkLst>
+            <pc:docMk/>
+            <pc:sldMk cId="1905562632" sldId="269"/>
+            <ac:spMk id="6" creationId="{015B32FF-6080-7B67-F60C-B1E74D6823FC}"/>
+          </ac:spMkLst>
+        </pc:spChg>
+        <pc:spChg chg="add mod">
+          <ac:chgData name="Sajid Anjum" userId="e1e9ee02ec1f9b15" providerId="LiveId" clId="{32E3A89C-8A9F-44CE-BFA3-1DA71A70F3F5}" dt="2023-03-21T21:49:48.313" v="2818" actId="20577"/>
+          <ac:spMkLst>
+            <pc:docMk/>
+            <pc:sldMk cId="1905562632" sldId="269"/>
+            <ac:spMk id="7" creationId="{25336C6F-B574-A979-0575-A0D6857C92E0}"/>
+          </ac:spMkLst>
+        </pc:spChg>
+        <pc:spChg chg="del mod">
+          <ac:chgData name="Sajid Anjum" userId="e1e9ee02ec1f9b15" providerId="LiveId" clId="{32E3A89C-8A9F-44CE-BFA3-1DA71A70F3F5}" dt="2023-03-21T21:47:34.784" v="2615" actId="478"/>
+          <ac:spMkLst>
+            <pc:docMk/>
+            <pc:sldMk cId="1905562632" sldId="269"/>
+            <ac:spMk id="10" creationId="{2750AAB7-2633-2E59-4D7F-13E84FDD1857}"/>
+          </ac:spMkLst>
+        </pc:spChg>
+        <pc:picChg chg="add del mod modCrop">
+          <ac:chgData name="Sajid Anjum" userId="e1e9ee02ec1f9b15" providerId="LiveId" clId="{32E3A89C-8A9F-44CE-BFA3-1DA71A70F3F5}" dt="2023-03-21T21:48:58.456" v="2713" actId="478"/>
+          <ac:picMkLst>
+            <pc:docMk/>
+            <pc:sldMk cId="1905562632" sldId="269"/>
+            <ac:picMk id="3" creationId="{BBE15463-C6D5-61E5-9B79-FBEAB133635C}"/>
+          </ac:picMkLst>
+        </pc:picChg>
+        <pc:picChg chg="add mod">
+          <ac:chgData name="Sajid Anjum" userId="e1e9ee02ec1f9b15" providerId="LiveId" clId="{32E3A89C-8A9F-44CE-BFA3-1DA71A70F3F5}" dt="2023-03-21T21:49:05.734" v="2718" actId="1076"/>
+          <ac:picMkLst>
+            <pc:docMk/>
+            <pc:sldMk cId="1905562632" sldId="269"/>
+            <ac:picMk id="5" creationId="{03BE2A27-D083-32D8-4DB4-B55E2A93B91C}"/>
+          </ac:picMkLst>
+        </pc:picChg>
+        <pc:picChg chg="del">
+          <ac:chgData name="Sajid Anjum" userId="e1e9ee02ec1f9b15" providerId="LiveId" clId="{32E3A89C-8A9F-44CE-BFA3-1DA71A70F3F5}" dt="2023-03-21T21:47:18.827" v="2567" actId="478"/>
+          <ac:picMkLst>
+            <pc:docMk/>
+            <pc:sldMk cId="1905562632" sldId="269"/>
+            <ac:picMk id="9" creationId="{66A460E3-6F46-7548-C387-F9545A0B9E92}"/>
+          </ac:picMkLst>
+        </pc:picChg>
+      </pc:sldChg>
+      <pc:sldChg chg="addSp delSp modSp add mod delAnim modAnim">
+        <pc:chgData name="Sajid Anjum" userId="e1e9ee02ec1f9b15" providerId="LiveId" clId="{32E3A89C-8A9F-44CE-BFA3-1DA71A70F3F5}" dt="2023-03-21T21:50:53.812" v="2840"/>
+        <pc:sldMkLst>
+          <pc:docMk/>
+          <pc:sldMk cId="301359071" sldId="270"/>
+        </pc:sldMkLst>
+        <pc:spChg chg="del">
+          <ac:chgData name="Sajid Anjum" userId="e1e9ee02ec1f9b15" providerId="LiveId" clId="{32E3A89C-8A9F-44CE-BFA3-1DA71A70F3F5}" dt="2023-03-21T21:50:13.262" v="2821" actId="478"/>
+          <ac:spMkLst>
+            <pc:docMk/>
+            <pc:sldMk cId="301359071" sldId="270"/>
+            <ac:spMk id="4" creationId="{E77D5D57-925E-7CC7-61BB-8F6D0CE39314}"/>
+          </ac:spMkLst>
+        </pc:spChg>
+        <pc:spChg chg="del">
+          <ac:chgData name="Sajid Anjum" userId="e1e9ee02ec1f9b15" providerId="LiveId" clId="{32E3A89C-8A9F-44CE-BFA3-1DA71A70F3F5}" dt="2023-03-21T21:50:13.262" v="2821" actId="478"/>
+          <ac:spMkLst>
+            <pc:docMk/>
+            <pc:sldMk cId="301359071" sldId="270"/>
+            <ac:spMk id="6" creationId="{015B32FF-6080-7B67-F60C-B1E74D6823FC}"/>
+          </ac:spMkLst>
+        </pc:spChg>
+        <pc:spChg chg="del">
+          <ac:chgData name="Sajid Anjum" userId="e1e9ee02ec1f9b15" providerId="LiveId" clId="{32E3A89C-8A9F-44CE-BFA3-1DA71A70F3F5}" dt="2023-03-21T21:50:13.262" v="2821" actId="478"/>
+          <ac:spMkLst>
+            <pc:docMk/>
+            <pc:sldMk cId="301359071" sldId="270"/>
+            <ac:spMk id="7" creationId="{25336C6F-B574-A979-0575-A0D6857C92E0}"/>
+          </ac:spMkLst>
+        </pc:spChg>
+        <pc:picChg chg="add mod">
+          <ac:chgData name="Sajid Anjum" userId="e1e9ee02ec1f9b15" providerId="LiveId" clId="{32E3A89C-8A9F-44CE-BFA3-1DA71A70F3F5}" dt="2023-03-21T21:50:15.114" v="2823"/>
+          <ac:picMkLst>
+            <pc:docMk/>
+            <pc:sldMk cId="301359071" sldId="270"/>
+            <ac:picMk id="3" creationId="{7BDD1EB1-4EF0-338E-F21A-3770163059F8}"/>
+          </ac:picMkLst>
+        </pc:picChg>
+        <pc:picChg chg="del">
+          <ac:chgData name="Sajid Anjum" userId="e1e9ee02ec1f9b15" providerId="LiveId" clId="{32E3A89C-8A9F-44CE-BFA3-1DA71A70F3F5}" dt="2023-03-21T21:50:13.262" v="2821" actId="478"/>
+          <ac:picMkLst>
+            <pc:docMk/>
+            <pc:sldMk cId="301359071" sldId="270"/>
+            <ac:picMk id="5" creationId="{03BE2A27-D083-32D8-4DB4-B55E2A93B91C}"/>
+          </ac:picMkLst>
+        </pc:picChg>
+        <pc:picChg chg="add mod">
+          <ac:chgData name="Sajid Anjum" userId="e1e9ee02ec1f9b15" providerId="LiveId" clId="{32E3A89C-8A9F-44CE-BFA3-1DA71A70F3F5}" dt="2023-03-21T21:50:37.059" v="2833" actId="1076"/>
+          <ac:picMkLst>
+            <pc:docMk/>
+            <pc:sldMk cId="301359071" sldId="270"/>
+            <ac:picMk id="8" creationId="{D78FB8E0-7931-6056-1530-FE9F10AEB345}"/>
+          </ac:picMkLst>
+        </pc:picChg>
+        <pc:picChg chg="add mod">
+          <ac:chgData name="Sajid Anjum" userId="e1e9ee02ec1f9b15" providerId="LiveId" clId="{32E3A89C-8A9F-44CE-BFA3-1DA71A70F3F5}" dt="2023-03-21T21:50:32.360" v="2830" actId="1076"/>
+          <ac:picMkLst>
+            <pc:docMk/>
+            <pc:sldMk cId="301359071" sldId="270"/>
+            <ac:picMk id="9" creationId="{006F7463-EDC2-F67A-5314-8DA3CD35452F}"/>
+          </ac:picMkLst>
+        </pc:picChg>
+        <pc:picChg chg="add mod">
+          <ac:chgData name="Sajid Anjum" userId="e1e9ee02ec1f9b15" providerId="LiveId" clId="{32E3A89C-8A9F-44CE-BFA3-1DA71A70F3F5}" dt="2023-03-21T21:50:46.203" v="2837" actId="1076"/>
+          <ac:picMkLst>
+            <pc:docMk/>
+            <pc:sldMk cId="301359071" sldId="270"/>
+            <ac:picMk id="10" creationId="{027E2E83-BF2E-A0FF-6D54-FB0CB528E9CB}"/>
+          </ac:picMkLst>
+        </pc:picChg>
+      </pc:sldChg>
+      <pc:sldChg chg="addSp delSp modSp new mod modAnim">
+        <pc:chgData name="Sajid Anjum" userId="e1e9ee02ec1f9b15" providerId="LiveId" clId="{32E3A89C-8A9F-44CE-BFA3-1DA71A70F3F5}" dt="2023-03-21T21:51:37.212" v="2854"/>
+        <pc:sldMkLst>
+          <pc:docMk/>
+          <pc:sldMk cId="48314575" sldId="271"/>
+        </pc:sldMkLst>
+        <pc:spChg chg="add mod">
+          <ac:chgData name="Sajid Anjum" userId="e1e9ee02ec1f9b15" providerId="LiveId" clId="{32E3A89C-8A9F-44CE-BFA3-1DA71A70F3F5}" dt="2023-03-21T21:50:58.944" v="2841"/>
+          <ac:spMkLst>
+            <pc:docMk/>
+            <pc:sldMk cId="48314575" sldId="271"/>
+            <ac:spMk id="2" creationId="{FD3FF9F2-C170-CE37-2E4B-EA2748F1CE52}"/>
+          </ac:spMkLst>
+        </pc:spChg>
+        <pc:spChg chg="add del mod">
+          <ac:chgData name="Sajid Anjum" userId="e1e9ee02ec1f9b15" providerId="LiveId" clId="{32E3A89C-8A9F-44CE-BFA3-1DA71A70F3F5}" dt="2023-03-21T21:51:11.692" v="2843"/>
+          <ac:spMkLst>
+            <pc:docMk/>
+            <pc:sldMk cId="48314575" sldId="271"/>
+            <ac:spMk id="3" creationId="{34CB0215-893F-68B7-EA8B-6D636DAE0AA6}"/>
+          </ac:spMkLst>
+        </pc:spChg>
+        <pc:picChg chg="add mod">
+          <ac:chgData name="Sajid Anjum" userId="e1e9ee02ec1f9b15" providerId="LiveId" clId="{32E3A89C-8A9F-44CE-BFA3-1DA71A70F3F5}" dt="2023-03-21T21:51:30.462" v="2851" actId="1076"/>
+          <ac:picMkLst>
+            <pc:docMk/>
+            <pc:sldMk cId="48314575" sldId="271"/>
+            <ac:picMk id="4" creationId="{27709BD9-CE4D-138E-4117-76C894585CD9}"/>
+          </ac:picMkLst>
+        </pc:picChg>
+        <pc:picChg chg="add mod">
+          <ac:chgData name="Sajid Anjum" userId="e1e9ee02ec1f9b15" providerId="LiveId" clId="{32E3A89C-8A9F-44CE-BFA3-1DA71A70F3F5}" dt="2023-03-21T21:51:28.962" v="2850" actId="1076"/>
+          <ac:picMkLst>
+            <pc:docMk/>
+            <pc:sldMk cId="48314575" sldId="271"/>
+            <ac:picMk id="5" creationId="{12C97817-F60B-B7BA-79A4-3C0E2172C148}"/>
+          </ac:picMkLst>
+        </pc:picChg>
+        <pc:picChg chg="add mod">
+          <ac:chgData name="Sajid Anjum" userId="e1e9ee02ec1f9b15" providerId="LiveId" clId="{32E3A89C-8A9F-44CE-BFA3-1DA71A70F3F5}" dt="2023-03-21T21:51:26.965" v="2849" actId="1076"/>
+          <ac:picMkLst>
+            <pc:docMk/>
+            <pc:sldMk cId="48314575" sldId="271"/>
+            <ac:picMk id="6" creationId="{8D6926E4-F3E4-64BB-F1D8-C9ACD19918C5}"/>
+          </ac:picMkLst>
+        </pc:picChg>
+      </pc:sldChg>
+      <pc:sldChg chg="modSp add mod ord">
+        <pc:chgData name="Sajid Anjum" userId="e1e9ee02ec1f9b15" providerId="LiveId" clId="{32E3A89C-8A9F-44CE-BFA3-1DA71A70F3F5}" dt="2023-03-21T21:51:53.293" v="2864" actId="20577"/>
+        <pc:sldMkLst>
+          <pc:docMk/>
+          <pc:sldMk cId="2619604601" sldId="272"/>
+        </pc:sldMkLst>
+        <pc:spChg chg="mod">
+          <ac:chgData name="Sajid Anjum" userId="e1e9ee02ec1f9b15" providerId="LiveId" clId="{32E3A89C-8A9F-44CE-BFA3-1DA71A70F3F5}" dt="2023-03-21T21:51:53.293" v="2864" actId="20577"/>
+          <ac:spMkLst>
+            <pc:docMk/>
+            <pc:sldMk cId="2619604601" sldId="272"/>
+            <ac:spMk id="2" creationId="{1376460D-DF1E-F392-AF46-1CF09E9A027E}"/>
+          </ac:spMkLst>
+        </pc:spChg>
+      </pc:sldChg>
+      <pc:sldChg chg="modSp add mod">
+        <pc:chgData name="Sajid Anjum" userId="e1e9ee02ec1f9b15" providerId="LiveId" clId="{32E3A89C-8A9F-44CE-BFA3-1DA71A70F3F5}" dt="2023-03-21T21:52:02.953" v="2886" actId="20577"/>
+        <pc:sldMkLst>
+          <pc:docMk/>
+          <pc:sldMk cId="2304609990" sldId="273"/>
+        </pc:sldMkLst>
+        <pc:spChg chg="mod">
+          <ac:chgData name="Sajid Anjum" userId="e1e9ee02ec1f9b15" providerId="LiveId" clId="{32E3A89C-8A9F-44CE-BFA3-1DA71A70F3F5}" dt="2023-03-21T21:52:02.953" v="2886" actId="20577"/>
+          <ac:spMkLst>
+            <pc:docMk/>
+            <pc:sldMk cId="2304609990" sldId="273"/>
+            <ac:spMk id="2" creationId="{1376460D-DF1E-F392-AF46-1CF09E9A027E}"/>
+          </ac:spMkLst>
+        </pc:spChg>
+      </pc:sldChg>
+      <pc:sldChg chg="modSp add mod">
+        <pc:chgData name="Sajid Anjum" userId="e1e9ee02ec1f9b15" providerId="LiveId" clId="{32E3A89C-8A9F-44CE-BFA3-1DA71A70F3F5}" dt="2023-03-21T21:52:43.892" v="2930" actId="20577"/>
+        <pc:sldMkLst>
+          <pc:docMk/>
+          <pc:sldMk cId="3873988772" sldId="274"/>
+        </pc:sldMkLst>
+        <pc:spChg chg="mod">
+          <ac:chgData name="Sajid Anjum" userId="e1e9ee02ec1f9b15" providerId="LiveId" clId="{32E3A89C-8A9F-44CE-BFA3-1DA71A70F3F5}" dt="2023-03-21T21:52:43.892" v="2930" actId="20577"/>
+          <ac:spMkLst>
+            <pc:docMk/>
+            <pc:sldMk cId="3873988772" sldId="274"/>
+            <ac:spMk id="2" creationId="{1376460D-DF1E-F392-AF46-1CF09E9A027E}"/>
+          </ac:spMkLst>
+        </pc:spChg>
+      </pc:sldChg>
+      <pc:sldChg chg="modSp add mod">
+        <pc:chgData name="Sajid Anjum" userId="e1e9ee02ec1f9b15" providerId="LiveId" clId="{32E3A89C-8A9F-44CE-BFA3-1DA71A70F3F5}" dt="2023-03-21T21:52:54.416" v="2946" actId="20577"/>
+        <pc:sldMkLst>
+          <pc:docMk/>
+          <pc:sldMk cId="1599034845" sldId="275"/>
+        </pc:sldMkLst>
+        <pc:spChg chg="mod">
+          <ac:chgData name="Sajid Anjum" userId="e1e9ee02ec1f9b15" providerId="LiveId" clId="{32E3A89C-8A9F-44CE-BFA3-1DA71A70F3F5}" dt="2023-03-21T21:52:54.416" v="2946" actId="20577"/>
+          <ac:spMkLst>
+            <pc:docMk/>
+            <pc:sldMk cId="1599034845" sldId="275"/>
+            <ac:spMk id="2" creationId="{1376460D-DF1E-F392-AF46-1CF09E9A027E}"/>
           </ac:spMkLst>
         </pc:spChg>
       </pc:sldChg>
@@ -393,7 +1159,6 @@
               <a:rPr lang="en-US"/>
               <a:t>Click to edit Master title style</a:t>
             </a:r>
-            <a:endParaRPr lang="en-US" dirty="0"/>
           </a:p>
         </p:txBody>
       </p:sp>
@@ -465,7 +1230,6 @@
               <a:rPr lang="en-US"/>
               <a:t>Click to edit Master subtitle style</a:t>
             </a:r>
-            <a:endParaRPr lang="en-US" dirty="0"/>
           </a:p>
         </p:txBody>
       </p:sp>
@@ -621,7 +1385,6 @@
               <a:rPr lang="en-US"/>
               <a:t>Click to edit Master title style</a:t>
             </a:r>
-            <a:endParaRPr lang="en-US" dirty="0"/>
           </a:p>
         </p:txBody>
       </p:sp>
@@ -673,7 +1436,6 @@
               <a:rPr lang="en-US"/>
               <a:t>Fifth level</a:t>
             </a:r>
-            <a:endParaRPr lang="en-US" dirty="0"/>
           </a:p>
         </p:txBody>
       </p:sp>
@@ -872,7 +1634,6 @@
               <a:rPr lang="en-US"/>
               <a:t>Click to edit Master title style</a:t>
             </a:r>
-            <a:endParaRPr lang="en-US" dirty="0"/>
           </a:p>
         </p:txBody>
       </p:sp>
@@ -929,7 +1690,6 @@
               <a:rPr lang="en-US"/>
               <a:t>Fifth level</a:t>
             </a:r>
-            <a:endParaRPr lang="en-US" dirty="0"/>
           </a:p>
         </p:txBody>
       </p:sp>
@@ -1047,7 +1807,6 @@
               <a:rPr lang="en-US"/>
               <a:t>Click to edit Master title style</a:t>
             </a:r>
-            <a:endParaRPr lang="en-US" dirty="0"/>
           </a:p>
         </p:txBody>
       </p:sp>
@@ -1099,7 +1858,6 @@
               <a:rPr lang="en-US"/>
               <a:t>Fifth level</a:t>
             </a:r>
-            <a:endParaRPr lang="en-US" dirty="0"/>
           </a:p>
         </p:txBody>
       </p:sp>
@@ -1322,7 +2080,6 @@
               <a:rPr lang="en-US"/>
               <a:t>Click to edit Master title style</a:t>
             </a:r>
-            <a:endParaRPr lang="en-US" dirty="0"/>
           </a:p>
         </p:txBody>
       </p:sp>
@@ -1603,7 +2360,6 @@
               <a:rPr lang="en-US"/>
               <a:t>Click to edit Master title style</a:t>
             </a:r>
-            <a:endParaRPr lang="en-US" dirty="0"/>
           </a:p>
         </p:txBody>
       </p:sp>
@@ -1660,7 +2416,6 @@
               <a:rPr lang="en-US"/>
               <a:t>Fifth level</a:t>
             </a:r>
-            <a:endParaRPr lang="en-US" dirty="0"/>
           </a:p>
         </p:txBody>
       </p:sp>
@@ -1717,7 +2472,6 @@
               <a:rPr lang="en-US"/>
               <a:t>Fifth level</a:t>
             </a:r>
-            <a:endParaRPr lang="en-US" dirty="0"/>
           </a:p>
         </p:txBody>
       </p:sp>
@@ -1840,7 +2594,6 @@
               <a:rPr lang="en-US"/>
               <a:t>Click to edit Master title style</a:t>
             </a:r>
-            <a:endParaRPr lang="en-US" dirty="0"/>
           </a:p>
         </p:txBody>
       </p:sp>
@@ -1968,7 +2721,6 @@
               <a:rPr lang="en-US"/>
               <a:t>Fifth level</a:t>
             </a:r>
-            <a:endParaRPr lang="en-US" dirty="0"/>
           </a:p>
         </p:txBody>
       </p:sp>
@@ -2096,7 +2848,6 @@
               <a:rPr lang="en-US"/>
               <a:t>Fifth level</a:t>
             </a:r>
-            <a:endParaRPr lang="en-US" dirty="0"/>
           </a:p>
         </p:txBody>
       </p:sp>
@@ -2214,7 +2965,6 @@
               <a:rPr lang="en-US"/>
               <a:t>Click to edit Master title style</a:t>
             </a:r>
-            <a:endParaRPr lang="en-US" dirty="0"/>
           </a:p>
         </p:txBody>
       </p:sp>
@@ -2602,7 +3352,6 @@
               <a:rPr lang="en-US"/>
               <a:t>Click to edit Master title style</a:t>
             </a:r>
-            <a:endParaRPr lang="en-US" dirty="0"/>
           </a:p>
         </p:txBody>
       </p:sp>
@@ -2659,7 +3408,6 @@
               <a:rPr lang="en-US"/>
               <a:t>Fifth level</a:t>
             </a:r>
-            <a:endParaRPr lang="en-US" dirty="0"/>
           </a:p>
         </p:txBody>
       </p:sp>
@@ -2969,7 +3717,6 @@
               <a:rPr lang="en-US"/>
               <a:t>Click to edit Master title style</a:t>
             </a:r>
-            <a:endParaRPr lang="en-US" dirty="0"/>
           </a:p>
         </p:txBody>
       </p:sp>
@@ -3039,7 +3786,6 @@
               <a:rPr lang="en-US"/>
               <a:t>Click icon to add picture</a:t>
             </a:r>
-            <a:endParaRPr lang="en-US" dirty="0"/>
           </a:p>
         </p:txBody>
       </p:sp>
@@ -3325,7 +4071,6 @@
               <a:rPr lang="en-US"/>
               <a:t>Click to edit Master title style</a:t>
             </a:r>
-            <a:endParaRPr lang="en-US" dirty="0"/>
           </a:p>
         </p:txBody>
       </p:sp>
@@ -3387,7 +4132,6 @@
               <a:rPr lang="en-US"/>
               <a:t>Fifth level</a:t>
             </a:r>
-            <a:endParaRPr lang="en-US" dirty="0"/>
           </a:p>
         </p:txBody>
       </p:sp>
@@ -4104,7 +4848,7 @@
           <a:p>
             <a:pPr algn="ctr"/>
             <a:r>
-              <a:rPr lang="en-US" sz="4000" dirty="0">
+              <a:rPr lang="en-US" sz="4000">
                 <a:solidFill>
                   <a:schemeClr val="accent2">
                     <a:lumMod val="50000"/>
@@ -4202,6 +4946,3131 @@
 </p:sld>
 </file>
 
+<file path=ppt/slides/slide10.xml><?xml version="1.0" encoding="utf-8"?>
+<p:sld xmlns:a="http://schemas.openxmlformats.org/drawingml/2006/main" xmlns:r="http://schemas.openxmlformats.org/officeDocument/2006/relationships" xmlns:p="http://schemas.openxmlformats.org/presentationml/2006/main">
+  <p:cSld>
+    <p:spTree>
+      <p:nvGrpSpPr>
+        <p:cNvPr id="1" name=""/>
+        <p:cNvGrpSpPr/>
+        <p:nvPr/>
+      </p:nvGrpSpPr>
+      <p:grpSpPr>
+        <a:xfrm>
+          <a:off x="0" y="0"/>
+          <a:ext cx="0" cy="0"/>
+          <a:chOff x="0" y="0"/>
+          <a:chExt cx="0" cy="0"/>
+        </a:xfrm>
+      </p:grpSpPr>
+      <p:sp>
+        <p:nvSpPr>
+          <p:cNvPr id="2" name="TextBox 1">
+            <a:extLst>
+              <a:ext uri="{FF2B5EF4-FFF2-40B4-BE49-F238E27FC236}">
+                <a16:creationId xmlns:a16="http://schemas.microsoft.com/office/drawing/2014/main" id="{3A7B8767-66DE-A93B-EDEB-EB98DBD15948}"/>
+              </a:ext>
+            </a:extLst>
+          </p:cNvPr>
+          <p:cNvSpPr txBox="1"/>
+          <p:nvPr/>
+        </p:nvSpPr>
+        <p:spPr>
+          <a:xfrm>
+            <a:off x="4378863" y="207819"/>
+            <a:ext cx="3748077" cy="630942"/>
+          </a:xfrm>
+          <a:prstGeom prst="rect">
+            <a:avLst/>
+          </a:prstGeom>
+          <a:noFill/>
+        </p:spPr>
+        <p:txBody>
+          <a:bodyPr wrap="none" rtlCol="0">
+            <a:spAutoFit/>
+          </a:bodyPr>
+          <a:lstStyle/>
+          <a:p>
+            <a:r>
+              <a:rPr lang="en-US" sz="3500"/>
+              <a:t>Preparation of Data</a:t>
+            </a:r>
+          </a:p>
+        </p:txBody>
+      </p:sp>
+      <p:sp>
+        <p:nvSpPr>
+          <p:cNvPr id="4" name="TextBox 3">
+            <a:extLst>
+              <a:ext uri="{FF2B5EF4-FFF2-40B4-BE49-F238E27FC236}">
+                <a16:creationId xmlns:a16="http://schemas.microsoft.com/office/drawing/2014/main" id="{8C2BD9A1-016E-FF6C-8392-D389941C6A0A}"/>
+              </a:ext>
+            </a:extLst>
+          </p:cNvPr>
+          <p:cNvSpPr txBox="1"/>
+          <p:nvPr/>
+        </p:nvSpPr>
+        <p:spPr>
+          <a:xfrm>
+            <a:off x="1449345" y="2439412"/>
+            <a:ext cx="1733167" cy="523220"/>
+          </a:xfrm>
+          <a:prstGeom prst="rect">
+            <a:avLst/>
+          </a:prstGeom>
+          <a:noFill/>
+        </p:spPr>
+        <p:txBody>
+          <a:bodyPr wrap="none" rtlCol="0">
+            <a:spAutoFit/>
+          </a:bodyPr>
+          <a:lstStyle/>
+          <a:p>
+            <a:r>
+              <a:rPr lang="en-US" sz="2800" b="1"/>
+              <a:t>Imbalance</a:t>
+            </a:r>
+          </a:p>
+        </p:txBody>
+      </p:sp>
+      <p:pic>
+        <p:nvPicPr>
+          <p:cNvPr id="8" name="Picture 7" descr="Text&#10;&#10;Description automatically generated">
+            <a:extLst>
+              <a:ext uri="{FF2B5EF4-FFF2-40B4-BE49-F238E27FC236}">
+                <a16:creationId xmlns:a16="http://schemas.microsoft.com/office/drawing/2014/main" id="{671D90AA-7E75-24CB-16BF-E0C268550126}"/>
+              </a:ext>
+            </a:extLst>
+          </p:cNvPr>
+          <p:cNvPicPr>
+            <a:picLocks noChangeAspect="1"/>
+          </p:cNvPicPr>
+          <p:nvPr/>
+        </p:nvPicPr>
+        <p:blipFill>
+          <a:blip r:embed="rId2">
+            <a:extLst>
+              <a:ext uri="{28A0092B-C50C-407E-A947-70E740481C1C}">
+                <a14:useLocalDpi xmlns:a14="http://schemas.microsoft.com/office/drawing/2010/main" val="0"/>
+              </a:ext>
+            </a:extLst>
+          </a:blip>
+          <a:stretch>
+            <a:fillRect/>
+          </a:stretch>
+        </p:blipFill>
+        <p:spPr>
+          <a:xfrm>
+            <a:off x="8667052" y="3310740"/>
+            <a:ext cx="2938382" cy="1455955"/>
+          </a:xfrm>
+          <a:prstGeom prst="rect">
+            <a:avLst/>
+          </a:prstGeom>
+        </p:spPr>
+      </p:pic>
+      <p:pic>
+        <p:nvPicPr>
+          <p:cNvPr id="9" name="Picture 8" descr="Text&#10;&#10;Description automatically generated">
+            <a:extLst>
+              <a:ext uri="{FF2B5EF4-FFF2-40B4-BE49-F238E27FC236}">
+                <a16:creationId xmlns:a16="http://schemas.microsoft.com/office/drawing/2014/main" id="{14C59AD3-C180-BA4E-F728-006EE90661CE}"/>
+              </a:ext>
+            </a:extLst>
+          </p:cNvPr>
+          <p:cNvPicPr>
+            <a:picLocks noChangeAspect="1"/>
+          </p:cNvPicPr>
+          <p:nvPr/>
+        </p:nvPicPr>
+        <p:blipFill>
+          <a:blip r:embed="rId3">
+            <a:extLst>
+              <a:ext uri="{28A0092B-C50C-407E-A947-70E740481C1C}">
+                <a14:useLocalDpi xmlns:a14="http://schemas.microsoft.com/office/drawing/2010/main" val="0"/>
+              </a:ext>
+            </a:extLst>
+          </a:blip>
+          <a:stretch>
+            <a:fillRect/>
+          </a:stretch>
+        </p:blipFill>
+        <p:spPr>
+          <a:xfrm>
+            <a:off x="981304" y="3317667"/>
+            <a:ext cx="2669251" cy="1455955"/>
+          </a:xfrm>
+          <a:prstGeom prst="rect">
+            <a:avLst/>
+          </a:prstGeom>
+        </p:spPr>
+      </p:pic>
+      <mc:AlternateContent xmlns:mc="http://schemas.openxmlformats.org/markup-compatibility/2006">
+        <mc:Choice xmlns:a14="http://schemas.microsoft.com/office/drawing/2010/main" Requires="a14">
+          <p:sp>
+            <p:nvSpPr>
+              <p:cNvPr id="10" name="TextBox 9">
+                <a:extLst>
+                  <a:ext uri="{FF2B5EF4-FFF2-40B4-BE49-F238E27FC236}">
+                    <a16:creationId xmlns:a16="http://schemas.microsoft.com/office/drawing/2014/main" id="{E05FC820-9F58-48E5-9A09-E7DE55F5D921}"/>
+                  </a:ext>
+                </a:extLst>
+              </p:cNvPr>
+              <p:cNvSpPr txBox="1"/>
+              <p:nvPr/>
+            </p:nvSpPr>
+            <p:spPr>
+              <a:xfrm>
+                <a:off x="4178955" y="1140956"/>
+                <a:ext cx="4147892" cy="954107"/>
+              </a:xfrm>
+              <a:prstGeom prst="rect">
+                <a:avLst/>
+              </a:prstGeom>
+              <a:noFill/>
+            </p:spPr>
+            <p:txBody>
+              <a:bodyPr wrap="square" rtlCol="0">
+                <a:spAutoFit/>
+              </a:bodyPr>
+              <a:lstStyle/>
+              <a:p>
+                <a:r>
+                  <a:rPr lang="en-US" sz="2800" b="1"/>
+                  <a:t>Use SMOTE to oversample the data with </a:t>
+                </a:r>
+                <a14:m>
+                  <m:oMath xmlns:m="http://schemas.openxmlformats.org/officeDocument/2006/math">
+                    <m:r>
+                      <a:rPr lang="en-US" sz="2800" b="1" i="0" dirty="0" smtClean="0">
+                        <a:latin typeface="Cambria Math" panose="02040503050406030204" pitchFamily="18" charset="0"/>
+                      </a:rPr>
+                      <m:t>𝐓𝐚𝐫𝐠𝐞𝐭</m:t>
+                    </m:r>
+                    <m:r>
+                      <a:rPr lang="en-US" sz="2800" b="1" i="0" dirty="0" smtClean="0">
+                        <a:latin typeface="Cambria Math" panose="02040503050406030204" pitchFamily="18" charset="0"/>
+                      </a:rPr>
+                      <m:t>=</m:t>
+                    </m:r>
+                    <m:r>
+                      <a:rPr lang="en-US" sz="2800" b="1" i="0" dirty="0" smtClean="0">
+                        <a:latin typeface="Cambria Math" panose="02040503050406030204" pitchFamily="18" charset="0"/>
+                      </a:rPr>
+                      <m:t>𝟏</m:t>
+                    </m:r>
+                  </m:oMath>
+                </a14:m>
+                <a:endParaRPr lang="en-US" sz="2800" b="1"/>
+              </a:p>
+            </p:txBody>
+          </p:sp>
+        </mc:Choice>
+        <mc:Fallback>
+          <p:sp>
+            <p:nvSpPr>
+              <p:cNvPr id="10" name="TextBox 9">
+                <a:extLst>
+                  <a:ext uri="{FF2B5EF4-FFF2-40B4-BE49-F238E27FC236}">
+                    <a16:creationId xmlns:a16="http://schemas.microsoft.com/office/drawing/2014/main" id="{E05FC820-9F58-48E5-9A09-E7DE55F5D921}"/>
+                  </a:ext>
+                </a:extLst>
+              </p:cNvPr>
+              <p:cNvSpPr txBox="1">
+                <a:spLocks noRot="1" noChangeAspect="1" noMove="1" noResize="1" noEditPoints="1" noAdjustHandles="1" noChangeArrowheads="1" noChangeShapeType="1" noTextEdit="1"/>
+              </p:cNvSpPr>
+              <p:nvPr/>
+            </p:nvSpPr>
+            <p:spPr>
+              <a:xfrm>
+                <a:off x="4178955" y="1140956"/>
+                <a:ext cx="4147892" cy="954107"/>
+              </a:xfrm>
+              <a:prstGeom prst="rect">
+                <a:avLst/>
+              </a:prstGeom>
+              <a:blipFill>
+                <a:blip r:embed="rId4"/>
+                <a:stretch>
+                  <a:fillRect l="-3088" t="-5732" r="-3088" b="-17197"/>
+                </a:stretch>
+              </a:blipFill>
+            </p:spPr>
+            <p:txBody>
+              <a:bodyPr/>
+              <a:lstStyle/>
+              <a:p>
+                <a:r>
+                  <a:rPr lang="en-US">
+                    <a:noFill/>
+                  </a:rPr>
+                  <a:t> </a:t>
+                </a:r>
+              </a:p>
+            </p:txBody>
+          </p:sp>
+        </mc:Fallback>
+      </mc:AlternateContent>
+      <p:sp>
+        <p:nvSpPr>
+          <p:cNvPr id="11" name="TextBox 10">
+            <a:extLst>
+              <a:ext uri="{FF2B5EF4-FFF2-40B4-BE49-F238E27FC236}">
+                <a16:creationId xmlns:a16="http://schemas.microsoft.com/office/drawing/2014/main" id="{E1E76422-88F5-A540-295F-94C92D440AE5}"/>
+              </a:ext>
+            </a:extLst>
+          </p:cNvPr>
+          <p:cNvSpPr txBox="1"/>
+          <p:nvPr/>
+        </p:nvSpPr>
+        <p:spPr>
+          <a:xfrm>
+            <a:off x="9009488" y="2450604"/>
+            <a:ext cx="1354858" cy="523220"/>
+          </a:xfrm>
+          <a:prstGeom prst="rect">
+            <a:avLst/>
+          </a:prstGeom>
+          <a:noFill/>
+        </p:spPr>
+        <p:txBody>
+          <a:bodyPr wrap="none" rtlCol="0">
+            <a:spAutoFit/>
+          </a:bodyPr>
+          <a:lstStyle/>
+          <a:p>
+            <a:r>
+              <a:rPr lang="en-US" sz="2800" b="1"/>
+              <a:t>Balance</a:t>
+            </a:r>
+          </a:p>
+        </p:txBody>
+      </p:sp>
+    </p:spTree>
+    <p:extLst>
+      <p:ext uri="{BB962C8B-B14F-4D97-AF65-F5344CB8AC3E}">
+        <p14:creationId xmlns:p14="http://schemas.microsoft.com/office/powerpoint/2010/main" val="2281693076"/>
+      </p:ext>
+    </p:extLst>
+  </p:cSld>
+  <p:clrMapOvr>
+    <a:masterClrMapping/>
+  </p:clrMapOvr>
+  <p:timing>
+    <p:tnLst>
+      <p:par>
+        <p:cTn id="1" dur="indefinite" restart="never" nodeType="tmRoot">
+          <p:childTnLst>
+            <p:seq concurrent="1" nextAc="seek">
+              <p:cTn id="2" dur="indefinite" nodeType="mainSeq">
+                <p:childTnLst>
+                  <p:par>
+                    <p:cTn id="3" fill="hold">
+                      <p:stCondLst>
+                        <p:cond delay="indefinite"/>
+                      </p:stCondLst>
+                      <p:childTnLst>
+                        <p:par>
+                          <p:cTn id="4" fill="hold">
+                            <p:stCondLst>
+                              <p:cond delay="0"/>
+                            </p:stCondLst>
+                            <p:childTnLst>
+                              <p:par>
+                                <p:cTn id="5" presetID="1" presetClass="entr" presetSubtype="0" fill="hold" grpId="0" nodeType="clickEffect">
+                                  <p:stCondLst>
+                                    <p:cond delay="0"/>
+                                  </p:stCondLst>
+                                  <p:childTnLst>
+                                    <p:set>
+                                      <p:cBhvr>
+                                        <p:cTn id="6" dur="1" fill="hold">
+                                          <p:stCondLst>
+                                            <p:cond delay="0"/>
+                                          </p:stCondLst>
+                                        </p:cTn>
+                                        <p:tgtEl>
+                                          <p:spTgt spid="4"/>
+                                        </p:tgtEl>
+                                        <p:attrNameLst>
+                                          <p:attrName>style.visibility</p:attrName>
+                                        </p:attrNameLst>
+                                      </p:cBhvr>
+                                      <p:to>
+                                        <p:strVal val="visible"/>
+                                      </p:to>
+                                    </p:set>
+                                  </p:childTnLst>
+                                </p:cTn>
+                              </p:par>
+                            </p:childTnLst>
+                          </p:cTn>
+                        </p:par>
+                      </p:childTnLst>
+                    </p:cTn>
+                  </p:par>
+                  <p:par>
+                    <p:cTn id="7" fill="hold">
+                      <p:stCondLst>
+                        <p:cond delay="indefinite"/>
+                      </p:stCondLst>
+                      <p:childTnLst>
+                        <p:par>
+                          <p:cTn id="8" fill="hold">
+                            <p:stCondLst>
+                              <p:cond delay="0"/>
+                            </p:stCondLst>
+                            <p:childTnLst>
+                              <p:par>
+                                <p:cTn id="9" presetID="1" presetClass="entr" presetSubtype="0" fill="hold" nodeType="clickEffect">
+                                  <p:stCondLst>
+                                    <p:cond delay="0"/>
+                                  </p:stCondLst>
+                                  <p:childTnLst>
+                                    <p:set>
+                                      <p:cBhvr>
+                                        <p:cTn id="10" dur="1" fill="hold">
+                                          <p:stCondLst>
+                                            <p:cond delay="0"/>
+                                          </p:stCondLst>
+                                        </p:cTn>
+                                        <p:tgtEl>
+                                          <p:spTgt spid="9"/>
+                                        </p:tgtEl>
+                                        <p:attrNameLst>
+                                          <p:attrName>style.visibility</p:attrName>
+                                        </p:attrNameLst>
+                                      </p:cBhvr>
+                                      <p:to>
+                                        <p:strVal val="visible"/>
+                                      </p:to>
+                                    </p:set>
+                                  </p:childTnLst>
+                                </p:cTn>
+                              </p:par>
+                            </p:childTnLst>
+                          </p:cTn>
+                        </p:par>
+                      </p:childTnLst>
+                    </p:cTn>
+                  </p:par>
+                  <p:par>
+                    <p:cTn id="11" fill="hold">
+                      <p:stCondLst>
+                        <p:cond delay="indefinite"/>
+                      </p:stCondLst>
+                      <p:childTnLst>
+                        <p:par>
+                          <p:cTn id="12" fill="hold">
+                            <p:stCondLst>
+                              <p:cond delay="0"/>
+                            </p:stCondLst>
+                            <p:childTnLst>
+                              <p:par>
+                                <p:cTn id="13" presetID="1" presetClass="entr" presetSubtype="0" fill="hold" grpId="0" nodeType="clickEffect">
+                                  <p:stCondLst>
+                                    <p:cond delay="0"/>
+                                  </p:stCondLst>
+                                  <p:childTnLst>
+                                    <p:set>
+                                      <p:cBhvr>
+                                        <p:cTn id="14" dur="1" fill="hold">
+                                          <p:stCondLst>
+                                            <p:cond delay="0"/>
+                                          </p:stCondLst>
+                                        </p:cTn>
+                                        <p:tgtEl>
+                                          <p:spTgt spid="10"/>
+                                        </p:tgtEl>
+                                        <p:attrNameLst>
+                                          <p:attrName>style.visibility</p:attrName>
+                                        </p:attrNameLst>
+                                      </p:cBhvr>
+                                      <p:to>
+                                        <p:strVal val="visible"/>
+                                      </p:to>
+                                    </p:set>
+                                  </p:childTnLst>
+                                </p:cTn>
+                              </p:par>
+                            </p:childTnLst>
+                          </p:cTn>
+                        </p:par>
+                      </p:childTnLst>
+                    </p:cTn>
+                  </p:par>
+                  <p:par>
+                    <p:cTn id="15" fill="hold">
+                      <p:stCondLst>
+                        <p:cond delay="indefinite"/>
+                      </p:stCondLst>
+                      <p:childTnLst>
+                        <p:par>
+                          <p:cTn id="16" fill="hold">
+                            <p:stCondLst>
+                              <p:cond delay="0"/>
+                            </p:stCondLst>
+                            <p:childTnLst>
+                              <p:par>
+                                <p:cTn id="17" presetID="1" presetClass="entr" presetSubtype="0" fill="hold" grpId="0" nodeType="clickEffect">
+                                  <p:stCondLst>
+                                    <p:cond delay="0"/>
+                                  </p:stCondLst>
+                                  <p:childTnLst>
+                                    <p:set>
+                                      <p:cBhvr>
+                                        <p:cTn id="18" dur="1" fill="hold">
+                                          <p:stCondLst>
+                                            <p:cond delay="0"/>
+                                          </p:stCondLst>
+                                        </p:cTn>
+                                        <p:tgtEl>
+                                          <p:spTgt spid="11"/>
+                                        </p:tgtEl>
+                                        <p:attrNameLst>
+                                          <p:attrName>style.visibility</p:attrName>
+                                        </p:attrNameLst>
+                                      </p:cBhvr>
+                                      <p:to>
+                                        <p:strVal val="visible"/>
+                                      </p:to>
+                                    </p:set>
+                                  </p:childTnLst>
+                                </p:cTn>
+                              </p:par>
+                            </p:childTnLst>
+                          </p:cTn>
+                        </p:par>
+                      </p:childTnLst>
+                    </p:cTn>
+                  </p:par>
+                  <p:par>
+                    <p:cTn id="19" fill="hold">
+                      <p:stCondLst>
+                        <p:cond delay="indefinite"/>
+                      </p:stCondLst>
+                      <p:childTnLst>
+                        <p:par>
+                          <p:cTn id="20" fill="hold">
+                            <p:stCondLst>
+                              <p:cond delay="0"/>
+                            </p:stCondLst>
+                            <p:childTnLst>
+                              <p:par>
+                                <p:cTn id="21" presetID="1" presetClass="entr" presetSubtype="0" fill="hold" nodeType="clickEffect">
+                                  <p:stCondLst>
+                                    <p:cond delay="0"/>
+                                  </p:stCondLst>
+                                  <p:childTnLst>
+                                    <p:set>
+                                      <p:cBhvr>
+                                        <p:cTn id="22" dur="1" fill="hold">
+                                          <p:stCondLst>
+                                            <p:cond delay="0"/>
+                                          </p:stCondLst>
+                                        </p:cTn>
+                                        <p:tgtEl>
+                                          <p:spTgt spid="8"/>
+                                        </p:tgtEl>
+                                        <p:attrNameLst>
+                                          <p:attrName>style.visibility</p:attrName>
+                                        </p:attrNameLst>
+                                      </p:cBhvr>
+                                      <p:to>
+                                        <p:strVal val="visible"/>
+                                      </p:to>
+                                    </p:set>
+                                  </p:childTnLst>
+                                </p:cTn>
+                              </p:par>
+                            </p:childTnLst>
+                          </p:cTn>
+                        </p:par>
+                      </p:childTnLst>
+                    </p:cTn>
+                  </p:par>
+                </p:childTnLst>
+              </p:cTn>
+              <p:prevCondLst>
+                <p:cond evt="onPrev" delay="0">
+                  <p:tgtEl>
+                    <p:sldTgt/>
+                  </p:tgtEl>
+                </p:cond>
+              </p:prevCondLst>
+              <p:nextCondLst>
+                <p:cond evt="onNext" delay="0">
+                  <p:tgtEl>
+                    <p:sldTgt/>
+                  </p:tgtEl>
+                </p:cond>
+              </p:nextCondLst>
+            </p:seq>
+          </p:childTnLst>
+        </p:cTn>
+      </p:par>
+    </p:tnLst>
+    <p:bldLst>
+      <p:bldP spid="4" grpId="0"/>
+      <p:bldP spid="10" grpId="0"/>
+      <p:bldP spid="11" grpId="0"/>
+    </p:bldLst>
+  </p:timing>
+</p:sld>
+</file>
+
+<file path=ppt/slides/slide11.xml><?xml version="1.0" encoding="utf-8"?>
+<p:sld xmlns:a="http://schemas.openxmlformats.org/drawingml/2006/main" xmlns:r="http://schemas.openxmlformats.org/officeDocument/2006/relationships" xmlns:p="http://schemas.openxmlformats.org/presentationml/2006/main">
+  <p:cSld>
+    <p:spTree>
+      <p:nvGrpSpPr>
+        <p:cNvPr id="1" name=""/>
+        <p:cNvGrpSpPr/>
+        <p:nvPr/>
+      </p:nvGrpSpPr>
+      <p:grpSpPr>
+        <a:xfrm>
+          <a:off x="0" y="0"/>
+          <a:ext cx="0" cy="0"/>
+          <a:chOff x="0" y="0"/>
+          <a:chExt cx="0" cy="0"/>
+        </a:xfrm>
+      </p:grpSpPr>
+      <p:sp>
+        <p:nvSpPr>
+          <p:cNvPr id="2" name="TextBox 1">
+            <a:extLst>
+              <a:ext uri="{FF2B5EF4-FFF2-40B4-BE49-F238E27FC236}">
+                <a16:creationId xmlns:a16="http://schemas.microsoft.com/office/drawing/2014/main" id="{DF1AA8CB-B1C2-5BFA-444E-88D35BF376BA}"/>
+              </a:ext>
+            </a:extLst>
+          </p:cNvPr>
+          <p:cNvSpPr txBox="1"/>
+          <p:nvPr/>
+        </p:nvSpPr>
+        <p:spPr>
+          <a:xfrm>
+            <a:off x="4378863" y="207819"/>
+            <a:ext cx="3438762" cy="630942"/>
+          </a:xfrm>
+          <a:prstGeom prst="rect">
+            <a:avLst/>
+          </a:prstGeom>
+          <a:noFill/>
+        </p:spPr>
+        <p:txBody>
+          <a:bodyPr wrap="none" rtlCol="0">
+            <a:spAutoFit/>
+          </a:bodyPr>
+          <a:lstStyle/>
+          <a:p>
+            <a:r>
+              <a:rPr lang="en-US" sz="3500"/>
+              <a:t>Machine Learning</a:t>
+            </a:r>
+          </a:p>
+        </p:txBody>
+      </p:sp>
+      <p:sp>
+        <p:nvSpPr>
+          <p:cNvPr id="3" name="TextBox 2">
+            <a:extLst>
+              <a:ext uri="{FF2B5EF4-FFF2-40B4-BE49-F238E27FC236}">
+                <a16:creationId xmlns:a16="http://schemas.microsoft.com/office/drawing/2014/main" id="{62D2A763-7C61-72D6-C15A-05D35C48B4D0}"/>
+              </a:ext>
+            </a:extLst>
+          </p:cNvPr>
+          <p:cNvSpPr txBox="1"/>
+          <p:nvPr/>
+        </p:nvSpPr>
+        <p:spPr>
+          <a:xfrm>
+            <a:off x="499590" y="1108365"/>
+            <a:ext cx="4756334" cy="923330"/>
+          </a:xfrm>
+          <a:prstGeom prst="rect">
+            <a:avLst/>
+          </a:prstGeom>
+          <a:noFill/>
+        </p:spPr>
+        <p:txBody>
+          <a:bodyPr wrap="square" rtlCol="0">
+            <a:spAutoFit/>
+          </a:bodyPr>
+          <a:lstStyle/>
+          <a:p>
+            <a:pPr marL="457200" indent="-457200">
+              <a:buFont typeface="Arial" panose="020B0604020202020204" pitchFamily="34" charset="0"/>
+              <a:buChar char="•"/>
+            </a:pPr>
+            <a:r>
+              <a:rPr lang="en-US" sz="2700"/>
+              <a:t>A Tree model (</a:t>
+            </a:r>
+            <a:r>
+              <a:rPr lang="en-US" sz="2700" err="1"/>
+              <a:t>LGBMClassifer</a:t>
+            </a:r>
+            <a:r>
+              <a:rPr lang="en-US" sz="2700"/>
+              <a:t>) worked best</a:t>
+            </a:r>
+          </a:p>
+        </p:txBody>
+      </p:sp>
+      <p:pic>
+        <p:nvPicPr>
+          <p:cNvPr id="4" name="Picture 3" descr="Table&#10;&#10;Description automatically generated">
+            <a:extLst>
+              <a:ext uri="{FF2B5EF4-FFF2-40B4-BE49-F238E27FC236}">
+                <a16:creationId xmlns:a16="http://schemas.microsoft.com/office/drawing/2014/main" id="{E7F0AF41-9E5A-2D0D-AA6E-AFC6AFE2C6A3}"/>
+              </a:ext>
+            </a:extLst>
+          </p:cNvPr>
+          <p:cNvPicPr>
+            <a:picLocks noChangeAspect="1"/>
+          </p:cNvPicPr>
+          <p:nvPr/>
+        </p:nvPicPr>
+        <p:blipFill>
+          <a:blip r:embed="rId2">
+            <a:extLst>
+              <a:ext uri="{28A0092B-C50C-407E-A947-70E740481C1C}">
+                <a14:useLocalDpi xmlns:a14="http://schemas.microsoft.com/office/drawing/2010/main" val="0"/>
+              </a:ext>
+            </a:extLst>
+          </a:blip>
+          <a:stretch>
+            <a:fillRect/>
+          </a:stretch>
+        </p:blipFill>
+        <p:spPr>
+          <a:xfrm>
+            <a:off x="5255924" y="1043145"/>
+            <a:ext cx="6783677" cy="3784776"/>
+          </a:xfrm>
+          <a:prstGeom prst="rect">
+            <a:avLst/>
+          </a:prstGeom>
+        </p:spPr>
+      </p:pic>
+      <p:sp>
+        <p:nvSpPr>
+          <p:cNvPr id="5" name="TextBox 4">
+            <a:extLst>
+              <a:ext uri="{FF2B5EF4-FFF2-40B4-BE49-F238E27FC236}">
+                <a16:creationId xmlns:a16="http://schemas.microsoft.com/office/drawing/2014/main" id="{2877E095-50BA-EF8C-31A9-56A8F4E40401}"/>
+              </a:ext>
+            </a:extLst>
+          </p:cNvPr>
+          <p:cNvSpPr txBox="1"/>
+          <p:nvPr/>
+        </p:nvSpPr>
+        <p:spPr>
+          <a:xfrm>
+            <a:off x="499590" y="2301299"/>
+            <a:ext cx="4756334" cy="923330"/>
+          </a:xfrm>
+          <a:prstGeom prst="rect">
+            <a:avLst/>
+          </a:prstGeom>
+          <a:noFill/>
+        </p:spPr>
+        <p:txBody>
+          <a:bodyPr wrap="square" rtlCol="0">
+            <a:spAutoFit/>
+          </a:bodyPr>
+          <a:lstStyle/>
+          <a:p>
+            <a:pPr marL="457200" indent="-457200">
+              <a:buFont typeface="Arial" panose="020B0604020202020204" pitchFamily="34" charset="0"/>
+              <a:buChar char="•"/>
+            </a:pPr>
+            <a:r>
+              <a:rPr lang="en-US" sz="2700"/>
+              <a:t>The model was able to identify every single default</a:t>
+            </a:r>
+          </a:p>
+        </p:txBody>
+      </p:sp>
+      <p:sp>
+        <p:nvSpPr>
+          <p:cNvPr id="6" name="TextBox 5">
+            <a:extLst>
+              <a:ext uri="{FF2B5EF4-FFF2-40B4-BE49-F238E27FC236}">
+                <a16:creationId xmlns:a16="http://schemas.microsoft.com/office/drawing/2014/main" id="{015B32FF-6080-7B67-F60C-B1E74D6823FC}"/>
+              </a:ext>
+            </a:extLst>
+          </p:cNvPr>
+          <p:cNvSpPr txBox="1"/>
+          <p:nvPr/>
+        </p:nvSpPr>
+        <p:spPr>
+          <a:xfrm>
+            <a:off x="499590" y="3485876"/>
+            <a:ext cx="5028374" cy="2585323"/>
+          </a:xfrm>
+          <a:prstGeom prst="rect">
+            <a:avLst/>
+          </a:prstGeom>
+          <a:noFill/>
+        </p:spPr>
+        <p:txBody>
+          <a:bodyPr wrap="square" rtlCol="0">
+            <a:spAutoFit/>
+          </a:bodyPr>
+          <a:lstStyle/>
+          <a:p>
+            <a:pPr marL="457200" indent="-457200">
+              <a:buFont typeface="Arial" panose="020B0604020202020204" pitchFamily="34" charset="0"/>
+              <a:buChar char="•"/>
+            </a:pPr>
+            <a:r>
+              <a:rPr lang="en-US" sz="2700"/>
+              <a:t>The recall was 0.83, which means that for every 5 loans the model correctly identified as a default, one good customer was incorrectly predicted to default.</a:t>
+            </a:r>
+          </a:p>
+        </p:txBody>
+      </p:sp>
+    </p:spTree>
+    <p:extLst>
+      <p:ext uri="{BB962C8B-B14F-4D97-AF65-F5344CB8AC3E}">
+        <p14:creationId xmlns:p14="http://schemas.microsoft.com/office/powerpoint/2010/main" val="2994325091"/>
+      </p:ext>
+    </p:extLst>
+  </p:cSld>
+  <p:clrMapOvr>
+    <a:masterClrMapping/>
+  </p:clrMapOvr>
+  <p:timing>
+    <p:tnLst>
+      <p:par>
+        <p:cTn id="1" dur="indefinite" restart="never" nodeType="tmRoot">
+          <p:childTnLst>
+            <p:seq concurrent="1" nextAc="seek">
+              <p:cTn id="2" dur="indefinite" nodeType="mainSeq">
+                <p:childTnLst>
+                  <p:par>
+                    <p:cTn id="3" fill="hold">
+                      <p:stCondLst>
+                        <p:cond delay="indefinite"/>
+                      </p:stCondLst>
+                      <p:childTnLst>
+                        <p:par>
+                          <p:cTn id="4" fill="hold">
+                            <p:stCondLst>
+                              <p:cond delay="0"/>
+                            </p:stCondLst>
+                            <p:childTnLst>
+                              <p:par>
+                                <p:cTn id="5" presetID="1" presetClass="entr" presetSubtype="0" fill="hold" grpId="0" nodeType="clickEffect">
+                                  <p:stCondLst>
+                                    <p:cond delay="0"/>
+                                  </p:stCondLst>
+                                  <p:childTnLst>
+                                    <p:set>
+                                      <p:cBhvr>
+                                        <p:cTn id="6" dur="1" fill="hold">
+                                          <p:stCondLst>
+                                            <p:cond delay="0"/>
+                                          </p:stCondLst>
+                                        </p:cTn>
+                                        <p:tgtEl>
+                                          <p:spTgt spid="3"/>
+                                        </p:tgtEl>
+                                        <p:attrNameLst>
+                                          <p:attrName>style.visibility</p:attrName>
+                                        </p:attrNameLst>
+                                      </p:cBhvr>
+                                      <p:to>
+                                        <p:strVal val="visible"/>
+                                      </p:to>
+                                    </p:set>
+                                  </p:childTnLst>
+                                </p:cTn>
+                              </p:par>
+                            </p:childTnLst>
+                          </p:cTn>
+                        </p:par>
+                      </p:childTnLst>
+                    </p:cTn>
+                  </p:par>
+                  <p:par>
+                    <p:cTn id="7" fill="hold">
+                      <p:stCondLst>
+                        <p:cond delay="indefinite"/>
+                      </p:stCondLst>
+                      <p:childTnLst>
+                        <p:par>
+                          <p:cTn id="8" fill="hold">
+                            <p:stCondLst>
+                              <p:cond delay="0"/>
+                            </p:stCondLst>
+                            <p:childTnLst>
+                              <p:par>
+                                <p:cTn id="9" presetID="1" presetClass="entr" presetSubtype="0" fill="hold" grpId="0" nodeType="clickEffect">
+                                  <p:stCondLst>
+                                    <p:cond delay="0"/>
+                                  </p:stCondLst>
+                                  <p:childTnLst>
+                                    <p:set>
+                                      <p:cBhvr>
+                                        <p:cTn id="10" dur="1" fill="hold">
+                                          <p:stCondLst>
+                                            <p:cond delay="0"/>
+                                          </p:stCondLst>
+                                        </p:cTn>
+                                        <p:tgtEl>
+                                          <p:spTgt spid="5"/>
+                                        </p:tgtEl>
+                                        <p:attrNameLst>
+                                          <p:attrName>style.visibility</p:attrName>
+                                        </p:attrNameLst>
+                                      </p:cBhvr>
+                                      <p:to>
+                                        <p:strVal val="visible"/>
+                                      </p:to>
+                                    </p:set>
+                                  </p:childTnLst>
+                                </p:cTn>
+                              </p:par>
+                            </p:childTnLst>
+                          </p:cTn>
+                        </p:par>
+                      </p:childTnLst>
+                    </p:cTn>
+                  </p:par>
+                  <p:par>
+                    <p:cTn id="11" fill="hold">
+                      <p:stCondLst>
+                        <p:cond delay="indefinite"/>
+                      </p:stCondLst>
+                      <p:childTnLst>
+                        <p:par>
+                          <p:cTn id="12" fill="hold">
+                            <p:stCondLst>
+                              <p:cond delay="0"/>
+                            </p:stCondLst>
+                            <p:childTnLst>
+                              <p:par>
+                                <p:cTn id="13" presetID="1" presetClass="entr" presetSubtype="0" fill="hold" grpId="0" nodeType="clickEffect">
+                                  <p:stCondLst>
+                                    <p:cond delay="0"/>
+                                  </p:stCondLst>
+                                  <p:childTnLst>
+                                    <p:set>
+                                      <p:cBhvr>
+                                        <p:cTn id="14" dur="1" fill="hold">
+                                          <p:stCondLst>
+                                            <p:cond delay="0"/>
+                                          </p:stCondLst>
+                                        </p:cTn>
+                                        <p:tgtEl>
+                                          <p:spTgt spid="6"/>
+                                        </p:tgtEl>
+                                        <p:attrNameLst>
+                                          <p:attrName>style.visibility</p:attrName>
+                                        </p:attrNameLst>
+                                      </p:cBhvr>
+                                      <p:to>
+                                        <p:strVal val="visible"/>
+                                      </p:to>
+                                    </p:set>
+                                  </p:childTnLst>
+                                </p:cTn>
+                              </p:par>
+                            </p:childTnLst>
+                          </p:cTn>
+                        </p:par>
+                      </p:childTnLst>
+                    </p:cTn>
+                  </p:par>
+                </p:childTnLst>
+              </p:cTn>
+              <p:prevCondLst>
+                <p:cond evt="onPrev" delay="0">
+                  <p:tgtEl>
+                    <p:sldTgt/>
+                  </p:tgtEl>
+                </p:cond>
+              </p:prevCondLst>
+              <p:nextCondLst>
+                <p:cond evt="onNext" delay="0">
+                  <p:tgtEl>
+                    <p:sldTgt/>
+                  </p:tgtEl>
+                </p:cond>
+              </p:nextCondLst>
+            </p:seq>
+          </p:childTnLst>
+        </p:cTn>
+      </p:par>
+    </p:tnLst>
+    <p:bldLst>
+      <p:bldP spid="3" grpId="0"/>
+      <p:bldP spid="5" grpId="0"/>
+      <p:bldP spid="6" grpId="0"/>
+    </p:bldLst>
+  </p:timing>
+</p:sld>
+</file>
+
+<file path=ppt/slides/slide12.xml><?xml version="1.0" encoding="utf-8"?>
+<p:sld xmlns:a="http://schemas.openxmlformats.org/drawingml/2006/main" xmlns:r="http://schemas.openxmlformats.org/officeDocument/2006/relationships" xmlns:p="http://schemas.openxmlformats.org/presentationml/2006/main">
+  <p:cSld>
+    <p:spTree>
+      <p:nvGrpSpPr>
+        <p:cNvPr id="1" name=""/>
+        <p:cNvGrpSpPr/>
+        <p:nvPr/>
+      </p:nvGrpSpPr>
+      <p:grpSpPr>
+        <a:xfrm>
+          <a:off x="0" y="0"/>
+          <a:ext cx="0" cy="0"/>
+          <a:chOff x="0" y="0"/>
+          <a:chExt cx="0" cy="0"/>
+        </a:xfrm>
+      </p:grpSpPr>
+      <p:sp>
+        <p:nvSpPr>
+          <p:cNvPr id="2" name="TextBox 1">
+            <a:extLst>
+              <a:ext uri="{FF2B5EF4-FFF2-40B4-BE49-F238E27FC236}">
+                <a16:creationId xmlns:a16="http://schemas.microsoft.com/office/drawing/2014/main" id="{DF1AA8CB-B1C2-5BFA-444E-88D35BF376BA}"/>
+              </a:ext>
+            </a:extLst>
+          </p:cNvPr>
+          <p:cNvSpPr txBox="1"/>
+          <p:nvPr/>
+        </p:nvSpPr>
+        <p:spPr>
+          <a:xfrm>
+            <a:off x="4378863" y="207819"/>
+            <a:ext cx="3438762" cy="630942"/>
+          </a:xfrm>
+          <a:prstGeom prst="rect">
+            <a:avLst/>
+          </a:prstGeom>
+          <a:noFill/>
+        </p:spPr>
+        <p:txBody>
+          <a:bodyPr wrap="none" rtlCol="0">
+            <a:spAutoFit/>
+          </a:bodyPr>
+          <a:lstStyle/>
+          <a:p>
+            <a:r>
+              <a:rPr lang="en-US" sz="3500"/>
+              <a:t>Machine Learning</a:t>
+            </a:r>
+          </a:p>
+        </p:txBody>
+      </p:sp>
+      <p:sp>
+        <p:nvSpPr>
+          <p:cNvPr id="6" name="TextBox 5">
+            <a:extLst>
+              <a:ext uri="{FF2B5EF4-FFF2-40B4-BE49-F238E27FC236}">
+                <a16:creationId xmlns:a16="http://schemas.microsoft.com/office/drawing/2014/main" id="{015B32FF-6080-7B67-F60C-B1E74D6823FC}"/>
+              </a:ext>
+            </a:extLst>
+          </p:cNvPr>
+          <p:cNvSpPr txBox="1"/>
+          <p:nvPr/>
+        </p:nvSpPr>
+        <p:spPr>
+          <a:xfrm>
+            <a:off x="319481" y="1199876"/>
+            <a:ext cx="5028374" cy="923330"/>
+          </a:xfrm>
+          <a:prstGeom prst="rect">
+            <a:avLst/>
+          </a:prstGeom>
+          <a:noFill/>
+        </p:spPr>
+        <p:txBody>
+          <a:bodyPr wrap="square" rtlCol="0">
+            <a:spAutoFit/>
+          </a:bodyPr>
+          <a:lstStyle/>
+          <a:p>
+            <a:pPr marL="457200" indent="-457200">
+              <a:buFont typeface="Arial" panose="020B0604020202020204" pitchFamily="34" charset="0"/>
+              <a:buChar char="•"/>
+            </a:pPr>
+            <a:r>
+              <a:rPr lang="en-US" sz="2700"/>
+              <a:t>The AUC for the ROC curve was about 94%.</a:t>
+            </a:r>
+          </a:p>
+        </p:txBody>
+      </p:sp>
+      <p:pic>
+        <p:nvPicPr>
+          <p:cNvPr id="9" name="Picture 8">
+            <a:extLst>
+              <a:ext uri="{FF2B5EF4-FFF2-40B4-BE49-F238E27FC236}">
+                <a16:creationId xmlns:a16="http://schemas.microsoft.com/office/drawing/2014/main" id="{66A460E3-6F46-7548-C387-F9545A0B9E92}"/>
+              </a:ext>
+            </a:extLst>
+          </p:cNvPr>
+          <p:cNvPicPr>
+            <a:picLocks noChangeAspect="1"/>
+          </p:cNvPicPr>
+          <p:nvPr/>
+        </p:nvPicPr>
+        <p:blipFill>
+          <a:blip r:embed="rId2"/>
+          <a:stretch>
+            <a:fillRect/>
+          </a:stretch>
+        </p:blipFill>
+        <p:spPr>
+          <a:xfrm>
+            <a:off x="5527964" y="948381"/>
+            <a:ext cx="6163194" cy="4510230"/>
+          </a:xfrm>
+          <a:prstGeom prst="rect">
+            <a:avLst/>
+          </a:prstGeom>
+        </p:spPr>
+      </p:pic>
+      <p:sp>
+        <p:nvSpPr>
+          <p:cNvPr id="10" name="TextBox 9">
+            <a:extLst>
+              <a:ext uri="{FF2B5EF4-FFF2-40B4-BE49-F238E27FC236}">
+                <a16:creationId xmlns:a16="http://schemas.microsoft.com/office/drawing/2014/main" id="{2750AAB7-2633-2E59-4D7F-13E84FDD1857}"/>
+              </a:ext>
+            </a:extLst>
+          </p:cNvPr>
+          <p:cNvSpPr txBox="1"/>
+          <p:nvPr/>
+        </p:nvSpPr>
+        <p:spPr>
+          <a:xfrm>
+            <a:off x="319481" y="2505670"/>
+            <a:ext cx="5028374" cy="2169825"/>
+          </a:xfrm>
+          <a:prstGeom prst="rect">
+            <a:avLst/>
+          </a:prstGeom>
+          <a:noFill/>
+        </p:spPr>
+        <p:txBody>
+          <a:bodyPr wrap="square" rtlCol="0">
+            <a:spAutoFit/>
+          </a:bodyPr>
+          <a:lstStyle/>
+          <a:p>
+            <a:pPr marL="457200" indent="-457200">
+              <a:buFont typeface="Arial" panose="020B0604020202020204" pitchFamily="34" charset="0"/>
+              <a:buChar char="•"/>
+            </a:pPr>
+            <a:r>
+              <a:rPr lang="en-US" sz="2700"/>
+              <a:t>We conclude that the model will be great at identifying defaults, although perhaps overpredicting defaulters just a tad.</a:t>
+            </a:r>
+          </a:p>
+        </p:txBody>
+      </p:sp>
+    </p:spTree>
+    <p:extLst>
+      <p:ext uri="{BB962C8B-B14F-4D97-AF65-F5344CB8AC3E}">
+        <p14:creationId xmlns:p14="http://schemas.microsoft.com/office/powerpoint/2010/main" val="2136911324"/>
+      </p:ext>
+    </p:extLst>
+  </p:cSld>
+  <p:clrMapOvr>
+    <a:masterClrMapping/>
+  </p:clrMapOvr>
+  <p:timing>
+    <p:tnLst>
+      <p:par>
+        <p:cTn id="1" dur="indefinite" restart="never" nodeType="tmRoot">
+          <p:childTnLst>
+            <p:seq concurrent="1" nextAc="seek">
+              <p:cTn id="2" dur="indefinite" nodeType="mainSeq">
+                <p:childTnLst>
+                  <p:par>
+                    <p:cTn id="3" fill="hold">
+                      <p:stCondLst>
+                        <p:cond delay="indefinite"/>
+                      </p:stCondLst>
+                      <p:childTnLst>
+                        <p:par>
+                          <p:cTn id="4" fill="hold">
+                            <p:stCondLst>
+                              <p:cond delay="0"/>
+                            </p:stCondLst>
+                            <p:childTnLst>
+                              <p:par>
+                                <p:cTn id="5" presetID="1" presetClass="entr" presetSubtype="0" fill="hold" grpId="0" nodeType="clickEffect">
+                                  <p:stCondLst>
+                                    <p:cond delay="0"/>
+                                  </p:stCondLst>
+                                  <p:childTnLst>
+                                    <p:set>
+                                      <p:cBhvr>
+                                        <p:cTn id="6" dur="1" fill="hold">
+                                          <p:stCondLst>
+                                            <p:cond delay="0"/>
+                                          </p:stCondLst>
+                                        </p:cTn>
+                                        <p:tgtEl>
+                                          <p:spTgt spid="6"/>
+                                        </p:tgtEl>
+                                        <p:attrNameLst>
+                                          <p:attrName>style.visibility</p:attrName>
+                                        </p:attrNameLst>
+                                      </p:cBhvr>
+                                      <p:to>
+                                        <p:strVal val="visible"/>
+                                      </p:to>
+                                    </p:set>
+                                  </p:childTnLst>
+                                </p:cTn>
+                              </p:par>
+                            </p:childTnLst>
+                          </p:cTn>
+                        </p:par>
+                      </p:childTnLst>
+                    </p:cTn>
+                  </p:par>
+                  <p:par>
+                    <p:cTn id="7" fill="hold">
+                      <p:stCondLst>
+                        <p:cond delay="indefinite"/>
+                      </p:stCondLst>
+                      <p:childTnLst>
+                        <p:par>
+                          <p:cTn id="8" fill="hold">
+                            <p:stCondLst>
+                              <p:cond delay="0"/>
+                            </p:stCondLst>
+                            <p:childTnLst>
+                              <p:par>
+                                <p:cTn id="9" presetID="1" presetClass="entr" presetSubtype="0" fill="hold" grpId="0" nodeType="clickEffect">
+                                  <p:stCondLst>
+                                    <p:cond delay="0"/>
+                                  </p:stCondLst>
+                                  <p:childTnLst>
+                                    <p:set>
+                                      <p:cBhvr>
+                                        <p:cTn id="10" dur="1" fill="hold">
+                                          <p:stCondLst>
+                                            <p:cond delay="0"/>
+                                          </p:stCondLst>
+                                        </p:cTn>
+                                        <p:tgtEl>
+                                          <p:spTgt spid="10"/>
+                                        </p:tgtEl>
+                                        <p:attrNameLst>
+                                          <p:attrName>style.visibility</p:attrName>
+                                        </p:attrNameLst>
+                                      </p:cBhvr>
+                                      <p:to>
+                                        <p:strVal val="visible"/>
+                                      </p:to>
+                                    </p:set>
+                                  </p:childTnLst>
+                                </p:cTn>
+                              </p:par>
+                            </p:childTnLst>
+                          </p:cTn>
+                        </p:par>
+                      </p:childTnLst>
+                    </p:cTn>
+                  </p:par>
+                </p:childTnLst>
+              </p:cTn>
+              <p:prevCondLst>
+                <p:cond evt="onPrev" delay="0">
+                  <p:tgtEl>
+                    <p:sldTgt/>
+                  </p:tgtEl>
+                </p:cond>
+              </p:prevCondLst>
+              <p:nextCondLst>
+                <p:cond evt="onNext" delay="0">
+                  <p:tgtEl>
+                    <p:sldTgt/>
+                  </p:tgtEl>
+                </p:cond>
+              </p:nextCondLst>
+            </p:seq>
+          </p:childTnLst>
+        </p:cTn>
+      </p:par>
+    </p:tnLst>
+    <p:bldLst>
+      <p:bldP spid="6" grpId="0"/>
+      <p:bldP spid="10" grpId="0"/>
+    </p:bldLst>
+  </p:timing>
+</p:sld>
+</file>
+
+<file path=ppt/slides/slide13.xml><?xml version="1.0" encoding="utf-8"?>
+<p:sld xmlns:a="http://schemas.openxmlformats.org/drawingml/2006/main" xmlns:r="http://schemas.openxmlformats.org/officeDocument/2006/relationships" xmlns:p="http://schemas.openxmlformats.org/presentationml/2006/main">
+  <p:cSld>
+    <p:spTree>
+      <p:nvGrpSpPr>
+        <p:cNvPr id="1" name=""/>
+        <p:cNvGrpSpPr/>
+        <p:nvPr/>
+      </p:nvGrpSpPr>
+      <p:grpSpPr>
+        <a:xfrm>
+          <a:off x="0" y="0"/>
+          <a:ext cx="0" cy="0"/>
+          <a:chOff x="0" y="0"/>
+          <a:chExt cx="0" cy="0"/>
+        </a:xfrm>
+      </p:grpSpPr>
+      <p:sp>
+        <p:nvSpPr>
+          <p:cNvPr id="2" name="TextBox 1">
+            <a:extLst>
+              <a:ext uri="{FF2B5EF4-FFF2-40B4-BE49-F238E27FC236}">
+                <a16:creationId xmlns:a16="http://schemas.microsoft.com/office/drawing/2014/main" id="{DF1AA8CB-B1C2-5BFA-444E-88D35BF376BA}"/>
+              </a:ext>
+            </a:extLst>
+          </p:cNvPr>
+          <p:cNvSpPr txBox="1"/>
+          <p:nvPr/>
+        </p:nvSpPr>
+        <p:spPr>
+          <a:xfrm>
+            <a:off x="2979554" y="186470"/>
+            <a:ext cx="6229590" cy="630942"/>
+          </a:xfrm>
+          <a:prstGeom prst="rect">
+            <a:avLst/>
+          </a:prstGeom>
+          <a:noFill/>
+        </p:spPr>
+        <p:txBody>
+          <a:bodyPr wrap="none" rtlCol="0">
+            <a:spAutoFit/>
+          </a:bodyPr>
+          <a:lstStyle/>
+          <a:p>
+            <a:r>
+              <a:rPr lang="en-US" sz="3500"/>
+              <a:t>Machine Learning (</a:t>
+            </a:r>
+            <a:r>
+              <a:rPr lang="en-US" sz="3500" err="1"/>
+              <a:t>Explainability</a:t>
+            </a:r>
+            <a:r>
+              <a:rPr lang="en-US" sz="3500"/>
+              <a:t>)</a:t>
+            </a:r>
+          </a:p>
+        </p:txBody>
+      </p:sp>
+      <p:sp>
+        <p:nvSpPr>
+          <p:cNvPr id="6" name="TextBox 5">
+            <a:extLst>
+              <a:ext uri="{FF2B5EF4-FFF2-40B4-BE49-F238E27FC236}">
+                <a16:creationId xmlns:a16="http://schemas.microsoft.com/office/drawing/2014/main" id="{015B32FF-6080-7B67-F60C-B1E74D6823FC}"/>
+              </a:ext>
+            </a:extLst>
+          </p:cNvPr>
+          <p:cNvSpPr txBox="1"/>
+          <p:nvPr/>
+        </p:nvSpPr>
+        <p:spPr>
+          <a:xfrm>
+            <a:off x="319481" y="1199876"/>
+            <a:ext cx="5028374" cy="923330"/>
+          </a:xfrm>
+          <a:prstGeom prst="rect">
+            <a:avLst/>
+          </a:prstGeom>
+          <a:noFill/>
+        </p:spPr>
+        <p:txBody>
+          <a:bodyPr wrap="square" rtlCol="0">
+            <a:spAutoFit/>
+          </a:bodyPr>
+          <a:lstStyle/>
+          <a:p>
+            <a:pPr marL="457200" indent="-457200">
+              <a:buFont typeface="Arial" panose="020B0604020202020204" pitchFamily="34" charset="0"/>
+              <a:buChar char="•"/>
+            </a:pPr>
+            <a:r>
+              <a:rPr lang="en-US" sz="2700"/>
+              <a:t>The most important features of our model were:</a:t>
+            </a:r>
+          </a:p>
+        </p:txBody>
+      </p:sp>
+      <p:sp>
+        <p:nvSpPr>
+          <p:cNvPr id="4" name="TextBox 3">
+            <a:extLst>
+              <a:ext uri="{FF2B5EF4-FFF2-40B4-BE49-F238E27FC236}">
+                <a16:creationId xmlns:a16="http://schemas.microsoft.com/office/drawing/2014/main" id="{E77D5D57-925E-7CC7-61BB-8F6D0CE39314}"/>
+              </a:ext>
+            </a:extLst>
+          </p:cNvPr>
+          <p:cNvSpPr txBox="1"/>
+          <p:nvPr/>
+        </p:nvSpPr>
+        <p:spPr>
+          <a:xfrm>
+            <a:off x="319481" y="2505670"/>
+            <a:ext cx="5028374" cy="1754326"/>
+          </a:xfrm>
+          <a:prstGeom prst="rect">
+            <a:avLst/>
+          </a:prstGeom>
+          <a:noFill/>
+        </p:spPr>
+        <p:txBody>
+          <a:bodyPr wrap="square" rtlCol="0">
+            <a:spAutoFit/>
+          </a:bodyPr>
+          <a:lstStyle/>
+          <a:p>
+            <a:pPr marL="457200" indent="-457200">
+              <a:buFont typeface="Arial" panose="020B0604020202020204" pitchFamily="34" charset="0"/>
+              <a:buChar char="•"/>
+            </a:pPr>
+            <a:r>
+              <a:rPr lang="en-US" sz="2700"/>
+              <a:t>We decided to see how the probability of our model predictions varied versus a variation in these features.</a:t>
+            </a:r>
+          </a:p>
+        </p:txBody>
+      </p:sp>
+      <p:pic>
+        <p:nvPicPr>
+          <p:cNvPr id="5" name="Picture 4">
+            <a:extLst>
+              <a:ext uri="{FF2B5EF4-FFF2-40B4-BE49-F238E27FC236}">
+                <a16:creationId xmlns:a16="http://schemas.microsoft.com/office/drawing/2014/main" id="{03BE2A27-D083-32D8-4DB4-B55E2A93B91C}"/>
+              </a:ext>
+            </a:extLst>
+          </p:cNvPr>
+          <p:cNvPicPr>
+            <a:picLocks noChangeAspect="1"/>
+          </p:cNvPicPr>
+          <p:nvPr/>
+        </p:nvPicPr>
+        <p:blipFill>
+          <a:blip r:embed="rId2">
+            <a:extLst>
+              <a:ext uri="{28A0092B-C50C-407E-A947-70E740481C1C}">
+                <a14:useLocalDpi xmlns:a14="http://schemas.microsoft.com/office/drawing/2010/main" val="0"/>
+              </a:ext>
+            </a:extLst>
+          </a:blip>
+          <a:srcRect/>
+          <a:stretch>
+            <a:fillRect/>
+          </a:stretch>
+        </p:blipFill>
+        <p:spPr bwMode="auto">
+          <a:xfrm>
+            <a:off x="6397497" y="1533566"/>
+            <a:ext cx="5193339" cy="3790867"/>
+          </a:xfrm>
+          <a:prstGeom prst="rect">
+            <a:avLst/>
+          </a:prstGeom>
+          <a:noFill/>
+        </p:spPr>
+      </p:pic>
+      <p:sp>
+        <p:nvSpPr>
+          <p:cNvPr id="7" name="TextBox 6">
+            <a:extLst>
+              <a:ext uri="{FF2B5EF4-FFF2-40B4-BE49-F238E27FC236}">
+                <a16:creationId xmlns:a16="http://schemas.microsoft.com/office/drawing/2014/main" id="{25336C6F-B574-A979-0575-A0D6857C92E0}"/>
+              </a:ext>
+            </a:extLst>
+          </p:cNvPr>
+          <p:cNvSpPr txBox="1"/>
+          <p:nvPr/>
+        </p:nvSpPr>
+        <p:spPr>
+          <a:xfrm>
+            <a:off x="319481" y="4447270"/>
+            <a:ext cx="5028374" cy="1338828"/>
+          </a:xfrm>
+          <a:prstGeom prst="rect">
+            <a:avLst/>
+          </a:prstGeom>
+          <a:noFill/>
+        </p:spPr>
+        <p:txBody>
+          <a:bodyPr wrap="square" rtlCol="0">
+            <a:spAutoFit/>
+          </a:bodyPr>
+          <a:lstStyle/>
+          <a:p>
+            <a:pPr marL="457200" indent="-457200">
+              <a:buFont typeface="Arial" panose="020B0604020202020204" pitchFamily="34" charset="0"/>
+              <a:buChar char="•"/>
+            </a:pPr>
+            <a:r>
+              <a:rPr lang="en-US" sz="2700"/>
+              <a:t>We created a fake “average” customer and varied these features.</a:t>
+            </a:r>
+          </a:p>
+        </p:txBody>
+      </p:sp>
+    </p:spTree>
+    <p:extLst>
+      <p:ext uri="{BB962C8B-B14F-4D97-AF65-F5344CB8AC3E}">
+        <p14:creationId xmlns:p14="http://schemas.microsoft.com/office/powerpoint/2010/main" val="1905562632"/>
+      </p:ext>
+    </p:extLst>
+  </p:cSld>
+  <p:clrMapOvr>
+    <a:masterClrMapping/>
+  </p:clrMapOvr>
+  <p:timing>
+    <p:tnLst>
+      <p:par>
+        <p:cTn id="1" dur="indefinite" restart="never" nodeType="tmRoot">
+          <p:childTnLst>
+            <p:seq concurrent="1" nextAc="seek">
+              <p:cTn id="2" dur="indefinite" nodeType="mainSeq">
+                <p:childTnLst>
+                  <p:par>
+                    <p:cTn id="3" fill="hold">
+                      <p:stCondLst>
+                        <p:cond delay="indefinite"/>
+                      </p:stCondLst>
+                      <p:childTnLst>
+                        <p:par>
+                          <p:cTn id="4" fill="hold">
+                            <p:stCondLst>
+                              <p:cond delay="0"/>
+                            </p:stCondLst>
+                            <p:childTnLst>
+                              <p:par>
+                                <p:cTn id="5" presetID="1" presetClass="entr" presetSubtype="0" fill="hold" grpId="0" nodeType="clickEffect">
+                                  <p:stCondLst>
+                                    <p:cond delay="0"/>
+                                  </p:stCondLst>
+                                  <p:childTnLst>
+                                    <p:set>
+                                      <p:cBhvr>
+                                        <p:cTn id="6" dur="1" fill="hold">
+                                          <p:stCondLst>
+                                            <p:cond delay="0"/>
+                                          </p:stCondLst>
+                                        </p:cTn>
+                                        <p:tgtEl>
+                                          <p:spTgt spid="6"/>
+                                        </p:tgtEl>
+                                        <p:attrNameLst>
+                                          <p:attrName>style.visibility</p:attrName>
+                                        </p:attrNameLst>
+                                      </p:cBhvr>
+                                      <p:to>
+                                        <p:strVal val="visible"/>
+                                      </p:to>
+                                    </p:set>
+                                  </p:childTnLst>
+                                </p:cTn>
+                              </p:par>
+                            </p:childTnLst>
+                          </p:cTn>
+                        </p:par>
+                      </p:childTnLst>
+                    </p:cTn>
+                  </p:par>
+                  <p:par>
+                    <p:cTn id="7" fill="hold">
+                      <p:stCondLst>
+                        <p:cond delay="indefinite"/>
+                      </p:stCondLst>
+                      <p:childTnLst>
+                        <p:par>
+                          <p:cTn id="8" fill="hold">
+                            <p:stCondLst>
+                              <p:cond delay="0"/>
+                            </p:stCondLst>
+                            <p:childTnLst>
+                              <p:par>
+                                <p:cTn id="9" presetID="1" presetClass="entr" presetSubtype="0" fill="hold" nodeType="clickEffect">
+                                  <p:stCondLst>
+                                    <p:cond delay="0"/>
+                                  </p:stCondLst>
+                                  <p:childTnLst>
+                                    <p:set>
+                                      <p:cBhvr>
+                                        <p:cTn id="10" dur="1" fill="hold">
+                                          <p:stCondLst>
+                                            <p:cond delay="0"/>
+                                          </p:stCondLst>
+                                        </p:cTn>
+                                        <p:tgtEl>
+                                          <p:spTgt spid="5"/>
+                                        </p:tgtEl>
+                                        <p:attrNameLst>
+                                          <p:attrName>style.visibility</p:attrName>
+                                        </p:attrNameLst>
+                                      </p:cBhvr>
+                                      <p:to>
+                                        <p:strVal val="visible"/>
+                                      </p:to>
+                                    </p:set>
+                                  </p:childTnLst>
+                                </p:cTn>
+                              </p:par>
+                            </p:childTnLst>
+                          </p:cTn>
+                        </p:par>
+                      </p:childTnLst>
+                    </p:cTn>
+                  </p:par>
+                  <p:par>
+                    <p:cTn id="11" fill="hold">
+                      <p:stCondLst>
+                        <p:cond delay="indefinite"/>
+                      </p:stCondLst>
+                      <p:childTnLst>
+                        <p:par>
+                          <p:cTn id="12" fill="hold">
+                            <p:stCondLst>
+                              <p:cond delay="0"/>
+                            </p:stCondLst>
+                            <p:childTnLst>
+                              <p:par>
+                                <p:cTn id="13" presetID="1" presetClass="entr" presetSubtype="0" fill="hold" grpId="0" nodeType="clickEffect">
+                                  <p:stCondLst>
+                                    <p:cond delay="0"/>
+                                  </p:stCondLst>
+                                  <p:childTnLst>
+                                    <p:set>
+                                      <p:cBhvr>
+                                        <p:cTn id="14" dur="1" fill="hold">
+                                          <p:stCondLst>
+                                            <p:cond delay="0"/>
+                                          </p:stCondLst>
+                                        </p:cTn>
+                                        <p:tgtEl>
+                                          <p:spTgt spid="4"/>
+                                        </p:tgtEl>
+                                        <p:attrNameLst>
+                                          <p:attrName>style.visibility</p:attrName>
+                                        </p:attrNameLst>
+                                      </p:cBhvr>
+                                      <p:to>
+                                        <p:strVal val="visible"/>
+                                      </p:to>
+                                    </p:set>
+                                  </p:childTnLst>
+                                </p:cTn>
+                              </p:par>
+                            </p:childTnLst>
+                          </p:cTn>
+                        </p:par>
+                      </p:childTnLst>
+                    </p:cTn>
+                  </p:par>
+                  <p:par>
+                    <p:cTn id="15" fill="hold">
+                      <p:stCondLst>
+                        <p:cond delay="indefinite"/>
+                      </p:stCondLst>
+                      <p:childTnLst>
+                        <p:par>
+                          <p:cTn id="16" fill="hold">
+                            <p:stCondLst>
+                              <p:cond delay="0"/>
+                            </p:stCondLst>
+                            <p:childTnLst>
+                              <p:par>
+                                <p:cTn id="17" presetID="1" presetClass="entr" presetSubtype="0" fill="hold" grpId="0" nodeType="clickEffect">
+                                  <p:stCondLst>
+                                    <p:cond delay="0"/>
+                                  </p:stCondLst>
+                                  <p:childTnLst>
+                                    <p:set>
+                                      <p:cBhvr>
+                                        <p:cTn id="18" dur="1" fill="hold">
+                                          <p:stCondLst>
+                                            <p:cond delay="0"/>
+                                          </p:stCondLst>
+                                        </p:cTn>
+                                        <p:tgtEl>
+                                          <p:spTgt spid="7"/>
+                                        </p:tgtEl>
+                                        <p:attrNameLst>
+                                          <p:attrName>style.visibility</p:attrName>
+                                        </p:attrNameLst>
+                                      </p:cBhvr>
+                                      <p:to>
+                                        <p:strVal val="visible"/>
+                                      </p:to>
+                                    </p:set>
+                                  </p:childTnLst>
+                                </p:cTn>
+                              </p:par>
+                            </p:childTnLst>
+                          </p:cTn>
+                        </p:par>
+                      </p:childTnLst>
+                    </p:cTn>
+                  </p:par>
+                </p:childTnLst>
+              </p:cTn>
+              <p:prevCondLst>
+                <p:cond evt="onPrev" delay="0">
+                  <p:tgtEl>
+                    <p:sldTgt/>
+                  </p:tgtEl>
+                </p:cond>
+              </p:prevCondLst>
+              <p:nextCondLst>
+                <p:cond evt="onNext" delay="0">
+                  <p:tgtEl>
+                    <p:sldTgt/>
+                  </p:tgtEl>
+                </p:cond>
+              </p:nextCondLst>
+            </p:seq>
+          </p:childTnLst>
+        </p:cTn>
+      </p:par>
+    </p:tnLst>
+    <p:bldLst>
+      <p:bldP spid="6" grpId="0"/>
+      <p:bldP spid="4" grpId="0"/>
+      <p:bldP spid="7" grpId="0"/>
+    </p:bldLst>
+  </p:timing>
+</p:sld>
+</file>
+
+<file path=ppt/slides/slide14.xml><?xml version="1.0" encoding="utf-8"?>
+<p:sld xmlns:a="http://schemas.openxmlformats.org/drawingml/2006/main" xmlns:r="http://schemas.openxmlformats.org/officeDocument/2006/relationships" xmlns:p="http://schemas.openxmlformats.org/presentationml/2006/main">
+  <p:cSld>
+    <p:spTree>
+      <p:nvGrpSpPr>
+        <p:cNvPr id="1" name=""/>
+        <p:cNvGrpSpPr/>
+        <p:nvPr/>
+      </p:nvGrpSpPr>
+      <p:grpSpPr>
+        <a:xfrm>
+          <a:off x="0" y="0"/>
+          <a:ext cx="0" cy="0"/>
+          <a:chOff x="0" y="0"/>
+          <a:chExt cx="0" cy="0"/>
+        </a:xfrm>
+      </p:grpSpPr>
+      <p:sp>
+        <p:nvSpPr>
+          <p:cNvPr id="2" name="TextBox 1">
+            <a:extLst>
+              <a:ext uri="{FF2B5EF4-FFF2-40B4-BE49-F238E27FC236}">
+                <a16:creationId xmlns:a16="http://schemas.microsoft.com/office/drawing/2014/main" id="{DF1AA8CB-B1C2-5BFA-444E-88D35BF376BA}"/>
+              </a:ext>
+            </a:extLst>
+          </p:cNvPr>
+          <p:cNvSpPr txBox="1"/>
+          <p:nvPr/>
+        </p:nvSpPr>
+        <p:spPr>
+          <a:xfrm>
+            <a:off x="2979554" y="186470"/>
+            <a:ext cx="6229590" cy="630942"/>
+          </a:xfrm>
+          <a:prstGeom prst="rect">
+            <a:avLst/>
+          </a:prstGeom>
+          <a:noFill/>
+        </p:spPr>
+        <p:txBody>
+          <a:bodyPr wrap="none" rtlCol="0">
+            <a:spAutoFit/>
+          </a:bodyPr>
+          <a:lstStyle/>
+          <a:p>
+            <a:r>
+              <a:rPr lang="en-US" sz="3500"/>
+              <a:t>Machine Learning (</a:t>
+            </a:r>
+            <a:r>
+              <a:rPr lang="en-US" sz="3500" err="1"/>
+              <a:t>Explainability</a:t>
+            </a:r>
+            <a:r>
+              <a:rPr lang="en-US" sz="3500"/>
+              <a:t>)</a:t>
+            </a:r>
+          </a:p>
+        </p:txBody>
+      </p:sp>
+      <p:pic>
+        <p:nvPicPr>
+          <p:cNvPr id="8" name="Picture 7" descr="Chart, line chart&#10;&#10;Description automatically generated">
+            <a:extLst>
+              <a:ext uri="{FF2B5EF4-FFF2-40B4-BE49-F238E27FC236}">
+                <a16:creationId xmlns:a16="http://schemas.microsoft.com/office/drawing/2014/main" id="{D78FB8E0-7931-6056-1530-FE9F10AEB345}"/>
+              </a:ext>
+            </a:extLst>
+          </p:cNvPr>
+          <p:cNvPicPr>
+            <a:picLocks noChangeAspect="1"/>
+          </p:cNvPicPr>
+          <p:nvPr/>
+        </p:nvPicPr>
+        <p:blipFill>
+          <a:blip r:embed="rId2">
+            <a:extLst>
+              <a:ext uri="{28A0092B-C50C-407E-A947-70E740481C1C}">
+                <a14:useLocalDpi xmlns:a14="http://schemas.microsoft.com/office/drawing/2010/main" val="0"/>
+              </a:ext>
+            </a:extLst>
+          </a:blip>
+          <a:srcRect/>
+          <a:stretch>
+            <a:fillRect/>
+          </a:stretch>
+        </p:blipFill>
+        <p:spPr bwMode="auto">
+          <a:xfrm>
+            <a:off x="0" y="868239"/>
+            <a:ext cx="4135293" cy="2760149"/>
+          </a:xfrm>
+          <a:prstGeom prst="rect">
+            <a:avLst/>
+          </a:prstGeom>
+          <a:noFill/>
+          <a:ln>
+            <a:noFill/>
+          </a:ln>
+        </p:spPr>
+      </p:pic>
+      <p:pic>
+        <p:nvPicPr>
+          <p:cNvPr id="9" name="Picture 8" descr="A picture containing line chart&#10;&#10;Description automatically generated">
+            <a:extLst>
+              <a:ext uri="{FF2B5EF4-FFF2-40B4-BE49-F238E27FC236}">
+                <a16:creationId xmlns:a16="http://schemas.microsoft.com/office/drawing/2014/main" id="{006F7463-EDC2-F67A-5314-8DA3CD35452F}"/>
+              </a:ext>
+            </a:extLst>
+          </p:cNvPr>
+          <p:cNvPicPr>
+            <a:picLocks noChangeAspect="1"/>
+          </p:cNvPicPr>
+          <p:nvPr/>
+        </p:nvPicPr>
+        <p:blipFill>
+          <a:blip r:embed="rId3">
+            <a:extLst>
+              <a:ext uri="{28A0092B-C50C-407E-A947-70E740481C1C}">
+                <a14:useLocalDpi xmlns:a14="http://schemas.microsoft.com/office/drawing/2010/main" val="0"/>
+              </a:ext>
+            </a:extLst>
+          </a:blip>
+          <a:srcRect/>
+          <a:stretch>
+            <a:fillRect/>
+          </a:stretch>
+        </p:blipFill>
+        <p:spPr bwMode="auto">
+          <a:xfrm>
+            <a:off x="7578439" y="846191"/>
+            <a:ext cx="4135293" cy="2759601"/>
+          </a:xfrm>
+          <a:prstGeom prst="rect">
+            <a:avLst/>
+          </a:prstGeom>
+          <a:noFill/>
+          <a:ln>
+            <a:noFill/>
+          </a:ln>
+        </p:spPr>
+      </p:pic>
+      <p:pic>
+        <p:nvPicPr>
+          <p:cNvPr id="10" name="Picture 9" descr="Chart, line chart&#10;&#10;Description automatically generated">
+            <a:extLst>
+              <a:ext uri="{FF2B5EF4-FFF2-40B4-BE49-F238E27FC236}">
+                <a16:creationId xmlns:a16="http://schemas.microsoft.com/office/drawing/2014/main" id="{027E2E83-BF2E-A0FF-6D54-FB0CB528E9CB}"/>
+              </a:ext>
+            </a:extLst>
+          </p:cNvPr>
+          <p:cNvPicPr>
+            <a:picLocks noChangeAspect="1"/>
+          </p:cNvPicPr>
+          <p:nvPr/>
+        </p:nvPicPr>
+        <p:blipFill>
+          <a:blip r:embed="rId4">
+            <a:extLst>
+              <a:ext uri="{28A0092B-C50C-407E-A947-70E740481C1C}">
+                <a14:useLocalDpi xmlns:a14="http://schemas.microsoft.com/office/drawing/2010/main" val="0"/>
+              </a:ext>
+            </a:extLst>
+          </a:blip>
+          <a:srcRect/>
+          <a:stretch>
+            <a:fillRect/>
+          </a:stretch>
+        </p:blipFill>
+        <p:spPr bwMode="auto">
+          <a:xfrm>
+            <a:off x="3938010" y="3429000"/>
+            <a:ext cx="4315980" cy="2913287"/>
+          </a:xfrm>
+          <a:prstGeom prst="rect">
+            <a:avLst/>
+          </a:prstGeom>
+          <a:noFill/>
+          <a:ln>
+            <a:noFill/>
+          </a:ln>
+        </p:spPr>
+      </p:pic>
+    </p:spTree>
+    <p:extLst>
+      <p:ext uri="{BB962C8B-B14F-4D97-AF65-F5344CB8AC3E}">
+        <p14:creationId xmlns:p14="http://schemas.microsoft.com/office/powerpoint/2010/main" val="301359071"/>
+      </p:ext>
+    </p:extLst>
+  </p:cSld>
+  <p:clrMapOvr>
+    <a:masterClrMapping/>
+  </p:clrMapOvr>
+  <p:timing>
+    <p:tnLst>
+      <p:par>
+        <p:cTn id="1" dur="indefinite" restart="never" nodeType="tmRoot">
+          <p:childTnLst>
+            <p:seq concurrent="1" nextAc="seek">
+              <p:cTn id="2" dur="indefinite" nodeType="mainSeq">
+                <p:childTnLst>
+                  <p:par>
+                    <p:cTn id="3" fill="hold">
+                      <p:stCondLst>
+                        <p:cond delay="indefinite"/>
+                      </p:stCondLst>
+                      <p:childTnLst>
+                        <p:par>
+                          <p:cTn id="4" fill="hold">
+                            <p:stCondLst>
+                              <p:cond delay="0"/>
+                            </p:stCondLst>
+                            <p:childTnLst>
+                              <p:par>
+                                <p:cTn id="5" presetID="1" presetClass="entr" presetSubtype="0" fill="hold" nodeType="clickEffect">
+                                  <p:stCondLst>
+                                    <p:cond delay="0"/>
+                                  </p:stCondLst>
+                                  <p:childTnLst>
+                                    <p:set>
+                                      <p:cBhvr>
+                                        <p:cTn id="6" dur="1" fill="hold">
+                                          <p:stCondLst>
+                                            <p:cond delay="0"/>
+                                          </p:stCondLst>
+                                        </p:cTn>
+                                        <p:tgtEl>
+                                          <p:spTgt spid="8"/>
+                                        </p:tgtEl>
+                                        <p:attrNameLst>
+                                          <p:attrName>style.visibility</p:attrName>
+                                        </p:attrNameLst>
+                                      </p:cBhvr>
+                                      <p:to>
+                                        <p:strVal val="visible"/>
+                                      </p:to>
+                                    </p:set>
+                                  </p:childTnLst>
+                                </p:cTn>
+                              </p:par>
+                            </p:childTnLst>
+                          </p:cTn>
+                        </p:par>
+                      </p:childTnLst>
+                    </p:cTn>
+                  </p:par>
+                  <p:par>
+                    <p:cTn id="7" fill="hold">
+                      <p:stCondLst>
+                        <p:cond delay="indefinite"/>
+                      </p:stCondLst>
+                      <p:childTnLst>
+                        <p:par>
+                          <p:cTn id="8" fill="hold">
+                            <p:stCondLst>
+                              <p:cond delay="0"/>
+                            </p:stCondLst>
+                            <p:childTnLst>
+                              <p:par>
+                                <p:cTn id="9" presetID="1" presetClass="entr" presetSubtype="0" fill="hold" nodeType="clickEffect">
+                                  <p:stCondLst>
+                                    <p:cond delay="0"/>
+                                  </p:stCondLst>
+                                  <p:childTnLst>
+                                    <p:set>
+                                      <p:cBhvr>
+                                        <p:cTn id="10" dur="1" fill="hold">
+                                          <p:stCondLst>
+                                            <p:cond delay="0"/>
+                                          </p:stCondLst>
+                                        </p:cTn>
+                                        <p:tgtEl>
+                                          <p:spTgt spid="10"/>
+                                        </p:tgtEl>
+                                        <p:attrNameLst>
+                                          <p:attrName>style.visibility</p:attrName>
+                                        </p:attrNameLst>
+                                      </p:cBhvr>
+                                      <p:to>
+                                        <p:strVal val="visible"/>
+                                      </p:to>
+                                    </p:set>
+                                  </p:childTnLst>
+                                </p:cTn>
+                              </p:par>
+                            </p:childTnLst>
+                          </p:cTn>
+                        </p:par>
+                      </p:childTnLst>
+                    </p:cTn>
+                  </p:par>
+                  <p:par>
+                    <p:cTn id="11" fill="hold">
+                      <p:stCondLst>
+                        <p:cond delay="indefinite"/>
+                      </p:stCondLst>
+                      <p:childTnLst>
+                        <p:par>
+                          <p:cTn id="12" fill="hold">
+                            <p:stCondLst>
+                              <p:cond delay="0"/>
+                            </p:stCondLst>
+                            <p:childTnLst>
+                              <p:par>
+                                <p:cTn id="13" presetID="1" presetClass="entr" presetSubtype="0" fill="hold" nodeType="clickEffect">
+                                  <p:stCondLst>
+                                    <p:cond delay="0"/>
+                                  </p:stCondLst>
+                                  <p:childTnLst>
+                                    <p:set>
+                                      <p:cBhvr>
+                                        <p:cTn id="14" dur="1" fill="hold">
+                                          <p:stCondLst>
+                                            <p:cond delay="0"/>
+                                          </p:stCondLst>
+                                        </p:cTn>
+                                        <p:tgtEl>
+                                          <p:spTgt spid="9"/>
+                                        </p:tgtEl>
+                                        <p:attrNameLst>
+                                          <p:attrName>style.visibility</p:attrName>
+                                        </p:attrNameLst>
+                                      </p:cBhvr>
+                                      <p:to>
+                                        <p:strVal val="visible"/>
+                                      </p:to>
+                                    </p:set>
+                                  </p:childTnLst>
+                                </p:cTn>
+                              </p:par>
+                            </p:childTnLst>
+                          </p:cTn>
+                        </p:par>
+                      </p:childTnLst>
+                    </p:cTn>
+                  </p:par>
+                </p:childTnLst>
+              </p:cTn>
+              <p:prevCondLst>
+                <p:cond evt="onPrev" delay="0">
+                  <p:tgtEl>
+                    <p:sldTgt/>
+                  </p:tgtEl>
+                </p:cond>
+              </p:prevCondLst>
+              <p:nextCondLst>
+                <p:cond evt="onNext" delay="0">
+                  <p:tgtEl>
+                    <p:sldTgt/>
+                  </p:tgtEl>
+                </p:cond>
+              </p:nextCondLst>
+            </p:seq>
+          </p:childTnLst>
+        </p:cTn>
+      </p:par>
+    </p:tnLst>
+  </p:timing>
+</p:sld>
+</file>
+
+<file path=ppt/slides/slide15.xml><?xml version="1.0" encoding="utf-8"?>
+<p:sld xmlns:a="http://schemas.openxmlformats.org/drawingml/2006/main" xmlns:r="http://schemas.openxmlformats.org/officeDocument/2006/relationships" xmlns:p="http://schemas.openxmlformats.org/presentationml/2006/main">
+  <p:cSld>
+    <p:spTree>
+      <p:nvGrpSpPr>
+        <p:cNvPr id="1" name=""/>
+        <p:cNvGrpSpPr/>
+        <p:nvPr/>
+      </p:nvGrpSpPr>
+      <p:grpSpPr>
+        <a:xfrm>
+          <a:off x="0" y="0"/>
+          <a:ext cx="0" cy="0"/>
+          <a:chOff x="0" y="0"/>
+          <a:chExt cx="0" cy="0"/>
+        </a:xfrm>
+      </p:grpSpPr>
+      <p:sp>
+        <p:nvSpPr>
+          <p:cNvPr id="2" name="TextBox 1">
+            <a:extLst>
+              <a:ext uri="{FF2B5EF4-FFF2-40B4-BE49-F238E27FC236}">
+                <a16:creationId xmlns:a16="http://schemas.microsoft.com/office/drawing/2014/main" id="{FD3FF9F2-C170-CE37-2E4B-EA2748F1CE52}"/>
+              </a:ext>
+            </a:extLst>
+          </p:cNvPr>
+          <p:cNvSpPr txBox="1"/>
+          <p:nvPr/>
+        </p:nvSpPr>
+        <p:spPr>
+          <a:xfrm>
+            <a:off x="2979554" y="186470"/>
+            <a:ext cx="6229590" cy="630942"/>
+          </a:xfrm>
+          <a:prstGeom prst="rect">
+            <a:avLst/>
+          </a:prstGeom>
+          <a:noFill/>
+        </p:spPr>
+        <p:txBody>
+          <a:bodyPr wrap="none" rtlCol="0">
+            <a:spAutoFit/>
+          </a:bodyPr>
+          <a:lstStyle/>
+          <a:p>
+            <a:r>
+              <a:rPr lang="en-US" sz="3500"/>
+              <a:t>Machine Learning (</a:t>
+            </a:r>
+            <a:r>
+              <a:rPr lang="en-US" sz="3500" err="1"/>
+              <a:t>Explainability</a:t>
+            </a:r>
+            <a:r>
+              <a:rPr lang="en-US" sz="3500"/>
+              <a:t>)</a:t>
+            </a:r>
+          </a:p>
+        </p:txBody>
+      </p:sp>
+      <p:pic>
+        <p:nvPicPr>
+          <p:cNvPr id="4" name="Picture 3" descr="Shape, line chart, polygon&#10;&#10;Description automatically generated">
+            <a:extLst>
+              <a:ext uri="{FF2B5EF4-FFF2-40B4-BE49-F238E27FC236}">
+                <a16:creationId xmlns:a16="http://schemas.microsoft.com/office/drawing/2014/main" id="{27709BD9-CE4D-138E-4117-76C894585CD9}"/>
+              </a:ext>
+            </a:extLst>
+          </p:cNvPr>
+          <p:cNvPicPr>
+            <a:picLocks noChangeAspect="1"/>
+          </p:cNvPicPr>
+          <p:nvPr/>
+        </p:nvPicPr>
+        <p:blipFill>
+          <a:blip r:embed="rId2">
+            <a:extLst>
+              <a:ext uri="{28A0092B-C50C-407E-A947-70E740481C1C}">
+                <a14:useLocalDpi xmlns:a14="http://schemas.microsoft.com/office/drawing/2010/main" val="0"/>
+              </a:ext>
+            </a:extLst>
+          </a:blip>
+          <a:srcRect/>
+          <a:stretch>
+            <a:fillRect/>
+          </a:stretch>
+        </p:blipFill>
+        <p:spPr bwMode="auto">
+          <a:xfrm>
+            <a:off x="178867" y="938316"/>
+            <a:ext cx="3811242" cy="2543669"/>
+          </a:xfrm>
+          <a:prstGeom prst="rect">
+            <a:avLst/>
+          </a:prstGeom>
+          <a:noFill/>
+          <a:ln>
+            <a:noFill/>
+          </a:ln>
+        </p:spPr>
+      </p:pic>
+      <p:pic>
+        <p:nvPicPr>
+          <p:cNvPr id="5" name="Picture 4" descr="A picture containing logo&#10;&#10;Description automatically generated">
+            <a:extLst>
+              <a:ext uri="{FF2B5EF4-FFF2-40B4-BE49-F238E27FC236}">
+                <a16:creationId xmlns:a16="http://schemas.microsoft.com/office/drawing/2014/main" id="{12C97817-F60B-B7BA-79A4-3C0E2172C148}"/>
+              </a:ext>
+            </a:extLst>
+          </p:cNvPr>
+          <p:cNvPicPr>
+            <a:picLocks noChangeAspect="1"/>
+          </p:cNvPicPr>
+          <p:nvPr/>
+        </p:nvPicPr>
+        <p:blipFill>
+          <a:blip r:embed="rId3">
+            <a:extLst>
+              <a:ext uri="{28A0092B-C50C-407E-A947-70E740481C1C}">
+                <a14:useLocalDpi xmlns:a14="http://schemas.microsoft.com/office/drawing/2010/main" val="0"/>
+              </a:ext>
+            </a:extLst>
+          </a:blip>
+          <a:srcRect/>
+          <a:stretch>
+            <a:fillRect/>
+          </a:stretch>
+        </p:blipFill>
+        <p:spPr bwMode="auto">
+          <a:xfrm>
+            <a:off x="3766882" y="3429000"/>
+            <a:ext cx="4264509" cy="2739967"/>
+          </a:xfrm>
+          <a:prstGeom prst="rect">
+            <a:avLst/>
+          </a:prstGeom>
+          <a:noFill/>
+          <a:ln>
+            <a:noFill/>
+          </a:ln>
+        </p:spPr>
+      </p:pic>
+      <p:pic>
+        <p:nvPicPr>
+          <p:cNvPr id="6" name="Picture 5" descr="Logo&#10;&#10;Description automatically generated">
+            <a:extLst>
+              <a:ext uri="{FF2B5EF4-FFF2-40B4-BE49-F238E27FC236}">
+                <a16:creationId xmlns:a16="http://schemas.microsoft.com/office/drawing/2014/main" id="{8D6926E4-F3E4-64BB-F1D8-C9ACD19918C5}"/>
+              </a:ext>
+            </a:extLst>
+          </p:cNvPr>
+          <p:cNvPicPr>
+            <a:picLocks noChangeAspect="1"/>
+          </p:cNvPicPr>
+          <p:nvPr/>
+        </p:nvPicPr>
+        <p:blipFill>
+          <a:blip r:embed="rId4">
+            <a:extLst>
+              <a:ext uri="{28A0092B-C50C-407E-A947-70E740481C1C}">
+                <a14:useLocalDpi xmlns:a14="http://schemas.microsoft.com/office/drawing/2010/main" val="0"/>
+              </a:ext>
+            </a:extLst>
+          </a:blip>
+          <a:srcRect/>
+          <a:stretch>
+            <a:fillRect/>
+          </a:stretch>
+        </p:blipFill>
+        <p:spPr bwMode="auto">
+          <a:xfrm>
+            <a:off x="7822017" y="880318"/>
+            <a:ext cx="3836114" cy="2427778"/>
+          </a:xfrm>
+          <a:prstGeom prst="rect">
+            <a:avLst/>
+          </a:prstGeom>
+          <a:noFill/>
+          <a:ln>
+            <a:noFill/>
+          </a:ln>
+        </p:spPr>
+      </p:pic>
+    </p:spTree>
+    <p:extLst>
+      <p:ext uri="{BB962C8B-B14F-4D97-AF65-F5344CB8AC3E}">
+        <p14:creationId xmlns:p14="http://schemas.microsoft.com/office/powerpoint/2010/main" val="48314575"/>
+      </p:ext>
+    </p:extLst>
+  </p:cSld>
+  <p:clrMapOvr>
+    <a:masterClrMapping/>
+  </p:clrMapOvr>
+  <p:timing>
+    <p:tnLst>
+      <p:par>
+        <p:cTn id="1" dur="indefinite" restart="never" nodeType="tmRoot">
+          <p:childTnLst>
+            <p:seq concurrent="1" nextAc="seek">
+              <p:cTn id="2" dur="indefinite" nodeType="mainSeq">
+                <p:childTnLst>
+                  <p:par>
+                    <p:cTn id="3" fill="hold">
+                      <p:stCondLst>
+                        <p:cond delay="indefinite"/>
+                      </p:stCondLst>
+                      <p:childTnLst>
+                        <p:par>
+                          <p:cTn id="4" fill="hold">
+                            <p:stCondLst>
+                              <p:cond delay="0"/>
+                            </p:stCondLst>
+                            <p:childTnLst>
+                              <p:par>
+                                <p:cTn id="5" presetID="1" presetClass="entr" presetSubtype="0" fill="hold" nodeType="clickEffect">
+                                  <p:stCondLst>
+                                    <p:cond delay="0"/>
+                                  </p:stCondLst>
+                                  <p:childTnLst>
+                                    <p:set>
+                                      <p:cBhvr>
+                                        <p:cTn id="6" dur="1" fill="hold">
+                                          <p:stCondLst>
+                                            <p:cond delay="0"/>
+                                          </p:stCondLst>
+                                        </p:cTn>
+                                        <p:tgtEl>
+                                          <p:spTgt spid="4"/>
+                                        </p:tgtEl>
+                                        <p:attrNameLst>
+                                          <p:attrName>style.visibility</p:attrName>
+                                        </p:attrNameLst>
+                                      </p:cBhvr>
+                                      <p:to>
+                                        <p:strVal val="visible"/>
+                                      </p:to>
+                                    </p:set>
+                                  </p:childTnLst>
+                                </p:cTn>
+                              </p:par>
+                            </p:childTnLst>
+                          </p:cTn>
+                        </p:par>
+                      </p:childTnLst>
+                    </p:cTn>
+                  </p:par>
+                  <p:par>
+                    <p:cTn id="7" fill="hold">
+                      <p:stCondLst>
+                        <p:cond delay="indefinite"/>
+                      </p:stCondLst>
+                      <p:childTnLst>
+                        <p:par>
+                          <p:cTn id="8" fill="hold">
+                            <p:stCondLst>
+                              <p:cond delay="0"/>
+                            </p:stCondLst>
+                            <p:childTnLst>
+                              <p:par>
+                                <p:cTn id="9" presetID="1" presetClass="entr" presetSubtype="0" fill="hold" nodeType="clickEffect">
+                                  <p:stCondLst>
+                                    <p:cond delay="0"/>
+                                  </p:stCondLst>
+                                  <p:childTnLst>
+                                    <p:set>
+                                      <p:cBhvr>
+                                        <p:cTn id="10" dur="1" fill="hold">
+                                          <p:stCondLst>
+                                            <p:cond delay="0"/>
+                                          </p:stCondLst>
+                                        </p:cTn>
+                                        <p:tgtEl>
+                                          <p:spTgt spid="5"/>
+                                        </p:tgtEl>
+                                        <p:attrNameLst>
+                                          <p:attrName>style.visibility</p:attrName>
+                                        </p:attrNameLst>
+                                      </p:cBhvr>
+                                      <p:to>
+                                        <p:strVal val="visible"/>
+                                      </p:to>
+                                    </p:set>
+                                  </p:childTnLst>
+                                </p:cTn>
+                              </p:par>
+                            </p:childTnLst>
+                          </p:cTn>
+                        </p:par>
+                      </p:childTnLst>
+                    </p:cTn>
+                  </p:par>
+                  <p:par>
+                    <p:cTn id="11" fill="hold">
+                      <p:stCondLst>
+                        <p:cond delay="indefinite"/>
+                      </p:stCondLst>
+                      <p:childTnLst>
+                        <p:par>
+                          <p:cTn id="12" fill="hold">
+                            <p:stCondLst>
+                              <p:cond delay="0"/>
+                            </p:stCondLst>
+                            <p:childTnLst>
+                              <p:par>
+                                <p:cTn id="13" presetID="1" presetClass="entr" presetSubtype="0" fill="hold" nodeType="clickEffect">
+                                  <p:stCondLst>
+                                    <p:cond delay="0"/>
+                                  </p:stCondLst>
+                                  <p:childTnLst>
+                                    <p:set>
+                                      <p:cBhvr>
+                                        <p:cTn id="14" dur="1" fill="hold">
+                                          <p:stCondLst>
+                                            <p:cond delay="0"/>
+                                          </p:stCondLst>
+                                        </p:cTn>
+                                        <p:tgtEl>
+                                          <p:spTgt spid="6"/>
+                                        </p:tgtEl>
+                                        <p:attrNameLst>
+                                          <p:attrName>style.visibility</p:attrName>
+                                        </p:attrNameLst>
+                                      </p:cBhvr>
+                                      <p:to>
+                                        <p:strVal val="visible"/>
+                                      </p:to>
+                                    </p:set>
+                                  </p:childTnLst>
+                                </p:cTn>
+                              </p:par>
+                            </p:childTnLst>
+                          </p:cTn>
+                        </p:par>
+                      </p:childTnLst>
+                    </p:cTn>
+                  </p:par>
+                </p:childTnLst>
+              </p:cTn>
+              <p:prevCondLst>
+                <p:cond evt="onPrev" delay="0">
+                  <p:tgtEl>
+                    <p:sldTgt/>
+                  </p:tgtEl>
+                </p:cond>
+              </p:prevCondLst>
+              <p:nextCondLst>
+                <p:cond evt="onNext" delay="0">
+                  <p:tgtEl>
+                    <p:sldTgt/>
+                  </p:tgtEl>
+                </p:cond>
+              </p:nextCondLst>
+            </p:seq>
+          </p:childTnLst>
+        </p:cTn>
+      </p:par>
+    </p:tnLst>
+  </p:timing>
+</p:sld>
+</file>
+
+<file path=ppt/slides/slide16.xml><?xml version="1.0" encoding="utf-8"?>
+<p:sld xmlns:a="http://schemas.openxmlformats.org/drawingml/2006/main" xmlns:r="http://schemas.openxmlformats.org/officeDocument/2006/relationships" xmlns:p="http://schemas.openxmlformats.org/presentationml/2006/main">
+  <p:cSld>
+    <p:spTree>
+      <p:nvGrpSpPr>
+        <p:cNvPr id="1" name=""/>
+        <p:cNvGrpSpPr/>
+        <p:nvPr/>
+      </p:nvGrpSpPr>
+      <p:grpSpPr>
+        <a:xfrm>
+          <a:off x="0" y="0"/>
+          <a:ext cx="0" cy="0"/>
+          <a:chOff x="0" y="0"/>
+          <a:chExt cx="0" cy="0"/>
+        </a:xfrm>
+      </p:grpSpPr>
+      <p:sp>
+        <p:nvSpPr>
+          <p:cNvPr id="2" name="TextBox 1">
+            <a:extLst>
+              <a:ext uri="{FF2B5EF4-FFF2-40B4-BE49-F238E27FC236}">
+                <a16:creationId xmlns:a16="http://schemas.microsoft.com/office/drawing/2014/main" id="{DF1AA8CB-B1C2-5BFA-444E-88D35BF376BA}"/>
+              </a:ext>
+            </a:extLst>
+          </p:cNvPr>
+          <p:cNvSpPr txBox="1"/>
+          <p:nvPr/>
+        </p:nvSpPr>
+        <p:spPr>
+          <a:xfrm>
+            <a:off x="937858" y="207819"/>
+            <a:ext cx="3438762" cy="630942"/>
+          </a:xfrm>
+          <a:prstGeom prst="rect">
+            <a:avLst/>
+          </a:prstGeom>
+          <a:noFill/>
+        </p:spPr>
+        <p:txBody>
+          <a:bodyPr wrap="none" rtlCol="0">
+            <a:spAutoFit/>
+          </a:bodyPr>
+          <a:lstStyle/>
+          <a:p>
+            <a:r>
+              <a:rPr lang="en-US" sz="3500"/>
+              <a:t>Machine Learning</a:t>
+            </a:r>
+          </a:p>
+        </p:txBody>
+      </p:sp>
+      <p:sp>
+        <p:nvSpPr>
+          <p:cNvPr id="6" name="TextBox 5">
+            <a:extLst>
+              <a:ext uri="{FF2B5EF4-FFF2-40B4-BE49-F238E27FC236}">
+                <a16:creationId xmlns:a16="http://schemas.microsoft.com/office/drawing/2014/main" id="{015B32FF-6080-7B67-F60C-B1E74D6823FC}"/>
+              </a:ext>
+            </a:extLst>
+          </p:cNvPr>
+          <p:cNvSpPr txBox="1"/>
+          <p:nvPr/>
+        </p:nvSpPr>
+        <p:spPr>
+          <a:xfrm>
+            <a:off x="319481" y="1199876"/>
+            <a:ext cx="4917538" cy="1785104"/>
+          </a:xfrm>
+          <a:prstGeom prst="rect">
+            <a:avLst/>
+          </a:prstGeom>
+          <a:noFill/>
+        </p:spPr>
+        <p:txBody>
+          <a:bodyPr wrap="square" rtlCol="0">
+            <a:spAutoFit/>
+          </a:bodyPr>
+          <a:lstStyle/>
+          <a:p>
+            <a:pPr marL="457200" indent="-457200">
+              <a:buFont typeface="Arial" panose="020B0604020202020204" pitchFamily="34" charset="0"/>
+              <a:buChar char="•"/>
+            </a:pPr>
+            <a:r>
+              <a:rPr lang="en-US" sz="2200"/>
+              <a:t>We used a </a:t>
+            </a:r>
+            <a:r>
+              <a:rPr lang="en-US" sz="2200" err="1"/>
+              <a:t>RandomForestClassifier</a:t>
+            </a:r>
+            <a:r>
+              <a:rPr lang="en-US" sz="2200"/>
+              <a:t> to create a model for our loan dataset. The details are in our writeup. Unfortunately, we were not able to deploy the model on our website.</a:t>
+            </a:r>
+          </a:p>
+        </p:txBody>
+      </p:sp>
+      <p:sp>
+        <p:nvSpPr>
+          <p:cNvPr id="3" name="TextBox 2">
+            <a:extLst>
+              <a:ext uri="{FF2B5EF4-FFF2-40B4-BE49-F238E27FC236}">
+                <a16:creationId xmlns:a16="http://schemas.microsoft.com/office/drawing/2014/main" id="{8D194478-A78B-939D-3AF4-B41CB199A7CE}"/>
+              </a:ext>
+            </a:extLst>
+          </p:cNvPr>
+          <p:cNvSpPr txBox="1"/>
+          <p:nvPr/>
+        </p:nvSpPr>
+        <p:spPr>
+          <a:xfrm>
+            <a:off x="319481" y="3346095"/>
+            <a:ext cx="4917538" cy="769441"/>
+          </a:xfrm>
+          <a:prstGeom prst="rect">
+            <a:avLst/>
+          </a:prstGeom>
+          <a:noFill/>
+        </p:spPr>
+        <p:txBody>
+          <a:bodyPr wrap="square" rtlCol="0">
+            <a:spAutoFit/>
+          </a:bodyPr>
+          <a:lstStyle/>
+          <a:p>
+            <a:pPr marL="457200" indent="-457200">
+              <a:buFont typeface="Arial" panose="020B0604020202020204" pitchFamily="34" charset="0"/>
+              <a:buChar char="•"/>
+            </a:pPr>
+            <a:r>
+              <a:rPr lang="en-US" sz="2200"/>
+              <a:t>This is a shame as the model was perfect!</a:t>
+            </a:r>
+          </a:p>
+        </p:txBody>
+      </p:sp>
+      <p:pic>
+        <p:nvPicPr>
+          <p:cNvPr id="4" name="Picture 3" descr="Table&#10;&#10;Description automatically generated">
+            <a:extLst>
+              <a:ext uri="{FF2B5EF4-FFF2-40B4-BE49-F238E27FC236}">
+                <a16:creationId xmlns:a16="http://schemas.microsoft.com/office/drawing/2014/main" id="{067A9354-7469-8EE2-9203-963EF52543C4}"/>
+              </a:ext>
+            </a:extLst>
+          </p:cNvPr>
+          <p:cNvPicPr>
+            <a:picLocks noChangeAspect="1"/>
+          </p:cNvPicPr>
+          <p:nvPr/>
+        </p:nvPicPr>
+        <p:blipFill>
+          <a:blip r:embed="rId2">
+            <a:extLst>
+              <a:ext uri="{28A0092B-C50C-407E-A947-70E740481C1C}">
+                <a14:useLocalDpi xmlns:a14="http://schemas.microsoft.com/office/drawing/2010/main" val="0"/>
+              </a:ext>
+            </a:extLst>
+          </a:blip>
+          <a:stretch>
+            <a:fillRect/>
+          </a:stretch>
+        </p:blipFill>
+        <p:spPr>
+          <a:xfrm>
+            <a:off x="6954983" y="523290"/>
+            <a:ext cx="4413308" cy="2373861"/>
+          </a:xfrm>
+          <a:prstGeom prst="rect">
+            <a:avLst/>
+          </a:prstGeom>
+        </p:spPr>
+      </p:pic>
+      <p:pic>
+        <p:nvPicPr>
+          <p:cNvPr id="5" name="Picture 4" descr="Chart, line chart&#10;&#10;Description automatically generated">
+            <a:extLst>
+              <a:ext uri="{FF2B5EF4-FFF2-40B4-BE49-F238E27FC236}">
+                <a16:creationId xmlns:a16="http://schemas.microsoft.com/office/drawing/2014/main" id="{DA6830D7-6A6F-C4FF-82E5-571A13EFE264}"/>
+              </a:ext>
+            </a:extLst>
+          </p:cNvPr>
+          <p:cNvPicPr>
+            <a:picLocks noChangeAspect="1"/>
+          </p:cNvPicPr>
+          <p:nvPr/>
+        </p:nvPicPr>
+        <p:blipFill>
+          <a:blip r:embed="rId3">
+            <a:extLst>
+              <a:ext uri="{28A0092B-C50C-407E-A947-70E740481C1C}">
+                <a14:useLocalDpi xmlns:a14="http://schemas.microsoft.com/office/drawing/2010/main" val="0"/>
+              </a:ext>
+            </a:extLst>
+          </a:blip>
+          <a:srcRect/>
+          <a:stretch>
+            <a:fillRect/>
+          </a:stretch>
+        </p:blipFill>
+        <p:spPr bwMode="auto">
+          <a:xfrm>
+            <a:off x="6810148" y="3429000"/>
+            <a:ext cx="4558143" cy="2857383"/>
+          </a:xfrm>
+          <a:prstGeom prst="rect">
+            <a:avLst/>
+          </a:prstGeom>
+          <a:noFill/>
+          <a:ln>
+            <a:noFill/>
+          </a:ln>
+        </p:spPr>
+      </p:pic>
+    </p:spTree>
+    <p:extLst>
+      <p:ext uri="{BB962C8B-B14F-4D97-AF65-F5344CB8AC3E}">
+        <p14:creationId xmlns:p14="http://schemas.microsoft.com/office/powerpoint/2010/main" val="2744693983"/>
+      </p:ext>
+    </p:extLst>
+  </p:cSld>
+  <p:clrMapOvr>
+    <a:masterClrMapping/>
+  </p:clrMapOvr>
+  <p:timing>
+    <p:tnLst>
+      <p:par>
+        <p:cTn id="1" dur="indefinite" restart="never" nodeType="tmRoot">
+          <p:childTnLst>
+            <p:seq concurrent="1" nextAc="seek">
+              <p:cTn id="2" dur="indefinite" nodeType="mainSeq">
+                <p:childTnLst>
+                  <p:par>
+                    <p:cTn id="3" fill="hold">
+                      <p:stCondLst>
+                        <p:cond delay="indefinite"/>
+                      </p:stCondLst>
+                      <p:childTnLst>
+                        <p:par>
+                          <p:cTn id="4" fill="hold">
+                            <p:stCondLst>
+                              <p:cond delay="0"/>
+                            </p:stCondLst>
+                            <p:childTnLst>
+                              <p:par>
+                                <p:cTn id="5" presetID="1" presetClass="entr" presetSubtype="0" fill="hold" grpId="0" nodeType="clickEffect">
+                                  <p:stCondLst>
+                                    <p:cond delay="0"/>
+                                  </p:stCondLst>
+                                  <p:childTnLst>
+                                    <p:set>
+                                      <p:cBhvr>
+                                        <p:cTn id="6" dur="1" fill="hold">
+                                          <p:stCondLst>
+                                            <p:cond delay="0"/>
+                                          </p:stCondLst>
+                                        </p:cTn>
+                                        <p:tgtEl>
+                                          <p:spTgt spid="6"/>
+                                        </p:tgtEl>
+                                        <p:attrNameLst>
+                                          <p:attrName>style.visibility</p:attrName>
+                                        </p:attrNameLst>
+                                      </p:cBhvr>
+                                      <p:to>
+                                        <p:strVal val="visible"/>
+                                      </p:to>
+                                    </p:set>
+                                  </p:childTnLst>
+                                </p:cTn>
+                              </p:par>
+                            </p:childTnLst>
+                          </p:cTn>
+                        </p:par>
+                      </p:childTnLst>
+                    </p:cTn>
+                  </p:par>
+                  <p:par>
+                    <p:cTn id="7" fill="hold">
+                      <p:stCondLst>
+                        <p:cond delay="indefinite"/>
+                      </p:stCondLst>
+                      <p:childTnLst>
+                        <p:par>
+                          <p:cTn id="8" fill="hold">
+                            <p:stCondLst>
+                              <p:cond delay="0"/>
+                            </p:stCondLst>
+                            <p:childTnLst>
+                              <p:par>
+                                <p:cTn id="9" presetID="1" presetClass="entr" presetSubtype="0" fill="hold" grpId="0" nodeType="clickEffect">
+                                  <p:stCondLst>
+                                    <p:cond delay="0"/>
+                                  </p:stCondLst>
+                                  <p:childTnLst>
+                                    <p:set>
+                                      <p:cBhvr>
+                                        <p:cTn id="10" dur="1" fill="hold">
+                                          <p:stCondLst>
+                                            <p:cond delay="0"/>
+                                          </p:stCondLst>
+                                        </p:cTn>
+                                        <p:tgtEl>
+                                          <p:spTgt spid="3"/>
+                                        </p:tgtEl>
+                                        <p:attrNameLst>
+                                          <p:attrName>style.visibility</p:attrName>
+                                        </p:attrNameLst>
+                                      </p:cBhvr>
+                                      <p:to>
+                                        <p:strVal val="visible"/>
+                                      </p:to>
+                                    </p:set>
+                                  </p:childTnLst>
+                                </p:cTn>
+                              </p:par>
+                            </p:childTnLst>
+                          </p:cTn>
+                        </p:par>
+                      </p:childTnLst>
+                    </p:cTn>
+                  </p:par>
+                  <p:par>
+                    <p:cTn id="11" fill="hold">
+                      <p:stCondLst>
+                        <p:cond delay="indefinite"/>
+                      </p:stCondLst>
+                      <p:childTnLst>
+                        <p:par>
+                          <p:cTn id="12" fill="hold">
+                            <p:stCondLst>
+                              <p:cond delay="0"/>
+                            </p:stCondLst>
+                            <p:childTnLst>
+                              <p:par>
+                                <p:cTn id="13" presetID="1" presetClass="entr" presetSubtype="0" fill="hold" nodeType="clickEffect">
+                                  <p:stCondLst>
+                                    <p:cond delay="0"/>
+                                  </p:stCondLst>
+                                  <p:childTnLst>
+                                    <p:set>
+                                      <p:cBhvr>
+                                        <p:cTn id="14" dur="1" fill="hold">
+                                          <p:stCondLst>
+                                            <p:cond delay="0"/>
+                                          </p:stCondLst>
+                                        </p:cTn>
+                                        <p:tgtEl>
+                                          <p:spTgt spid="4"/>
+                                        </p:tgtEl>
+                                        <p:attrNameLst>
+                                          <p:attrName>style.visibility</p:attrName>
+                                        </p:attrNameLst>
+                                      </p:cBhvr>
+                                      <p:to>
+                                        <p:strVal val="visible"/>
+                                      </p:to>
+                                    </p:set>
+                                  </p:childTnLst>
+                                </p:cTn>
+                              </p:par>
+                            </p:childTnLst>
+                          </p:cTn>
+                        </p:par>
+                      </p:childTnLst>
+                    </p:cTn>
+                  </p:par>
+                  <p:par>
+                    <p:cTn id="15" fill="hold">
+                      <p:stCondLst>
+                        <p:cond delay="indefinite"/>
+                      </p:stCondLst>
+                      <p:childTnLst>
+                        <p:par>
+                          <p:cTn id="16" fill="hold">
+                            <p:stCondLst>
+                              <p:cond delay="0"/>
+                            </p:stCondLst>
+                            <p:childTnLst>
+                              <p:par>
+                                <p:cTn id="17" presetID="1" presetClass="entr" presetSubtype="0" fill="hold" nodeType="clickEffect">
+                                  <p:stCondLst>
+                                    <p:cond delay="0"/>
+                                  </p:stCondLst>
+                                  <p:childTnLst>
+                                    <p:set>
+                                      <p:cBhvr>
+                                        <p:cTn id="18" dur="1" fill="hold">
+                                          <p:stCondLst>
+                                            <p:cond delay="0"/>
+                                          </p:stCondLst>
+                                        </p:cTn>
+                                        <p:tgtEl>
+                                          <p:spTgt spid="5"/>
+                                        </p:tgtEl>
+                                        <p:attrNameLst>
+                                          <p:attrName>style.visibility</p:attrName>
+                                        </p:attrNameLst>
+                                      </p:cBhvr>
+                                      <p:to>
+                                        <p:strVal val="visible"/>
+                                      </p:to>
+                                    </p:set>
+                                  </p:childTnLst>
+                                </p:cTn>
+                              </p:par>
+                            </p:childTnLst>
+                          </p:cTn>
+                        </p:par>
+                      </p:childTnLst>
+                    </p:cTn>
+                  </p:par>
+                </p:childTnLst>
+              </p:cTn>
+              <p:prevCondLst>
+                <p:cond evt="onPrev" delay="0">
+                  <p:tgtEl>
+                    <p:sldTgt/>
+                  </p:tgtEl>
+                </p:cond>
+              </p:prevCondLst>
+              <p:nextCondLst>
+                <p:cond evt="onNext" delay="0">
+                  <p:tgtEl>
+                    <p:sldTgt/>
+                  </p:tgtEl>
+                </p:cond>
+              </p:nextCondLst>
+            </p:seq>
+          </p:childTnLst>
+        </p:cTn>
+      </p:par>
+    </p:tnLst>
+    <p:bldLst>
+      <p:bldP spid="6" grpId="0"/>
+      <p:bldP spid="3" grpId="0"/>
+    </p:bldLst>
+  </p:timing>
+</p:sld>
+</file>
+
+<file path=ppt/slides/slide17.xml><?xml version="1.0" encoding="utf-8"?>
+<p:sld xmlns:a="http://schemas.openxmlformats.org/drawingml/2006/main" xmlns:r="http://schemas.openxmlformats.org/officeDocument/2006/relationships" xmlns:p="http://schemas.openxmlformats.org/presentationml/2006/main">
+  <p:cSld>
+    <p:spTree>
+      <p:nvGrpSpPr>
+        <p:cNvPr id="1" name=""/>
+        <p:cNvGrpSpPr/>
+        <p:nvPr/>
+      </p:nvGrpSpPr>
+      <p:grpSpPr>
+        <a:xfrm>
+          <a:off x="0" y="0"/>
+          <a:ext cx="0" cy="0"/>
+          <a:chOff x="0" y="0"/>
+          <a:chExt cx="0" cy="0"/>
+        </a:xfrm>
+      </p:grpSpPr>
+      <p:sp>
+        <p:nvSpPr>
+          <p:cNvPr id="2" name="Title 1">
+            <a:extLst>
+              <a:ext uri="{FF2B5EF4-FFF2-40B4-BE49-F238E27FC236}">
+                <a16:creationId xmlns:a16="http://schemas.microsoft.com/office/drawing/2014/main" id="{1376460D-DF1E-F392-AF46-1CF09E9A027E}"/>
+              </a:ext>
+            </a:extLst>
+          </p:cNvPr>
+          <p:cNvSpPr>
+            <a:spLocks noGrp="1"/>
+          </p:cNvSpPr>
+          <p:nvPr>
+            <p:ph type="ctrTitle"/>
+          </p:nvPr>
+        </p:nvSpPr>
+        <p:spPr/>
+        <p:txBody>
+          <a:bodyPr/>
+          <a:lstStyle/>
+          <a:p>
+            <a:pPr algn="ctr"/>
+            <a:r>
+              <a:rPr lang="en-US"/>
+              <a:t>Website</a:t>
+            </a:r>
+          </a:p>
+        </p:txBody>
+      </p:sp>
+      <p:sp>
+        <p:nvSpPr>
+          <p:cNvPr id="3" name="Subtitle 2">
+            <a:extLst>
+              <a:ext uri="{FF2B5EF4-FFF2-40B4-BE49-F238E27FC236}">
+                <a16:creationId xmlns:a16="http://schemas.microsoft.com/office/drawing/2014/main" id="{2E34B72E-EF8F-B8F8-0804-884BDE839DA4}"/>
+              </a:ext>
+            </a:extLst>
+          </p:cNvPr>
+          <p:cNvSpPr>
+            <a:spLocks noGrp="1"/>
+          </p:cNvSpPr>
+          <p:nvPr>
+            <p:ph type="subTitle" idx="1"/>
+          </p:nvPr>
+        </p:nvSpPr>
+        <p:spPr/>
+        <p:txBody>
+          <a:bodyPr/>
+          <a:lstStyle/>
+          <a:p>
+            <a:endParaRPr lang="en-US"/>
+          </a:p>
+        </p:txBody>
+      </p:sp>
+    </p:spTree>
+    <p:extLst>
+      <p:ext uri="{BB962C8B-B14F-4D97-AF65-F5344CB8AC3E}">
+        <p14:creationId xmlns:p14="http://schemas.microsoft.com/office/powerpoint/2010/main" val="2619604601"/>
+      </p:ext>
+    </p:extLst>
+  </p:cSld>
+  <p:clrMapOvr>
+    <a:masterClrMapping/>
+  </p:clrMapOvr>
+</p:sld>
+</file>
+
+<file path=ppt/slides/slide18.xml><?xml version="1.0" encoding="utf-8"?>
+<p:sld xmlns:a="http://schemas.openxmlformats.org/drawingml/2006/main" xmlns:r="http://schemas.openxmlformats.org/officeDocument/2006/relationships" xmlns:p="http://schemas.openxmlformats.org/presentationml/2006/main">
+  <p:cSld>
+    <p:spTree>
+      <p:nvGrpSpPr>
+        <p:cNvPr id="1" name=""/>
+        <p:cNvGrpSpPr/>
+        <p:nvPr/>
+      </p:nvGrpSpPr>
+      <p:grpSpPr>
+        <a:xfrm>
+          <a:off x="0" y="0"/>
+          <a:ext cx="0" cy="0"/>
+          <a:chOff x="0" y="0"/>
+          <a:chExt cx="0" cy="0"/>
+        </a:xfrm>
+      </p:grpSpPr>
+      <p:sp>
+        <p:nvSpPr>
+          <p:cNvPr id="2" name="Title 1">
+            <a:extLst>
+              <a:ext uri="{FF2B5EF4-FFF2-40B4-BE49-F238E27FC236}">
+                <a16:creationId xmlns:a16="http://schemas.microsoft.com/office/drawing/2014/main" id="{1376460D-DF1E-F392-AF46-1CF09E9A027E}"/>
+              </a:ext>
+            </a:extLst>
+          </p:cNvPr>
+          <p:cNvSpPr>
+            <a:spLocks noGrp="1"/>
+          </p:cNvSpPr>
+          <p:nvPr>
+            <p:ph type="ctrTitle"/>
+          </p:nvPr>
+        </p:nvSpPr>
+        <p:spPr/>
+        <p:txBody>
+          <a:bodyPr/>
+          <a:lstStyle/>
+          <a:p>
+            <a:pPr algn="ctr"/>
+            <a:r>
+              <a:rPr lang="en-US"/>
+              <a:t>Conclusions</a:t>
+            </a:r>
+          </a:p>
+        </p:txBody>
+      </p:sp>
+      <p:sp>
+        <p:nvSpPr>
+          <p:cNvPr id="3" name="Subtitle 2">
+            <a:extLst>
+              <a:ext uri="{FF2B5EF4-FFF2-40B4-BE49-F238E27FC236}">
+                <a16:creationId xmlns:a16="http://schemas.microsoft.com/office/drawing/2014/main" id="{2E34B72E-EF8F-B8F8-0804-884BDE839DA4}"/>
+              </a:ext>
+            </a:extLst>
+          </p:cNvPr>
+          <p:cNvSpPr>
+            <a:spLocks noGrp="1"/>
+          </p:cNvSpPr>
+          <p:nvPr>
+            <p:ph type="subTitle" idx="1"/>
+          </p:nvPr>
+        </p:nvSpPr>
+        <p:spPr/>
+        <p:txBody>
+          <a:bodyPr/>
+          <a:lstStyle/>
+          <a:p>
+            <a:endParaRPr lang="en-US"/>
+          </a:p>
+        </p:txBody>
+      </p:sp>
+    </p:spTree>
+    <p:extLst>
+      <p:ext uri="{BB962C8B-B14F-4D97-AF65-F5344CB8AC3E}">
+        <p14:creationId xmlns:p14="http://schemas.microsoft.com/office/powerpoint/2010/main" val="2304609990"/>
+      </p:ext>
+    </p:extLst>
+  </p:cSld>
+  <p:clrMapOvr>
+    <a:masterClrMapping/>
+  </p:clrMapOvr>
+</p:sld>
+</file>
+
+<file path=ppt/slides/slide19.xml><?xml version="1.0" encoding="utf-8"?>
+<p:sld xmlns:a="http://schemas.openxmlformats.org/drawingml/2006/main" xmlns:r="http://schemas.openxmlformats.org/officeDocument/2006/relationships" xmlns:p="http://schemas.openxmlformats.org/presentationml/2006/main">
+  <p:cSld>
+    <p:spTree>
+      <p:nvGrpSpPr>
+        <p:cNvPr id="1" name=""/>
+        <p:cNvGrpSpPr/>
+        <p:nvPr/>
+      </p:nvGrpSpPr>
+      <p:grpSpPr>
+        <a:xfrm>
+          <a:off x="0" y="0"/>
+          <a:ext cx="0" cy="0"/>
+          <a:chOff x="0" y="0"/>
+          <a:chExt cx="0" cy="0"/>
+        </a:xfrm>
+      </p:grpSpPr>
+      <p:sp>
+        <p:nvSpPr>
+          <p:cNvPr id="2" name="Title 1">
+            <a:extLst>
+              <a:ext uri="{FF2B5EF4-FFF2-40B4-BE49-F238E27FC236}">
+                <a16:creationId xmlns:a16="http://schemas.microsoft.com/office/drawing/2014/main" id="{1376460D-DF1E-F392-AF46-1CF09E9A027E}"/>
+              </a:ext>
+            </a:extLst>
+          </p:cNvPr>
+          <p:cNvSpPr>
+            <a:spLocks noGrp="1"/>
+          </p:cNvSpPr>
+          <p:nvPr>
+            <p:ph type="ctrTitle"/>
+          </p:nvPr>
+        </p:nvSpPr>
+        <p:spPr/>
+        <p:txBody>
+          <a:bodyPr/>
+          <a:lstStyle/>
+          <a:p>
+            <a:pPr algn="ctr"/>
+            <a:r>
+              <a:rPr lang="en-US"/>
+              <a:t>Limitations and Future Work </a:t>
+            </a:r>
+          </a:p>
+        </p:txBody>
+      </p:sp>
+      <p:sp>
+        <p:nvSpPr>
+          <p:cNvPr id="3" name="Subtitle 2">
+            <a:extLst>
+              <a:ext uri="{FF2B5EF4-FFF2-40B4-BE49-F238E27FC236}">
+                <a16:creationId xmlns:a16="http://schemas.microsoft.com/office/drawing/2014/main" id="{2E34B72E-EF8F-B8F8-0804-884BDE839DA4}"/>
+              </a:ext>
+            </a:extLst>
+          </p:cNvPr>
+          <p:cNvSpPr>
+            <a:spLocks noGrp="1"/>
+          </p:cNvSpPr>
+          <p:nvPr>
+            <p:ph type="subTitle" idx="1"/>
+          </p:nvPr>
+        </p:nvSpPr>
+        <p:spPr/>
+        <p:txBody>
+          <a:bodyPr/>
+          <a:lstStyle/>
+          <a:p>
+            <a:endParaRPr lang="en-US"/>
+          </a:p>
+        </p:txBody>
+      </p:sp>
+    </p:spTree>
+    <p:extLst>
+      <p:ext uri="{BB962C8B-B14F-4D97-AF65-F5344CB8AC3E}">
+        <p14:creationId xmlns:p14="http://schemas.microsoft.com/office/powerpoint/2010/main" val="3873988772"/>
+      </p:ext>
+    </p:extLst>
+  </p:cSld>
+  <p:clrMapOvr>
+    <a:masterClrMapping/>
+  </p:clrMapOvr>
+</p:sld>
+</file>
+
 <file path=ppt/slides/slide2.xml><?xml version="1.0" encoding="utf-8"?>
 <p:sld xmlns:a="http://schemas.openxmlformats.org/drawingml/2006/main" xmlns:r="http://schemas.openxmlformats.org/officeDocument/2006/relationships" xmlns:p="http://schemas.openxmlformats.org/presentationml/2006/main">
   <p:cSld>
@@ -4262,6 +8131,90 @@
 </p:sld>
 </file>
 
+<file path=ppt/slides/slide20.xml><?xml version="1.0" encoding="utf-8"?>
+<p:sld xmlns:a="http://schemas.openxmlformats.org/drawingml/2006/main" xmlns:r="http://schemas.openxmlformats.org/officeDocument/2006/relationships" xmlns:p="http://schemas.openxmlformats.org/presentationml/2006/main">
+  <p:cSld>
+    <p:spTree>
+      <p:nvGrpSpPr>
+        <p:cNvPr id="1" name=""/>
+        <p:cNvGrpSpPr/>
+        <p:nvPr/>
+      </p:nvGrpSpPr>
+      <p:grpSpPr>
+        <a:xfrm>
+          <a:off x="0" y="0"/>
+          <a:ext cx="0" cy="0"/>
+          <a:chOff x="0" y="0"/>
+          <a:chExt cx="0" cy="0"/>
+        </a:xfrm>
+      </p:grpSpPr>
+      <p:sp>
+        <p:nvSpPr>
+          <p:cNvPr id="2" name="Title 1">
+            <a:extLst>
+              <a:ext uri="{FF2B5EF4-FFF2-40B4-BE49-F238E27FC236}">
+                <a16:creationId xmlns:a16="http://schemas.microsoft.com/office/drawing/2014/main" id="{1376460D-DF1E-F392-AF46-1CF09E9A027E}"/>
+              </a:ext>
+            </a:extLst>
+          </p:cNvPr>
+          <p:cNvSpPr>
+            <a:spLocks noGrp="1"/>
+          </p:cNvSpPr>
+          <p:nvPr>
+            <p:ph type="ctrTitle"/>
+          </p:nvPr>
+        </p:nvSpPr>
+        <p:spPr/>
+        <p:txBody>
+          <a:bodyPr/>
+          <a:lstStyle/>
+          <a:p>
+            <a:pPr algn="ctr"/>
+            <a:r>
+              <a:rPr lang="en-US"/>
+              <a:t>Acknowledgments</a:t>
+            </a:r>
+          </a:p>
+        </p:txBody>
+      </p:sp>
+      <p:sp>
+        <p:nvSpPr>
+          <p:cNvPr id="3" name="Subtitle 2">
+            <a:extLst>
+              <a:ext uri="{FF2B5EF4-FFF2-40B4-BE49-F238E27FC236}">
+                <a16:creationId xmlns:a16="http://schemas.microsoft.com/office/drawing/2014/main" id="{2E34B72E-EF8F-B8F8-0804-884BDE839DA4}"/>
+              </a:ext>
+            </a:extLst>
+          </p:cNvPr>
+          <p:cNvSpPr>
+            <a:spLocks noGrp="1"/>
+          </p:cNvSpPr>
+          <p:nvPr>
+            <p:ph type="subTitle" idx="1"/>
+          </p:nvPr>
+        </p:nvSpPr>
+        <p:spPr/>
+        <p:txBody>
+          <a:bodyPr/>
+          <a:lstStyle/>
+          <a:p>
+            <a:endParaRPr lang="en-US"/>
+          </a:p>
+        </p:txBody>
+      </p:sp>
+    </p:spTree>
+    <p:extLst>
+      <p:ext uri="{BB962C8B-B14F-4D97-AF65-F5344CB8AC3E}">
+        <p14:creationId xmlns:p14="http://schemas.microsoft.com/office/powerpoint/2010/main" val="1599034845"/>
+      </p:ext>
+    </p:extLst>
+  </p:cSld>
+  <p:clrMapOvr>
+    <a:masterClrMapping/>
+  </p:clrMapOvr>
+</p:sld>
+</file>
+
 <file path=ppt/slides/slide3.xml><?xml version="1.0" encoding="utf-8"?>
 <p:sld xmlns:a="http://schemas.openxmlformats.org/drawingml/2006/main" xmlns:r="http://schemas.openxmlformats.org/officeDocument/2006/relationships" xmlns:p="http://schemas.openxmlformats.org/presentationml/2006/main">
   <p:cSld>
@@ -4302,7 +8255,7 @@
           <a:p>
             <a:pPr algn="ctr"/>
             <a:r>
-              <a:rPr lang="en-US" dirty="0"/>
+              <a:rPr lang="en-US"/>
               <a:t>Introduction</a:t>
             </a:r>
           </a:p>
@@ -4392,7 +8345,7 @@
           <a:lstStyle/>
           <a:p>
             <a:r>
-              <a:rPr lang="en-US" sz="3500" dirty="0"/>
+              <a:rPr lang="en-US" sz="3500"/>
               <a:t>Twentieth Century Banking</a:t>
             </a:r>
           </a:p>
@@ -4431,7 +8384,7 @@
               <a:buChar char="•"/>
             </a:pPr>
             <a:r>
-              <a:rPr lang="en-US" sz="3000" dirty="0"/>
+              <a:rPr lang="en-US" sz="3000"/>
               <a:t>Prior to the advent of modern banking, loans were only accessible to a select and connected elite.</a:t>
             </a:r>
           </a:p>
@@ -4470,7 +8423,7 @@
               <a:buChar char="•"/>
             </a:pPr>
             <a:r>
-              <a:rPr lang="en-US" sz="3000" dirty="0"/>
+              <a:rPr lang="en-US" sz="3000"/>
               <a:t>The development of the Federal Reserve, ATMs, credit cards, and internet banking has allowed banking and financial services to be accessible to the majority of the American population</a:t>
             </a:r>
           </a:p>
@@ -4499,7 +8452,7 @@
           <a:noFill/>
         </p:spPr>
         <p:txBody>
-          <a:bodyPr wrap="square" rtlCol="0">
+          <a:bodyPr wrap="square" lIns="91440" tIns="45720" rIns="91440" bIns="45720" rtlCol="0" anchor="t">
             <a:spAutoFit/>
           </a:bodyPr>
           <a:lstStyle/>
@@ -4509,8 +8462,8 @@
               <a:buChar char="•"/>
             </a:pPr>
             <a:r>
-              <a:rPr lang="en-US" sz="3000" dirty="0"/>
-              <a:t>Stability without centralization is the goal of a dynamic and prosperous final system, and this is only possible if banks can make good decisions that minimize risk.</a:t>
+              <a:rPr lang="en-US" sz="3000"/>
+              <a:t>Stability without centralization is the goal of a dynamic and prosperous financial system, and this is only possible if banks can make good decisions that minimize risk.</a:t>
             </a:r>
           </a:p>
         </p:txBody>
@@ -4574,7 +8527,7 @@
           <a:lstStyle/>
           <a:p>
             <a:r>
-              <a:rPr lang="en-US" sz="3500" dirty="0"/>
+              <a:rPr lang="en-US" sz="3500"/>
               <a:t>How Can We Make Banking Better?</a:t>
             </a:r>
           </a:p>
@@ -4613,7 +8566,7 @@
               <a:buChar char="•"/>
             </a:pPr>
             <a:r>
-              <a:rPr lang="en-US" sz="3000" dirty="0"/>
+              <a:rPr lang="en-US" sz="3000"/>
               <a:t>We created two machine learning models and a web app to deploy them</a:t>
             </a:r>
           </a:p>
@@ -4652,7 +8605,7 @@
               <a:buChar char="•"/>
             </a:pPr>
             <a:r>
-              <a:rPr lang="en-US" sz="3000" dirty="0"/>
+              <a:rPr lang="en-US" sz="3000"/>
               <a:t>The first model helps us to predict whether an applicant will default on their credit card</a:t>
             </a:r>
           </a:p>
@@ -4691,7 +8644,7 @@
               <a:buChar char="•"/>
             </a:pPr>
             <a:r>
-              <a:rPr lang="en-US" sz="3000" dirty="0"/>
+              <a:rPr lang="en-US" sz="3000"/>
               <a:t>The second model helps banks to predict whether an applicant will default on their personal loan.</a:t>
             </a:r>
           </a:p>
@@ -4730,7 +8683,7 @@
               <a:buChar char="•"/>
             </a:pPr>
             <a:r>
-              <a:rPr lang="en-US" sz="3000" dirty="0"/>
+              <a:rPr lang="en-US" sz="3000"/>
               <a:t>We hope that helping banks make better decisions will allow them to customize credit cards and loans for every single applicant.</a:t>
             </a:r>
           </a:p>
@@ -4789,7 +8742,7 @@
           <a:p>
             <a:pPr algn="ctr"/>
             <a:r>
-              <a:rPr lang="en-US" dirty="0"/>
+              <a:rPr lang="en-US"/>
               <a:t>Data Processing and Machine Learning</a:t>
             </a:r>
           </a:p>
@@ -4879,7 +8832,7 @@
           <a:lstStyle/>
           <a:p>
             <a:r>
-              <a:rPr lang="en-US" sz="3500" dirty="0"/>
+              <a:rPr lang="en-US" sz="3500"/>
               <a:t>Data Sets</a:t>
             </a:r>
           </a:p>
@@ -4918,7 +8871,7 @@
               <a:buChar char="•"/>
             </a:pPr>
             <a:r>
-              <a:rPr lang="en-US" sz="3000" dirty="0"/>
+              <a:rPr lang="en-US" sz="3000"/>
               <a:t>We obtained both of our datasets from Kaggle</a:t>
             </a:r>
           </a:p>
@@ -4957,7 +8910,7 @@
               <a:buChar char="•"/>
             </a:pPr>
             <a:r>
-              <a:rPr lang="en-US" sz="3000" dirty="0"/>
+              <a:rPr lang="en-US" sz="3000"/>
               <a:t>Our credit card data set was a dataset of customers in China who had applied for a credit card</a:t>
             </a:r>
           </a:p>
@@ -4996,7 +8949,7 @@
               <a:buChar char="•"/>
             </a:pPr>
             <a:r>
-              <a:rPr lang="en-US" sz="3000" dirty="0"/>
+              <a:rPr lang="en-US" sz="3000"/>
               <a:t>The dataset was very clean with no null values, binary columns already encoded as 0s and 1s, and numerical columns in appropriate datatypes.</a:t>
             </a:r>
           </a:p>
@@ -5017,7 +8970,7 @@
         <p:spPr>
           <a:xfrm>
             <a:off x="290944" y="4310043"/>
-            <a:ext cx="8631383" cy="553998"/>
+            <a:ext cx="8631383" cy="1938992"/>
           </a:xfrm>
           <a:prstGeom prst="rect">
             <a:avLst/>
@@ -5035,14 +8988,9 @@
               <a:buChar char="•"/>
             </a:pPr>
             <a:r>
-              <a:rPr lang="en-US" sz="3000" dirty="0"/>
-              <a:t>We dropped </a:t>
-            </a:r>
-            <a:r>
               <a:rPr lang="en-US" sz="3000"/>
-              <a:t>three columns</a:t>
-            </a:r>
-            <a:endParaRPr lang="en-US" sz="3000" dirty="0"/>
+              <a:t>We dropped columns that referenced whether the applicant had a phone, work phone, or email address, as we did not think those columns would have predictive power.</a:t>
+            </a:r>
           </a:p>
         </p:txBody>
       </p:sp>
@@ -5056,6 +9004,2439 @@
   <p:clrMapOvr>
     <a:masterClrMapping/>
   </p:clrMapOvr>
+  <p:timing>
+    <p:tnLst>
+      <p:par>
+        <p:cTn id="1" dur="indefinite" restart="never" nodeType="tmRoot">
+          <p:childTnLst>
+            <p:seq concurrent="1" nextAc="seek">
+              <p:cTn id="2" dur="indefinite" nodeType="mainSeq">
+                <p:childTnLst>
+                  <p:par>
+                    <p:cTn id="3" fill="hold">
+                      <p:stCondLst>
+                        <p:cond delay="indefinite"/>
+                      </p:stCondLst>
+                      <p:childTnLst>
+                        <p:par>
+                          <p:cTn id="4" fill="hold">
+                            <p:stCondLst>
+                              <p:cond delay="0"/>
+                            </p:stCondLst>
+                            <p:childTnLst>
+                              <p:par>
+                                <p:cTn id="5" presetID="1" presetClass="entr" presetSubtype="0" fill="hold" grpId="0" nodeType="clickEffect">
+                                  <p:stCondLst>
+                                    <p:cond delay="0"/>
+                                  </p:stCondLst>
+                                  <p:childTnLst>
+                                    <p:set>
+                                      <p:cBhvr>
+                                        <p:cTn id="6" dur="1" fill="hold">
+                                          <p:stCondLst>
+                                            <p:cond delay="0"/>
+                                          </p:stCondLst>
+                                        </p:cTn>
+                                        <p:tgtEl>
+                                          <p:spTgt spid="5"/>
+                                        </p:tgtEl>
+                                        <p:attrNameLst>
+                                          <p:attrName>style.visibility</p:attrName>
+                                        </p:attrNameLst>
+                                      </p:cBhvr>
+                                      <p:to>
+                                        <p:strVal val="visible"/>
+                                      </p:to>
+                                    </p:set>
+                                  </p:childTnLst>
+                                </p:cTn>
+                              </p:par>
+                            </p:childTnLst>
+                          </p:cTn>
+                        </p:par>
+                      </p:childTnLst>
+                    </p:cTn>
+                  </p:par>
+                  <p:par>
+                    <p:cTn id="7" fill="hold">
+                      <p:stCondLst>
+                        <p:cond delay="indefinite"/>
+                      </p:stCondLst>
+                      <p:childTnLst>
+                        <p:par>
+                          <p:cTn id="8" fill="hold">
+                            <p:stCondLst>
+                              <p:cond delay="0"/>
+                            </p:stCondLst>
+                            <p:childTnLst>
+                              <p:par>
+                                <p:cTn id="9" presetID="1" presetClass="entr" presetSubtype="0" fill="hold" grpId="0" nodeType="clickEffect">
+                                  <p:stCondLst>
+                                    <p:cond delay="0"/>
+                                  </p:stCondLst>
+                                  <p:childTnLst>
+                                    <p:set>
+                                      <p:cBhvr>
+                                        <p:cTn id="10" dur="1" fill="hold">
+                                          <p:stCondLst>
+                                            <p:cond delay="0"/>
+                                          </p:stCondLst>
+                                        </p:cTn>
+                                        <p:tgtEl>
+                                          <p:spTgt spid="6"/>
+                                        </p:tgtEl>
+                                        <p:attrNameLst>
+                                          <p:attrName>style.visibility</p:attrName>
+                                        </p:attrNameLst>
+                                      </p:cBhvr>
+                                      <p:to>
+                                        <p:strVal val="visible"/>
+                                      </p:to>
+                                    </p:set>
+                                  </p:childTnLst>
+                                </p:cTn>
+                              </p:par>
+                            </p:childTnLst>
+                          </p:cTn>
+                        </p:par>
+                      </p:childTnLst>
+                    </p:cTn>
+                  </p:par>
+                  <p:par>
+                    <p:cTn id="11" fill="hold">
+                      <p:stCondLst>
+                        <p:cond delay="indefinite"/>
+                      </p:stCondLst>
+                      <p:childTnLst>
+                        <p:par>
+                          <p:cTn id="12" fill="hold">
+                            <p:stCondLst>
+                              <p:cond delay="0"/>
+                            </p:stCondLst>
+                            <p:childTnLst>
+                              <p:par>
+                                <p:cTn id="13" presetID="1" presetClass="entr" presetSubtype="0" fill="hold" grpId="0" nodeType="clickEffect">
+                                  <p:stCondLst>
+                                    <p:cond delay="0"/>
+                                  </p:stCondLst>
+                                  <p:childTnLst>
+                                    <p:set>
+                                      <p:cBhvr>
+                                        <p:cTn id="14" dur="1" fill="hold">
+                                          <p:stCondLst>
+                                            <p:cond delay="0"/>
+                                          </p:stCondLst>
+                                        </p:cTn>
+                                        <p:tgtEl>
+                                          <p:spTgt spid="7"/>
+                                        </p:tgtEl>
+                                        <p:attrNameLst>
+                                          <p:attrName>style.visibility</p:attrName>
+                                        </p:attrNameLst>
+                                      </p:cBhvr>
+                                      <p:to>
+                                        <p:strVal val="visible"/>
+                                      </p:to>
+                                    </p:set>
+                                  </p:childTnLst>
+                                </p:cTn>
+                              </p:par>
+                            </p:childTnLst>
+                          </p:cTn>
+                        </p:par>
+                      </p:childTnLst>
+                    </p:cTn>
+                  </p:par>
+                  <p:par>
+                    <p:cTn id="15" fill="hold">
+                      <p:stCondLst>
+                        <p:cond delay="indefinite"/>
+                      </p:stCondLst>
+                      <p:childTnLst>
+                        <p:par>
+                          <p:cTn id="16" fill="hold">
+                            <p:stCondLst>
+                              <p:cond delay="0"/>
+                            </p:stCondLst>
+                            <p:childTnLst>
+                              <p:par>
+                                <p:cTn id="17" presetID="1" presetClass="entr" presetSubtype="0" fill="hold" grpId="0" nodeType="clickEffect">
+                                  <p:stCondLst>
+                                    <p:cond delay="0"/>
+                                  </p:stCondLst>
+                                  <p:childTnLst>
+                                    <p:set>
+                                      <p:cBhvr>
+                                        <p:cTn id="18" dur="1" fill="hold">
+                                          <p:stCondLst>
+                                            <p:cond delay="0"/>
+                                          </p:stCondLst>
+                                        </p:cTn>
+                                        <p:tgtEl>
+                                          <p:spTgt spid="8"/>
+                                        </p:tgtEl>
+                                        <p:attrNameLst>
+                                          <p:attrName>style.visibility</p:attrName>
+                                        </p:attrNameLst>
+                                      </p:cBhvr>
+                                      <p:to>
+                                        <p:strVal val="visible"/>
+                                      </p:to>
+                                    </p:set>
+                                  </p:childTnLst>
+                                </p:cTn>
+                              </p:par>
+                            </p:childTnLst>
+                          </p:cTn>
+                        </p:par>
+                      </p:childTnLst>
+                    </p:cTn>
+                  </p:par>
+                </p:childTnLst>
+              </p:cTn>
+              <p:prevCondLst>
+                <p:cond evt="onPrev" delay="0">
+                  <p:tgtEl>
+                    <p:sldTgt/>
+                  </p:tgtEl>
+                </p:cond>
+              </p:prevCondLst>
+              <p:nextCondLst>
+                <p:cond evt="onNext" delay="0">
+                  <p:tgtEl>
+                    <p:sldTgt/>
+                  </p:tgtEl>
+                </p:cond>
+              </p:nextCondLst>
+            </p:seq>
+          </p:childTnLst>
+        </p:cTn>
+      </p:par>
+    </p:tnLst>
+    <p:bldLst>
+      <p:bldP spid="5" grpId="0"/>
+      <p:bldP spid="6" grpId="0"/>
+      <p:bldP spid="7" grpId="0"/>
+      <p:bldP spid="8" grpId="0"/>
+    </p:bldLst>
+  </p:timing>
+</p:sld>
+</file>
+
+<file path=ppt/slides/slide8.xml><?xml version="1.0" encoding="utf-8"?>
+<p:sld xmlns:a="http://schemas.openxmlformats.org/drawingml/2006/main" xmlns:r="http://schemas.openxmlformats.org/officeDocument/2006/relationships" xmlns:p="http://schemas.openxmlformats.org/presentationml/2006/main">
+  <p:cSld>
+    <p:spTree>
+      <p:nvGrpSpPr>
+        <p:cNvPr id="1" name=""/>
+        <p:cNvGrpSpPr/>
+        <p:nvPr/>
+      </p:nvGrpSpPr>
+      <p:grpSpPr>
+        <a:xfrm>
+          <a:off x="0" y="0"/>
+          <a:ext cx="0" cy="0"/>
+          <a:chOff x="0" y="0"/>
+          <a:chExt cx="0" cy="0"/>
+        </a:xfrm>
+      </p:grpSpPr>
+      <p:sp>
+        <p:nvSpPr>
+          <p:cNvPr id="4" name="TextBox 3">
+            <a:extLst>
+              <a:ext uri="{FF2B5EF4-FFF2-40B4-BE49-F238E27FC236}">
+                <a16:creationId xmlns:a16="http://schemas.microsoft.com/office/drawing/2014/main" id="{25452CBA-4F1B-3C46-8D91-8A938C594F1C}"/>
+              </a:ext>
+            </a:extLst>
+          </p:cNvPr>
+          <p:cNvSpPr txBox="1"/>
+          <p:nvPr/>
+        </p:nvSpPr>
+        <p:spPr>
+          <a:xfrm>
+            <a:off x="4378863" y="207819"/>
+            <a:ext cx="3748077" cy="630942"/>
+          </a:xfrm>
+          <a:prstGeom prst="rect">
+            <a:avLst/>
+          </a:prstGeom>
+          <a:noFill/>
+        </p:spPr>
+        <p:txBody>
+          <a:bodyPr wrap="none" rtlCol="0">
+            <a:spAutoFit/>
+          </a:bodyPr>
+          <a:lstStyle/>
+          <a:p>
+            <a:r>
+              <a:rPr lang="en-US" sz="3500"/>
+              <a:t>Preparation of Data</a:t>
+            </a:r>
+          </a:p>
+        </p:txBody>
+      </p:sp>
+      <p:cxnSp>
+        <p:nvCxnSpPr>
+          <p:cNvPr id="10" name="Straight Arrow Connector 9">
+            <a:extLst>
+              <a:ext uri="{FF2B5EF4-FFF2-40B4-BE49-F238E27FC236}">
+                <a16:creationId xmlns:a16="http://schemas.microsoft.com/office/drawing/2014/main" id="{6D0BE593-F272-F79D-CDBC-93BF652E87D0}"/>
+              </a:ext>
+            </a:extLst>
+          </p:cNvPr>
+          <p:cNvCxnSpPr/>
+          <p:nvPr/>
+        </p:nvCxnSpPr>
+        <p:spPr>
+          <a:xfrm flipH="1">
+            <a:off x="1953491" y="838761"/>
+            <a:ext cx="1995054" cy="1003894"/>
+          </a:xfrm>
+          <a:prstGeom prst="straightConnector1">
+            <a:avLst/>
+          </a:prstGeom>
+          <a:ln w="38100">
+            <a:tailEnd type="stealth" w="lg" len="lg"/>
+          </a:ln>
+        </p:spPr>
+        <p:style>
+          <a:lnRef idx="1">
+            <a:schemeClr val="accent1"/>
+          </a:lnRef>
+          <a:fillRef idx="0">
+            <a:schemeClr val="accent1"/>
+          </a:fillRef>
+          <a:effectRef idx="0">
+            <a:schemeClr val="accent1"/>
+          </a:effectRef>
+          <a:fontRef idx="minor">
+            <a:schemeClr val="tx1"/>
+          </a:fontRef>
+        </p:style>
+      </p:cxnSp>
+      <p:cxnSp>
+        <p:nvCxnSpPr>
+          <p:cNvPr id="11" name="Straight Arrow Connector 10">
+            <a:extLst>
+              <a:ext uri="{FF2B5EF4-FFF2-40B4-BE49-F238E27FC236}">
+                <a16:creationId xmlns:a16="http://schemas.microsoft.com/office/drawing/2014/main" id="{BB172072-98FF-D499-AC24-567B01849835}"/>
+              </a:ext>
+            </a:extLst>
+          </p:cNvPr>
+          <p:cNvCxnSpPr>
+            <a:cxnSpLocks/>
+          </p:cNvCxnSpPr>
+          <p:nvPr/>
+        </p:nvCxnSpPr>
+        <p:spPr>
+          <a:xfrm>
+            <a:off x="8126940" y="838761"/>
+            <a:ext cx="1833276" cy="1163341"/>
+          </a:xfrm>
+          <a:prstGeom prst="straightConnector1">
+            <a:avLst/>
+          </a:prstGeom>
+          <a:ln w="38100">
+            <a:tailEnd type="stealth" w="lg" len="lg"/>
+          </a:ln>
+        </p:spPr>
+        <p:style>
+          <a:lnRef idx="1">
+            <a:schemeClr val="accent1"/>
+          </a:lnRef>
+          <a:fillRef idx="0">
+            <a:schemeClr val="accent1"/>
+          </a:fillRef>
+          <a:effectRef idx="0">
+            <a:schemeClr val="accent1"/>
+          </a:effectRef>
+          <a:fontRef idx="minor">
+            <a:schemeClr val="tx1"/>
+          </a:fontRef>
+        </p:style>
+      </p:cxnSp>
+      <p:cxnSp>
+        <p:nvCxnSpPr>
+          <p:cNvPr id="13" name="Straight Arrow Connector 12">
+            <a:extLst>
+              <a:ext uri="{FF2B5EF4-FFF2-40B4-BE49-F238E27FC236}">
+                <a16:creationId xmlns:a16="http://schemas.microsoft.com/office/drawing/2014/main" id="{29EEE54D-BA37-3C52-758F-52728026DA04}"/>
+              </a:ext>
+            </a:extLst>
+          </p:cNvPr>
+          <p:cNvCxnSpPr>
+            <a:cxnSpLocks/>
+          </p:cNvCxnSpPr>
+          <p:nvPr/>
+        </p:nvCxnSpPr>
+        <p:spPr>
+          <a:xfrm>
+            <a:off x="5943599" y="969454"/>
+            <a:ext cx="0" cy="1261409"/>
+          </a:xfrm>
+          <a:prstGeom prst="straightConnector1">
+            <a:avLst/>
+          </a:prstGeom>
+          <a:ln w="38100">
+            <a:tailEnd type="stealth" w="lg" len="lg"/>
+          </a:ln>
+        </p:spPr>
+        <p:style>
+          <a:lnRef idx="1">
+            <a:schemeClr val="accent1"/>
+          </a:lnRef>
+          <a:fillRef idx="0">
+            <a:schemeClr val="accent1"/>
+          </a:fillRef>
+          <a:effectRef idx="0">
+            <a:schemeClr val="accent1"/>
+          </a:effectRef>
+          <a:fontRef idx="minor">
+            <a:schemeClr val="tx1"/>
+          </a:fontRef>
+        </p:style>
+      </p:cxnSp>
+      <p:sp>
+        <p:nvSpPr>
+          <p:cNvPr id="15" name="TextBox 14">
+            <a:extLst>
+              <a:ext uri="{FF2B5EF4-FFF2-40B4-BE49-F238E27FC236}">
+                <a16:creationId xmlns:a16="http://schemas.microsoft.com/office/drawing/2014/main" id="{4288DDAF-0774-A7DB-BC02-F1D6A4EE79C1}"/>
+              </a:ext>
+            </a:extLst>
+          </p:cNvPr>
+          <p:cNvSpPr txBox="1"/>
+          <p:nvPr/>
+        </p:nvSpPr>
+        <p:spPr>
+          <a:xfrm>
+            <a:off x="722962" y="2230863"/>
+            <a:ext cx="2461058" cy="523220"/>
+          </a:xfrm>
+          <a:prstGeom prst="rect">
+            <a:avLst/>
+          </a:prstGeom>
+          <a:noFill/>
+        </p:spPr>
+        <p:txBody>
+          <a:bodyPr wrap="none" rtlCol="0">
+            <a:spAutoFit/>
+          </a:bodyPr>
+          <a:lstStyle/>
+          <a:p>
+            <a:r>
+              <a:rPr lang="en-US" sz="2800"/>
+              <a:t>Binary Columns</a:t>
+            </a:r>
+          </a:p>
+        </p:txBody>
+      </p:sp>
+      <p:sp>
+        <p:nvSpPr>
+          <p:cNvPr id="16" name="TextBox 15">
+            <a:extLst>
+              <a:ext uri="{FF2B5EF4-FFF2-40B4-BE49-F238E27FC236}">
+                <a16:creationId xmlns:a16="http://schemas.microsoft.com/office/drawing/2014/main" id="{3CAD5AC6-B5AE-D94A-8831-6CD58FDED0EB}"/>
+              </a:ext>
+            </a:extLst>
+          </p:cNvPr>
+          <p:cNvSpPr txBox="1"/>
+          <p:nvPr/>
+        </p:nvSpPr>
+        <p:spPr>
+          <a:xfrm>
+            <a:off x="4580873" y="2361556"/>
+            <a:ext cx="3030253" cy="523220"/>
+          </a:xfrm>
+          <a:prstGeom prst="rect">
+            <a:avLst/>
+          </a:prstGeom>
+          <a:noFill/>
+        </p:spPr>
+        <p:txBody>
+          <a:bodyPr wrap="none" rtlCol="0">
+            <a:spAutoFit/>
+          </a:bodyPr>
+          <a:lstStyle/>
+          <a:p>
+            <a:r>
+              <a:rPr lang="en-US" sz="2800"/>
+              <a:t>Numerical Columns</a:t>
+            </a:r>
+          </a:p>
+        </p:txBody>
+      </p:sp>
+      <p:sp>
+        <p:nvSpPr>
+          <p:cNvPr id="17" name="TextBox 16">
+            <a:extLst>
+              <a:ext uri="{FF2B5EF4-FFF2-40B4-BE49-F238E27FC236}">
+                <a16:creationId xmlns:a16="http://schemas.microsoft.com/office/drawing/2014/main" id="{8639687B-EB70-2D16-C90B-40A88992DD70}"/>
+              </a:ext>
+            </a:extLst>
+          </p:cNvPr>
+          <p:cNvSpPr txBox="1"/>
+          <p:nvPr/>
+        </p:nvSpPr>
+        <p:spPr>
+          <a:xfrm>
+            <a:off x="8438785" y="2387920"/>
+            <a:ext cx="3152081" cy="523220"/>
+          </a:xfrm>
+          <a:prstGeom prst="rect">
+            <a:avLst/>
+          </a:prstGeom>
+          <a:noFill/>
+        </p:spPr>
+        <p:txBody>
+          <a:bodyPr wrap="none" rtlCol="0">
+            <a:spAutoFit/>
+          </a:bodyPr>
+          <a:lstStyle/>
+          <a:p>
+            <a:r>
+              <a:rPr lang="en-US" sz="2800"/>
+              <a:t>Categorical Columns</a:t>
+            </a:r>
+          </a:p>
+        </p:txBody>
+      </p:sp>
+      <p:sp>
+        <p:nvSpPr>
+          <p:cNvPr id="18" name="TextBox 17">
+            <a:extLst>
+              <a:ext uri="{FF2B5EF4-FFF2-40B4-BE49-F238E27FC236}">
+                <a16:creationId xmlns:a16="http://schemas.microsoft.com/office/drawing/2014/main" id="{9310D5BB-3111-D380-615E-1BFFE137A72E}"/>
+              </a:ext>
+            </a:extLst>
+          </p:cNvPr>
+          <p:cNvSpPr txBox="1"/>
+          <p:nvPr/>
+        </p:nvSpPr>
+        <p:spPr>
+          <a:xfrm>
+            <a:off x="722962" y="2919763"/>
+            <a:ext cx="2793567" cy="1569660"/>
+          </a:xfrm>
+          <a:prstGeom prst="rect">
+            <a:avLst/>
+          </a:prstGeom>
+          <a:noFill/>
+        </p:spPr>
+        <p:txBody>
+          <a:bodyPr wrap="square" rtlCol="0">
+            <a:spAutoFit/>
+          </a:bodyPr>
+          <a:lstStyle/>
+          <a:p>
+            <a:r>
+              <a:rPr lang="en-US" sz="2400" kern="0">
+                <a:solidFill>
+                  <a:srgbClr val="000000"/>
+                </a:solidFill>
+                <a:latin typeface="Courier New" panose="02070309020205020404" pitchFamily="49" charset="0"/>
+                <a:ea typeface="Times New Roman" panose="02020603050405020304" pitchFamily="18" charset="0"/>
+              </a:rPr>
+              <a:t>'Gender' '</a:t>
+            </a:r>
+            <a:r>
+              <a:rPr lang="en-US" sz="2400" kern="0" err="1">
+                <a:solidFill>
+                  <a:srgbClr val="000000"/>
+                </a:solidFill>
+                <a:latin typeface="Courier New" panose="02070309020205020404" pitchFamily="49" charset="0"/>
+                <a:ea typeface="Times New Roman" panose="02020603050405020304" pitchFamily="18" charset="0"/>
+              </a:rPr>
+              <a:t>Own_car</a:t>
+            </a:r>
+            <a:r>
+              <a:rPr lang="en-US" sz="2400" kern="0">
+                <a:solidFill>
+                  <a:srgbClr val="000000"/>
+                </a:solidFill>
+                <a:latin typeface="Courier New" panose="02070309020205020404" pitchFamily="49" charset="0"/>
+                <a:ea typeface="Times New Roman" panose="02020603050405020304" pitchFamily="18" charset="0"/>
+              </a:rPr>
+              <a:t>' '</a:t>
+            </a:r>
+            <a:r>
+              <a:rPr lang="en-US" sz="2400" kern="0" err="1">
+                <a:solidFill>
+                  <a:srgbClr val="000000"/>
+                </a:solidFill>
+                <a:latin typeface="Courier New" panose="02070309020205020404" pitchFamily="49" charset="0"/>
+                <a:ea typeface="Times New Roman" panose="02020603050405020304" pitchFamily="18" charset="0"/>
+              </a:rPr>
+              <a:t>Own_property</a:t>
+            </a:r>
+            <a:r>
+              <a:rPr lang="en-US" sz="2400" kern="0">
+                <a:solidFill>
+                  <a:srgbClr val="000000"/>
+                </a:solidFill>
+                <a:latin typeface="Courier New" panose="02070309020205020404" pitchFamily="49" charset="0"/>
+                <a:ea typeface="Times New Roman" panose="02020603050405020304" pitchFamily="18" charset="0"/>
+              </a:rPr>
+              <a:t>' 'Unemployed'</a:t>
+            </a:r>
+            <a:endParaRPr lang="en-US" sz="2400"/>
+          </a:p>
+        </p:txBody>
+      </p:sp>
+      <p:sp>
+        <p:nvSpPr>
+          <p:cNvPr id="19" name="TextBox 18">
+            <a:extLst>
+              <a:ext uri="{FF2B5EF4-FFF2-40B4-BE49-F238E27FC236}">
+                <a16:creationId xmlns:a16="http://schemas.microsoft.com/office/drawing/2014/main" id="{ADD03AB8-EF25-0425-B074-9A609006B131}"/>
+              </a:ext>
+            </a:extLst>
+          </p:cNvPr>
+          <p:cNvSpPr txBox="1"/>
+          <p:nvPr/>
+        </p:nvSpPr>
+        <p:spPr>
+          <a:xfrm>
+            <a:off x="4437437" y="3037573"/>
+            <a:ext cx="3173689" cy="2456955"/>
+          </a:xfrm>
+          <a:prstGeom prst="rect">
+            <a:avLst/>
+          </a:prstGeom>
+          <a:noFill/>
+        </p:spPr>
+        <p:txBody>
+          <a:bodyPr wrap="square" rtlCol="0">
+            <a:spAutoFit/>
+          </a:bodyPr>
+          <a:lstStyle/>
+          <a:p>
+            <a:pPr fontAlgn="base" latinLnBrk="1">
+              <a:lnSpc>
+                <a:spcPct val="107000"/>
+              </a:lnSpc>
+              <a:tabLst>
+                <a:tab pos="581660" algn="l"/>
+                <a:tab pos="1163320" algn="l"/>
+                <a:tab pos="1744980" algn="l"/>
+                <a:tab pos="2326640" algn="l"/>
+                <a:tab pos="2908300" algn="l"/>
+                <a:tab pos="3489960" algn="l"/>
+                <a:tab pos="4071620" algn="l"/>
+                <a:tab pos="4653280" algn="l"/>
+                <a:tab pos="5234940" algn="l"/>
+                <a:tab pos="5816600" algn="l"/>
+                <a:tab pos="6398260" algn="l"/>
+                <a:tab pos="6979920" algn="l"/>
+                <a:tab pos="7561580" algn="l"/>
+                <a:tab pos="8143240" algn="l"/>
+                <a:tab pos="8724900" algn="l"/>
+                <a:tab pos="9306560" algn="l"/>
+              </a:tabLst>
+            </a:pPr>
+            <a:r>
+              <a:rPr lang="en-US" sz="2400" kern="0">
+                <a:solidFill>
+                  <a:srgbClr val="000000"/>
+                </a:solidFill>
+                <a:latin typeface="Courier New" panose="02070309020205020404" pitchFamily="49" charset="0"/>
+                <a:ea typeface="Times New Roman" panose="02020603050405020304" pitchFamily="18" charset="0"/>
+                <a:cs typeface="Times New Roman" panose="02020603050405020304" pitchFamily="18" charset="0"/>
+              </a:rPr>
+              <a:t>'</a:t>
+            </a:r>
+            <a:r>
+              <a:rPr lang="en-US" sz="2400" kern="0" err="1">
+                <a:solidFill>
+                  <a:srgbClr val="000000"/>
+                </a:solidFill>
+                <a:latin typeface="Courier New" panose="02070309020205020404" pitchFamily="49" charset="0"/>
+                <a:ea typeface="Times New Roman" panose="02020603050405020304" pitchFamily="18" charset="0"/>
+                <a:cs typeface="Times New Roman" panose="02020603050405020304" pitchFamily="18" charset="0"/>
+              </a:rPr>
+              <a:t>Num_children</a:t>
+            </a:r>
+            <a:r>
+              <a:rPr lang="en-US" sz="2400" kern="0">
+                <a:solidFill>
+                  <a:srgbClr val="000000"/>
+                </a:solidFill>
+                <a:latin typeface="Courier New" panose="02070309020205020404" pitchFamily="49" charset="0"/>
+                <a:ea typeface="Times New Roman" panose="02020603050405020304" pitchFamily="18" charset="0"/>
+                <a:cs typeface="Times New Roman" panose="02020603050405020304" pitchFamily="18" charset="0"/>
+              </a:rPr>
+              <a:t>'</a:t>
+            </a:r>
+            <a:endParaRPr lang="en-US" sz="2400" kern="100">
+              <a:latin typeface="Calibri" panose="020F0502020204030204" pitchFamily="34" charset="0"/>
+              <a:ea typeface="Calibri" panose="020F0502020204030204" pitchFamily="34" charset="0"/>
+              <a:cs typeface="Times New Roman" panose="02020603050405020304" pitchFamily="18" charset="0"/>
+            </a:endParaRPr>
+          </a:p>
+          <a:p>
+            <a:pPr fontAlgn="base" latinLnBrk="1">
+              <a:lnSpc>
+                <a:spcPct val="107000"/>
+              </a:lnSpc>
+              <a:tabLst>
+                <a:tab pos="581660" algn="l"/>
+                <a:tab pos="1163320" algn="l"/>
+                <a:tab pos="1744980" algn="l"/>
+                <a:tab pos="2326640" algn="l"/>
+                <a:tab pos="2908300" algn="l"/>
+                <a:tab pos="3489960" algn="l"/>
+                <a:tab pos="4071620" algn="l"/>
+                <a:tab pos="4653280" algn="l"/>
+                <a:tab pos="5234940" algn="l"/>
+                <a:tab pos="5816600" algn="l"/>
+                <a:tab pos="6398260" algn="l"/>
+                <a:tab pos="6979920" algn="l"/>
+                <a:tab pos="7561580" algn="l"/>
+                <a:tab pos="8143240" algn="l"/>
+                <a:tab pos="8724900" algn="l"/>
+                <a:tab pos="9306560" algn="l"/>
+              </a:tabLst>
+            </a:pPr>
+            <a:r>
+              <a:rPr lang="en-US" sz="2400" kern="0">
+                <a:solidFill>
+                  <a:srgbClr val="000000"/>
+                </a:solidFill>
+                <a:latin typeface="Courier New" panose="02070309020205020404" pitchFamily="49" charset="0"/>
+                <a:ea typeface="Times New Roman" panose="02020603050405020304" pitchFamily="18" charset="0"/>
+                <a:cs typeface="Times New Roman" panose="02020603050405020304" pitchFamily="18" charset="0"/>
+              </a:rPr>
+              <a:t>'</a:t>
+            </a:r>
+            <a:r>
+              <a:rPr lang="en-US" sz="2400" kern="0" err="1">
+                <a:solidFill>
+                  <a:srgbClr val="000000"/>
+                </a:solidFill>
+                <a:latin typeface="Courier New" panose="02070309020205020404" pitchFamily="49" charset="0"/>
+                <a:ea typeface="Times New Roman" panose="02020603050405020304" pitchFamily="18" charset="0"/>
+                <a:cs typeface="Times New Roman" panose="02020603050405020304" pitchFamily="18" charset="0"/>
+              </a:rPr>
+              <a:t>Num_family</a:t>
+            </a:r>
+            <a:r>
+              <a:rPr lang="en-US" sz="2400" kern="0">
+                <a:solidFill>
+                  <a:srgbClr val="000000"/>
+                </a:solidFill>
+                <a:latin typeface="Courier New" panose="02070309020205020404" pitchFamily="49" charset="0"/>
+                <a:ea typeface="Times New Roman" panose="02020603050405020304" pitchFamily="18" charset="0"/>
+                <a:cs typeface="Times New Roman" panose="02020603050405020304" pitchFamily="18" charset="0"/>
+              </a:rPr>
+              <a:t>’,   '</a:t>
+            </a:r>
+            <a:r>
+              <a:rPr lang="en-US" sz="2400" kern="0" err="1">
+                <a:solidFill>
+                  <a:srgbClr val="000000"/>
+                </a:solidFill>
+                <a:latin typeface="Courier New" panose="02070309020205020404" pitchFamily="49" charset="0"/>
+                <a:ea typeface="Times New Roman" panose="02020603050405020304" pitchFamily="18" charset="0"/>
+                <a:cs typeface="Times New Roman" panose="02020603050405020304" pitchFamily="18" charset="0"/>
+              </a:rPr>
+              <a:t>Account_length</a:t>
+            </a:r>
+            <a:r>
+              <a:rPr lang="en-US" sz="2400" kern="0">
+                <a:solidFill>
+                  <a:srgbClr val="000000"/>
+                </a:solidFill>
+                <a:latin typeface="Courier New" panose="02070309020205020404" pitchFamily="49" charset="0"/>
+                <a:ea typeface="Times New Roman" panose="02020603050405020304" pitchFamily="18" charset="0"/>
+                <a:cs typeface="Times New Roman" panose="02020603050405020304" pitchFamily="18" charset="0"/>
+              </a:rPr>
+              <a:t>' '</a:t>
+            </a:r>
+            <a:r>
+              <a:rPr lang="en-US" sz="2400" kern="0" err="1">
+                <a:solidFill>
+                  <a:srgbClr val="000000"/>
+                </a:solidFill>
+                <a:latin typeface="Courier New" panose="02070309020205020404" pitchFamily="49" charset="0"/>
+                <a:ea typeface="Times New Roman" panose="02020603050405020304" pitchFamily="18" charset="0"/>
+                <a:cs typeface="Times New Roman" panose="02020603050405020304" pitchFamily="18" charset="0"/>
+              </a:rPr>
+              <a:t>Total_income</a:t>
+            </a:r>
+            <a:r>
+              <a:rPr lang="en-US" sz="2400" kern="0">
+                <a:solidFill>
+                  <a:srgbClr val="000000"/>
+                </a:solidFill>
+                <a:latin typeface="Courier New" panose="02070309020205020404" pitchFamily="49" charset="0"/>
+                <a:ea typeface="Times New Roman" panose="02020603050405020304" pitchFamily="18" charset="0"/>
+                <a:cs typeface="Times New Roman" panose="02020603050405020304" pitchFamily="18" charset="0"/>
+              </a:rPr>
+              <a:t>’  'Age’           '</a:t>
+            </a:r>
+            <a:r>
+              <a:rPr lang="en-US" sz="2400" kern="0" err="1">
+                <a:solidFill>
+                  <a:srgbClr val="000000"/>
+                </a:solidFill>
+                <a:latin typeface="Courier New" panose="02070309020205020404" pitchFamily="49" charset="0"/>
+                <a:ea typeface="Times New Roman" panose="02020603050405020304" pitchFamily="18" charset="0"/>
+                <a:cs typeface="Times New Roman" panose="02020603050405020304" pitchFamily="18" charset="0"/>
+              </a:rPr>
+              <a:t>Years_employed</a:t>
+            </a:r>
+            <a:r>
+              <a:rPr lang="en-US" sz="2400" kern="0">
+                <a:solidFill>
+                  <a:srgbClr val="000000"/>
+                </a:solidFill>
+                <a:latin typeface="Courier New" panose="02070309020205020404" pitchFamily="49" charset="0"/>
+                <a:ea typeface="Times New Roman" panose="02020603050405020304" pitchFamily="18" charset="0"/>
+                <a:cs typeface="Times New Roman" panose="02020603050405020304" pitchFamily="18" charset="0"/>
+              </a:rPr>
+              <a:t>'</a:t>
+            </a:r>
+            <a:endParaRPr lang="en-US" sz="2400" kern="100">
+              <a:latin typeface="Calibri" panose="020F0502020204030204" pitchFamily="34" charset="0"/>
+              <a:ea typeface="Calibri" panose="020F0502020204030204" pitchFamily="34" charset="0"/>
+              <a:cs typeface="Times New Roman" panose="02020603050405020304" pitchFamily="18" charset="0"/>
+            </a:endParaRPr>
+          </a:p>
+        </p:txBody>
+      </p:sp>
+      <p:sp>
+        <p:nvSpPr>
+          <p:cNvPr id="20" name="TextBox 19">
+            <a:extLst>
+              <a:ext uri="{FF2B5EF4-FFF2-40B4-BE49-F238E27FC236}">
+                <a16:creationId xmlns:a16="http://schemas.microsoft.com/office/drawing/2014/main" id="{022B57A8-6241-599B-EF95-B63F0F7B0104}"/>
+              </a:ext>
+            </a:extLst>
+          </p:cNvPr>
+          <p:cNvSpPr txBox="1"/>
+          <p:nvPr/>
+        </p:nvSpPr>
+        <p:spPr>
+          <a:xfrm>
+            <a:off x="8289167" y="3037573"/>
+            <a:ext cx="3342098" cy="2061783"/>
+          </a:xfrm>
+          <a:prstGeom prst="rect">
+            <a:avLst/>
+          </a:prstGeom>
+          <a:noFill/>
+        </p:spPr>
+        <p:txBody>
+          <a:bodyPr wrap="square" rtlCol="0">
+            <a:spAutoFit/>
+          </a:bodyPr>
+          <a:lstStyle/>
+          <a:p>
+            <a:pPr fontAlgn="base" latinLnBrk="1">
+              <a:lnSpc>
+                <a:spcPct val="107000"/>
+              </a:lnSpc>
+              <a:tabLst>
+                <a:tab pos="581660" algn="l"/>
+                <a:tab pos="1163320" algn="l"/>
+                <a:tab pos="1744980" algn="l"/>
+                <a:tab pos="2326640" algn="l"/>
+                <a:tab pos="2908300" algn="l"/>
+                <a:tab pos="3489960" algn="l"/>
+                <a:tab pos="4071620" algn="l"/>
+                <a:tab pos="4653280" algn="l"/>
+                <a:tab pos="5234940" algn="l"/>
+                <a:tab pos="5816600" algn="l"/>
+                <a:tab pos="6398260" algn="l"/>
+                <a:tab pos="6979920" algn="l"/>
+                <a:tab pos="7561580" algn="l"/>
+                <a:tab pos="8143240" algn="l"/>
+                <a:tab pos="8724900" algn="l"/>
+                <a:tab pos="9306560" algn="l"/>
+              </a:tabLst>
+            </a:pPr>
+            <a:r>
+              <a:rPr lang="en-US" sz="2400" kern="0">
+                <a:solidFill>
+                  <a:srgbClr val="000000"/>
+                </a:solidFill>
+                <a:latin typeface="Courier New" panose="02070309020205020404" pitchFamily="49" charset="0"/>
+                <a:ea typeface="Times New Roman" panose="02020603050405020304" pitchFamily="18" charset="0"/>
+                <a:cs typeface="Times New Roman" panose="02020603050405020304" pitchFamily="18" charset="0"/>
+              </a:rPr>
+              <a:t>'</a:t>
+            </a:r>
+            <a:r>
+              <a:rPr lang="en-US" sz="2400" kern="0" err="1">
+                <a:solidFill>
+                  <a:srgbClr val="000000"/>
+                </a:solidFill>
+                <a:latin typeface="Courier New" panose="02070309020205020404" pitchFamily="49" charset="0"/>
+                <a:ea typeface="Times New Roman" panose="02020603050405020304" pitchFamily="18" charset="0"/>
+                <a:cs typeface="Times New Roman" panose="02020603050405020304" pitchFamily="18" charset="0"/>
+              </a:rPr>
+              <a:t>Income_type</a:t>
+            </a:r>
+            <a:r>
+              <a:rPr lang="en-US" sz="2400" kern="0">
+                <a:solidFill>
+                  <a:srgbClr val="000000"/>
+                </a:solidFill>
+                <a:latin typeface="Courier New" panose="02070309020205020404" pitchFamily="49" charset="0"/>
+                <a:ea typeface="Times New Roman" panose="02020603050405020304" pitchFamily="18" charset="0"/>
+                <a:cs typeface="Times New Roman" panose="02020603050405020304" pitchFamily="18" charset="0"/>
+              </a:rPr>
+              <a:t>’    '</a:t>
+            </a:r>
+            <a:r>
+              <a:rPr lang="en-US" sz="2400" kern="0" err="1">
+                <a:solidFill>
+                  <a:srgbClr val="000000"/>
+                </a:solidFill>
+                <a:latin typeface="Courier New" panose="02070309020205020404" pitchFamily="49" charset="0"/>
+                <a:ea typeface="Times New Roman" panose="02020603050405020304" pitchFamily="18" charset="0"/>
+                <a:cs typeface="Times New Roman" panose="02020603050405020304" pitchFamily="18" charset="0"/>
+              </a:rPr>
+              <a:t>Education_type</a:t>
+            </a:r>
+            <a:r>
+              <a:rPr lang="en-US" sz="2400" kern="0">
+                <a:solidFill>
+                  <a:srgbClr val="000000"/>
+                </a:solidFill>
+                <a:latin typeface="Courier New" panose="02070309020205020404" pitchFamily="49" charset="0"/>
+                <a:ea typeface="Times New Roman" panose="02020603050405020304" pitchFamily="18" charset="0"/>
+                <a:cs typeface="Times New Roman" panose="02020603050405020304" pitchFamily="18" charset="0"/>
+              </a:rPr>
+              <a:t>’ '</a:t>
+            </a:r>
+            <a:r>
+              <a:rPr lang="en-US" sz="2400" kern="0" err="1">
+                <a:solidFill>
+                  <a:srgbClr val="000000"/>
+                </a:solidFill>
+                <a:latin typeface="Courier New" panose="02070309020205020404" pitchFamily="49" charset="0"/>
+                <a:ea typeface="Times New Roman" panose="02020603050405020304" pitchFamily="18" charset="0"/>
+                <a:cs typeface="Times New Roman" panose="02020603050405020304" pitchFamily="18" charset="0"/>
+              </a:rPr>
+              <a:t>Family_status</a:t>
+            </a:r>
+            <a:r>
+              <a:rPr lang="en-US" sz="2400" kern="0">
+                <a:solidFill>
+                  <a:srgbClr val="000000"/>
+                </a:solidFill>
+                <a:latin typeface="Courier New" panose="02070309020205020404" pitchFamily="49" charset="0"/>
+                <a:ea typeface="Times New Roman" panose="02020603050405020304" pitchFamily="18" charset="0"/>
+                <a:cs typeface="Times New Roman" panose="02020603050405020304" pitchFamily="18" charset="0"/>
+              </a:rPr>
+              <a:t>’  '</a:t>
+            </a:r>
+            <a:r>
+              <a:rPr lang="en-US" sz="2400" kern="0" err="1">
+                <a:solidFill>
+                  <a:srgbClr val="000000"/>
+                </a:solidFill>
+                <a:latin typeface="Courier New" panose="02070309020205020404" pitchFamily="49" charset="0"/>
+                <a:ea typeface="Times New Roman" panose="02020603050405020304" pitchFamily="18" charset="0"/>
+                <a:cs typeface="Times New Roman" panose="02020603050405020304" pitchFamily="18" charset="0"/>
+              </a:rPr>
+              <a:t>Housing_type</a:t>
+            </a:r>
+            <a:r>
+              <a:rPr lang="en-US" sz="2400" kern="0">
+                <a:solidFill>
+                  <a:srgbClr val="000000"/>
+                </a:solidFill>
+                <a:latin typeface="Courier New" panose="02070309020205020404" pitchFamily="49" charset="0"/>
+                <a:ea typeface="Times New Roman" panose="02020603050405020304" pitchFamily="18" charset="0"/>
+                <a:cs typeface="Times New Roman" panose="02020603050405020304" pitchFamily="18" charset="0"/>
+              </a:rPr>
+              <a:t>'</a:t>
+            </a:r>
+            <a:r>
+              <a:rPr lang="en-US" sz="2400" kern="0">
+                <a:solidFill>
+                  <a:srgbClr val="000000"/>
+                </a:solidFill>
+                <a:latin typeface="Courier New" panose="02070309020205020404" pitchFamily="49" charset="0"/>
+                <a:ea typeface="Times New Roman" panose="02020603050405020304" pitchFamily="18" charset="0"/>
+              </a:rPr>
+              <a:t>     '</a:t>
+            </a:r>
+            <a:r>
+              <a:rPr lang="en-US" sz="2400" kern="0" err="1">
+                <a:solidFill>
+                  <a:srgbClr val="000000"/>
+                </a:solidFill>
+                <a:latin typeface="Courier New" panose="02070309020205020404" pitchFamily="49" charset="0"/>
+                <a:ea typeface="Times New Roman" panose="02020603050405020304" pitchFamily="18" charset="0"/>
+              </a:rPr>
+              <a:t>Occupation_type</a:t>
+            </a:r>
+            <a:r>
+              <a:rPr lang="en-US" sz="2400" kern="0">
+                <a:solidFill>
+                  <a:srgbClr val="000000"/>
+                </a:solidFill>
+                <a:latin typeface="Courier New" panose="02070309020205020404" pitchFamily="49" charset="0"/>
+                <a:ea typeface="Times New Roman" panose="02020603050405020304" pitchFamily="18" charset="0"/>
+              </a:rPr>
+              <a:t>'</a:t>
+            </a:r>
+            <a:endParaRPr lang="en-US" sz="2400" kern="100">
+              <a:latin typeface="Calibri" panose="020F0502020204030204" pitchFamily="34" charset="0"/>
+              <a:ea typeface="Calibri" panose="020F0502020204030204" pitchFamily="34" charset="0"/>
+              <a:cs typeface="Times New Roman" panose="02020603050405020304" pitchFamily="18" charset="0"/>
+            </a:endParaRPr>
+          </a:p>
+        </p:txBody>
+      </p:sp>
+      <p:sp>
+        <p:nvSpPr>
+          <p:cNvPr id="21" name="TextBox 20">
+            <a:extLst>
+              <a:ext uri="{FF2B5EF4-FFF2-40B4-BE49-F238E27FC236}">
+                <a16:creationId xmlns:a16="http://schemas.microsoft.com/office/drawing/2014/main" id="{65C075E9-2DBA-EAE3-4E0A-3D40270892A5}"/>
+              </a:ext>
+            </a:extLst>
+          </p:cNvPr>
+          <p:cNvSpPr txBox="1"/>
+          <p:nvPr/>
+        </p:nvSpPr>
+        <p:spPr>
+          <a:xfrm>
+            <a:off x="777114" y="4637691"/>
+            <a:ext cx="2214202" cy="461665"/>
+          </a:xfrm>
+          <a:prstGeom prst="rect">
+            <a:avLst/>
+          </a:prstGeom>
+          <a:noFill/>
+        </p:spPr>
+        <p:txBody>
+          <a:bodyPr wrap="square" rtlCol="0">
+            <a:spAutoFit/>
+          </a:bodyPr>
+          <a:lstStyle/>
+          <a:p>
+            <a:r>
+              <a:rPr lang="en-US" sz="2400" kern="0">
+                <a:solidFill>
+                  <a:srgbClr val="FF0000"/>
+                </a:solidFill>
+                <a:latin typeface="Garamond" panose="02020404030301010803" pitchFamily="18" charset="0"/>
+                <a:ea typeface="Times New Roman" panose="02020603050405020304" pitchFamily="18" charset="0"/>
+              </a:rPr>
+              <a:t>Label encoding</a:t>
+            </a:r>
+            <a:endParaRPr lang="en-US" sz="2400">
+              <a:solidFill>
+                <a:srgbClr val="FF0000"/>
+              </a:solidFill>
+              <a:latin typeface="Garamond" panose="02020404030301010803" pitchFamily="18" charset="0"/>
+            </a:endParaRPr>
+          </a:p>
+        </p:txBody>
+      </p:sp>
+      <p:sp>
+        <p:nvSpPr>
+          <p:cNvPr id="22" name="TextBox 21">
+            <a:extLst>
+              <a:ext uri="{FF2B5EF4-FFF2-40B4-BE49-F238E27FC236}">
+                <a16:creationId xmlns:a16="http://schemas.microsoft.com/office/drawing/2014/main" id="{5DF786E1-3B98-591D-9C95-BCB9B072B8C6}"/>
+              </a:ext>
+            </a:extLst>
+          </p:cNvPr>
+          <p:cNvSpPr txBox="1"/>
+          <p:nvPr/>
+        </p:nvSpPr>
+        <p:spPr>
+          <a:xfrm>
+            <a:off x="4580873" y="5657713"/>
+            <a:ext cx="2214202" cy="461665"/>
+          </a:xfrm>
+          <a:prstGeom prst="rect">
+            <a:avLst/>
+          </a:prstGeom>
+          <a:noFill/>
+        </p:spPr>
+        <p:txBody>
+          <a:bodyPr wrap="square" rtlCol="0">
+            <a:spAutoFit/>
+          </a:bodyPr>
+          <a:lstStyle/>
+          <a:p>
+            <a:r>
+              <a:rPr lang="en-US" sz="2400" kern="0">
+                <a:solidFill>
+                  <a:srgbClr val="FF0000"/>
+                </a:solidFill>
+                <a:latin typeface="Garamond" panose="02020404030301010803" pitchFamily="18" charset="0"/>
+                <a:ea typeface="Times New Roman" panose="02020603050405020304" pitchFamily="18" charset="0"/>
+              </a:rPr>
+              <a:t>No Change</a:t>
+            </a:r>
+            <a:endParaRPr lang="en-US" sz="2400">
+              <a:solidFill>
+                <a:srgbClr val="FF0000"/>
+              </a:solidFill>
+              <a:latin typeface="Garamond" panose="02020404030301010803" pitchFamily="18" charset="0"/>
+            </a:endParaRPr>
+          </a:p>
+        </p:txBody>
+      </p:sp>
+      <p:sp>
+        <p:nvSpPr>
+          <p:cNvPr id="23" name="TextBox 22">
+            <a:extLst>
+              <a:ext uri="{FF2B5EF4-FFF2-40B4-BE49-F238E27FC236}">
+                <a16:creationId xmlns:a16="http://schemas.microsoft.com/office/drawing/2014/main" id="{A0423498-77DF-8044-7FA8-DD546E216B8F}"/>
+              </a:ext>
+            </a:extLst>
+          </p:cNvPr>
+          <p:cNvSpPr txBox="1"/>
+          <p:nvPr/>
+        </p:nvSpPr>
+        <p:spPr>
+          <a:xfrm>
+            <a:off x="8532033" y="5263695"/>
+            <a:ext cx="2717857" cy="461665"/>
+          </a:xfrm>
+          <a:prstGeom prst="rect">
+            <a:avLst/>
+          </a:prstGeom>
+          <a:noFill/>
+        </p:spPr>
+        <p:txBody>
+          <a:bodyPr wrap="square" rtlCol="0">
+            <a:spAutoFit/>
+          </a:bodyPr>
+          <a:lstStyle/>
+          <a:p>
+            <a:r>
+              <a:rPr lang="en-US" sz="2400" kern="0">
+                <a:solidFill>
+                  <a:srgbClr val="FF0000"/>
+                </a:solidFill>
+                <a:latin typeface="Garamond" panose="02020404030301010803" pitchFamily="18" charset="0"/>
+                <a:ea typeface="Times New Roman" panose="02020603050405020304" pitchFamily="18" charset="0"/>
+              </a:rPr>
+              <a:t>One-Hot Encoding</a:t>
+            </a:r>
+            <a:endParaRPr lang="en-US" sz="2400">
+              <a:solidFill>
+                <a:srgbClr val="FF0000"/>
+              </a:solidFill>
+              <a:latin typeface="Garamond" panose="02020404030301010803" pitchFamily="18" charset="0"/>
+            </a:endParaRPr>
+          </a:p>
+        </p:txBody>
+      </p:sp>
+    </p:spTree>
+    <p:extLst>
+      <p:ext uri="{BB962C8B-B14F-4D97-AF65-F5344CB8AC3E}">
+        <p14:creationId xmlns:p14="http://schemas.microsoft.com/office/powerpoint/2010/main" val="3143045216"/>
+      </p:ext>
+    </p:extLst>
+  </p:cSld>
+  <p:clrMapOvr>
+    <a:masterClrMapping/>
+  </p:clrMapOvr>
+  <p:timing>
+    <p:tnLst>
+      <p:par>
+        <p:cTn id="1" dur="indefinite" restart="never" nodeType="tmRoot">
+          <p:childTnLst>
+            <p:seq concurrent="1" nextAc="seek">
+              <p:cTn id="2" dur="indefinite" nodeType="mainSeq">
+                <p:childTnLst>
+                  <p:par>
+                    <p:cTn id="3" fill="hold">
+                      <p:stCondLst>
+                        <p:cond delay="indefinite"/>
+                      </p:stCondLst>
+                      <p:childTnLst>
+                        <p:par>
+                          <p:cTn id="4" fill="hold">
+                            <p:stCondLst>
+                              <p:cond delay="0"/>
+                            </p:stCondLst>
+                            <p:childTnLst>
+                              <p:par>
+                                <p:cTn id="5" presetID="1" presetClass="entr" presetSubtype="0" fill="hold" nodeType="clickEffect">
+                                  <p:stCondLst>
+                                    <p:cond delay="0"/>
+                                  </p:stCondLst>
+                                  <p:childTnLst>
+                                    <p:set>
+                                      <p:cBhvr>
+                                        <p:cTn id="6" dur="1" fill="hold">
+                                          <p:stCondLst>
+                                            <p:cond delay="0"/>
+                                          </p:stCondLst>
+                                        </p:cTn>
+                                        <p:tgtEl>
+                                          <p:spTgt spid="10"/>
+                                        </p:tgtEl>
+                                        <p:attrNameLst>
+                                          <p:attrName>style.visibility</p:attrName>
+                                        </p:attrNameLst>
+                                      </p:cBhvr>
+                                      <p:to>
+                                        <p:strVal val="visible"/>
+                                      </p:to>
+                                    </p:set>
+                                  </p:childTnLst>
+                                </p:cTn>
+                              </p:par>
+                            </p:childTnLst>
+                          </p:cTn>
+                        </p:par>
+                      </p:childTnLst>
+                    </p:cTn>
+                  </p:par>
+                  <p:par>
+                    <p:cTn id="7" fill="hold">
+                      <p:stCondLst>
+                        <p:cond delay="indefinite"/>
+                      </p:stCondLst>
+                      <p:childTnLst>
+                        <p:par>
+                          <p:cTn id="8" fill="hold">
+                            <p:stCondLst>
+                              <p:cond delay="0"/>
+                            </p:stCondLst>
+                            <p:childTnLst>
+                              <p:par>
+                                <p:cTn id="9" presetID="1" presetClass="entr" presetSubtype="0" fill="hold" nodeType="clickEffect">
+                                  <p:stCondLst>
+                                    <p:cond delay="0"/>
+                                  </p:stCondLst>
+                                  <p:childTnLst>
+                                    <p:set>
+                                      <p:cBhvr>
+                                        <p:cTn id="10" dur="1" fill="hold">
+                                          <p:stCondLst>
+                                            <p:cond delay="0"/>
+                                          </p:stCondLst>
+                                        </p:cTn>
+                                        <p:tgtEl>
+                                          <p:spTgt spid="13"/>
+                                        </p:tgtEl>
+                                        <p:attrNameLst>
+                                          <p:attrName>style.visibility</p:attrName>
+                                        </p:attrNameLst>
+                                      </p:cBhvr>
+                                      <p:to>
+                                        <p:strVal val="visible"/>
+                                      </p:to>
+                                    </p:set>
+                                  </p:childTnLst>
+                                </p:cTn>
+                              </p:par>
+                            </p:childTnLst>
+                          </p:cTn>
+                        </p:par>
+                      </p:childTnLst>
+                    </p:cTn>
+                  </p:par>
+                  <p:par>
+                    <p:cTn id="11" fill="hold">
+                      <p:stCondLst>
+                        <p:cond delay="indefinite"/>
+                      </p:stCondLst>
+                      <p:childTnLst>
+                        <p:par>
+                          <p:cTn id="12" fill="hold">
+                            <p:stCondLst>
+                              <p:cond delay="0"/>
+                            </p:stCondLst>
+                            <p:childTnLst>
+                              <p:par>
+                                <p:cTn id="13" presetID="1" presetClass="entr" presetSubtype="0" fill="hold" nodeType="clickEffect">
+                                  <p:stCondLst>
+                                    <p:cond delay="0"/>
+                                  </p:stCondLst>
+                                  <p:childTnLst>
+                                    <p:set>
+                                      <p:cBhvr>
+                                        <p:cTn id="14" dur="1" fill="hold">
+                                          <p:stCondLst>
+                                            <p:cond delay="0"/>
+                                          </p:stCondLst>
+                                        </p:cTn>
+                                        <p:tgtEl>
+                                          <p:spTgt spid="11"/>
+                                        </p:tgtEl>
+                                        <p:attrNameLst>
+                                          <p:attrName>style.visibility</p:attrName>
+                                        </p:attrNameLst>
+                                      </p:cBhvr>
+                                      <p:to>
+                                        <p:strVal val="visible"/>
+                                      </p:to>
+                                    </p:set>
+                                  </p:childTnLst>
+                                </p:cTn>
+                              </p:par>
+                            </p:childTnLst>
+                          </p:cTn>
+                        </p:par>
+                      </p:childTnLst>
+                    </p:cTn>
+                  </p:par>
+                  <p:par>
+                    <p:cTn id="15" fill="hold">
+                      <p:stCondLst>
+                        <p:cond delay="indefinite"/>
+                      </p:stCondLst>
+                      <p:childTnLst>
+                        <p:par>
+                          <p:cTn id="16" fill="hold">
+                            <p:stCondLst>
+                              <p:cond delay="0"/>
+                            </p:stCondLst>
+                            <p:childTnLst>
+                              <p:par>
+                                <p:cTn id="17" presetID="1" presetClass="entr" presetSubtype="0" fill="hold" grpId="0" nodeType="clickEffect">
+                                  <p:stCondLst>
+                                    <p:cond delay="0"/>
+                                  </p:stCondLst>
+                                  <p:childTnLst>
+                                    <p:set>
+                                      <p:cBhvr>
+                                        <p:cTn id="18" dur="1" fill="hold">
+                                          <p:stCondLst>
+                                            <p:cond delay="0"/>
+                                          </p:stCondLst>
+                                        </p:cTn>
+                                        <p:tgtEl>
+                                          <p:spTgt spid="15"/>
+                                        </p:tgtEl>
+                                        <p:attrNameLst>
+                                          <p:attrName>style.visibility</p:attrName>
+                                        </p:attrNameLst>
+                                      </p:cBhvr>
+                                      <p:to>
+                                        <p:strVal val="visible"/>
+                                      </p:to>
+                                    </p:set>
+                                  </p:childTnLst>
+                                </p:cTn>
+                              </p:par>
+                            </p:childTnLst>
+                          </p:cTn>
+                        </p:par>
+                      </p:childTnLst>
+                    </p:cTn>
+                  </p:par>
+                  <p:par>
+                    <p:cTn id="19" fill="hold">
+                      <p:stCondLst>
+                        <p:cond delay="indefinite"/>
+                      </p:stCondLst>
+                      <p:childTnLst>
+                        <p:par>
+                          <p:cTn id="20" fill="hold">
+                            <p:stCondLst>
+                              <p:cond delay="0"/>
+                            </p:stCondLst>
+                            <p:childTnLst>
+                              <p:par>
+                                <p:cTn id="21" presetID="1" presetClass="entr" presetSubtype="0" fill="hold" grpId="0" nodeType="clickEffect">
+                                  <p:stCondLst>
+                                    <p:cond delay="0"/>
+                                  </p:stCondLst>
+                                  <p:childTnLst>
+                                    <p:set>
+                                      <p:cBhvr>
+                                        <p:cTn id="22" dur="1" fill="hold">
+                                          <p:stCondLst>
+                                            <p:cond delay="0"/>
+                                          </p:stCondLst>
+                                        </p:cTn>
+                                        <p:tgtEl>
+                                          <p:spTgt spid="18"/>
+                                        </p:tgtEl>
+                                        <p:attrNameLst>
+                                          <p:attrName>style.visibility</p:attrName>
+                                        </p:attrNameLst>
+                                      </p:cBhvr>
+                                      <p:to>
+                                        <p:strVal val="visible"/>
+                                      </p:to>
+                                    </p:set>
+                                  </p:childTnLst>
+                                </p:cTn>
+                              </p:par>
+                            </p:childTnLst>
+                          </p:cTn>
+                        </p:par>
+                      </p:childTnLst>
+                    </p:cTn>
+                  </p:par>
+                  <p:par>
+                    <p:cTn id="23" fill="hold">
+                      <p:stCondLst>
+                        <p:cond delay="indefinite"/>
+                      </p:stCondLst>
+                      <p:childTnLst>
+                        <p:par>
+                          <p:cTn id="24" fill="hold">
+                            <p:stCondLst>
+                              <p:cond delay="0"/>
+                            </p:stCondLst>
+                            <p:childTnLst>
+                              <p:par>
+                                <p:cTn id="25" presetID="1" presetClass="entr" presetSubtype="0" fill="hold" grpId="0" nodeType="clickEffect">
+                                  <p:stCondLst>
+                                    <p:cond delay="0"/>
+                                  </p:stCondLst>
+                                  <p:childTnLst>
+                                    <p:set>
+                                      <p:cBhvr>
+                                        <p:cTn id="26" dur="1" fill="hold">
+                                          <p:stCondLst>
+                                            <p:cond delay="0"/>
+                                          </p:stCondLst>
+                                        </p:cTn>
+                                        <p:tgtEl>
+                                          <p:spTgt spid="16"/>
+                                        </p:tgtEl>
+                                        <p:attrNameLst>
+                                          <p:attrName>style.visibility</p:attrName>
+                                        </p:attrNameLst>
+                                      </p:cBhvr>
+                                      <p:to>
+                                        <p:strVal val="visible"/>
+                                      </p:to>
+                                    </p:set>
+                                  </p:childTnLst>
+                                </p:cTn>
+                              </p:par>
+                            </p:childTnLst>
+                          </p:cTn>
+                        </p:par>
+                      </p:childTnLst>
+                    </p:cTn>
+                  </p:par>
+                  <p:par>
+                    <p:cTn id="27" fill="hold">
+                      <p:stCondLst>
+                        <p:cond delay="indefinite"/>
+                      </p:stCondLst>
+                      <p:childTnLst>
+                        <p:par>
+                          <p:cTn id="28" fill="hold">
+                            <p:stCondLst>
+                              <p:cond delay="0"/>
+                            </p:stCondLst>
+                            <p:childTnLst>
+                              <p:par>
+                                <p:cTn id="29" presetID="1" presetClass="entr" presetSubtype="0" fill="hold" grpId="0" nodeType="clickEffect">
+                                  <p:stCondLst>
+                                    <p:cond delay="0"/>
+                                  </p:stCondLst>
+                                  <p:childTnLst>
+                                    <p:set>
+                                      <p:cBhvr>
+                                        <p:cTn id="30" dur="1" fill="hold">
+                                          <p:stCondLst>
+                                            <p:cond delay="0"/>
+                                          </p:stCondLst>
+                                        </p:cTn>
+                                        <p:tgtEl>
+                                          <p:spTgt spid="19"/>
+                                        </p:tgtEl>
+                                        <p:attrNameLst>
+                                          <p:attrName>style.visibility</p:attrName>
+                                        </p:attrNameLst>
+                                      </p:cBhvr>
+                                      <p:to>
+                                        <p:strVal val="visible"/>
+                                      </p:to>
+                                    </p:set>
+                                  </p:childTnLst>
+                                </p:cTn>
+                              </p:par>
+                            </p:childTnLst>
+                          </p:cTn>
+                        </p:par>
+                      </p:childTnLst>
+                    </p:cTn>
+                  </p:par>
+                  <p:par>
+                    <p:cTn id="31" fill="hold">
+                      <p:stCondLst>
+                        <p:cond delay="indefinite"/>
+                      </p:stCondLst>
+                      <p:childTnLst>
+                        <p:par>
+                          <p:cTn id="32" fill="hold">
+                            <p:stCondLst>
+                              <p:cond delay="0"/>
+                            </p:stCondLst>
+                            <p:childTnLst>
+                              <p:par>
+                                <p:cTn id="33" presetID="1" presetClass="entr" presetSubtype="0" fill="hold" grpId="0" nodeType="clickEffect">
+                                  <p:stCondLst>
+                                    <p:cond delay="0"/>
+                                  </p:stCondLst>
+                                  <p:childTnLst>
+                                    <p:set>
+                                      <p:cBhvr>
+                                        <p:cTn id="34" dur="1" fill="hold">
+                                          <p:stCondLst>
+                                            <p:cond delay="0"/>
+                                          </p:stCondLst>
+                                        </p:cTn>
+                                        <p:tgtEl>
+                                          <p:spTgt spid="17"/>
+                                        </p:tgtEl>
+                                        <p:attrNameLst>
+                                          <p:attrName>style.visibility</p:attrName>
+                                        </p:attrNameLst>
+                                      </p:cBhvr>
+                                      <p:to>
+                                        <p:strVal val="visible"/>
+                                      </p:to>
+                                    </p:set>
+                                  </p:childTnLst>
+                                </p:cTn>
+                              </p:par>
+                            </p:childTnLst>
+                          </p:cTn>
+                        </p:par>
+                      </p:childTnLst>
+                    </p:cTn>
+                  </p:par>
+                  <p:par>
+                    <p:cTn id="35" fill="hold">
+                      <p:stCondLst>
+                        <p:cond delay="indefinite"/>
+                      </p:stCondLst>
+                      <p:childTnLst>
+                        <p:par>
+                          <p:cTn id="36" fill="hold">
+                            <p:stCondLst>
+                              <p:cond delay="0"/>
+                            </p:stCondLst>
+                            <p:childTnLst>
+                              <p:par>
+                                <p:cTn id="37" presetID="1" presetClass="entr" presetSubtype="0" fill="hold" grpId="0" nodeType="clickEffect">
+                                  <p:stCondLst>
+                                    <p:cond delay="0"/>
+                                  </p:stCondLst>
+                                  <p:childTnLst>
+                                    <p:set>
+                                      <p:cBhvr>
+                                        <p:cTn id="38" dur="1" fill="hold">
+                                          <p:stCondLst>
+                                            <p:cond delay="0"/>
+                                          </p:stCondLst>
+                                        </p:cTn>
+                                        <p:tgtEl>
+                                          <p:spTgt spid="20"/>
+                                        </p:tgtEl>
+                                        <p:attrNameLst>
+                                          <p:attrName>style.visibility</p:attrName>
+                                        </p:attrNameLst>
+                                      </p:cBhvr>
+                                      <p:to>
+                                        <p:strVal val="visible"/>
+                                      </p:to>
+                                    </p:set>
+                                  </p:childTnLst>
+                                </p:cTn>
+                              </p:par>
+                            </p:childTnLst>
+                          </p:cTn>
+                        </p:par>
+                      </p:childTnLst>
+                    </p:cTn>
+                  </p:par>
+                  <p:par>
+                    <p:cTn id="39" fill="hold">
+                      <p:stCondLst>
+                        <p:cond delay="indefinite"/>
+                      </p:stCondLst>
+                      <p:childTnLst>
+                        <p:par>
+                          <p:cTn id="40" fill="hold">
+                            <p:stCondLst>
+                              <p:cond delay="0"/>
+                            </p:stCondLst>
+                            <p:childTnLst>
+                              <p:par>
+                                <p:cTn id="41" presetID="1" presetClass="entr" presetSubtype="0" fill="hold" grpId="0" nodeType="clickEffect">
+                                  <p:stCondLst>
+                                    <p:cond delay="0"/>
+                                  </p:stCondLst>
+                                  <p:childTnLst>
+                                    <p:set>
+                                      <p:cBhvr>
+                                        <p:cTn id="42" dur="1" fill="hold">
+                                          <p:stCondLst>
+                                            <p:cond delay="0"/>
+                                          </p:stCondLst>
+                                        </p:cTn>
+                                        <p:tgtEl>
+                                          <p:spTgt spid="21"/>
+                                        </p:tgtEl>
+                                        <p:attrNameLst>
+                                          <p:attrName>style.visibility</p:attrName>
+                                        </p:attrNameLst>
+                                      </p:cBhvr>
+                                      <p:to>
+                                        <p:strVal val="visible"/>
+                                      </p:to>
+                                    </p:set>
+                                  </p:childTnLst>
+                                </p:cTn>
+                              </p:par>
+                            </p:childTnLst>
+                          </p:cTn>
+                        </p:par>
+                      </p:childTnLst>
+                    </p:cTn>
+                  </p:par>
+                  <p:par>
+                    <p:cTn id="43" fill="hold">
+                      <p:stCondLst>
+                        <p:cond delay="indefinite"/>
+                      </p:stCondLst>
+                      <p:childTnLst>
+                        <p:par>
+                          <p:cTn id="44" fill="hold">
+                            <p:stCondLst>
+                              <p:cond delay="0"/>
+                            </p:stCondLst>
+                            <p:childTnLst>
+                              <p:par>
+                                <p:cTn id="45" presetID="1" presetClass="entr" presetSubtype="0" fill="hold" grpId="0" nodeType="clickEffect">
+                                  <p:stCondLst>
+                                    <p:cond delay="0"/>
+                                  </p:stCondLst>
+                                  <p:childTnLst>
+                                    <p:set>
+                                      <p:cBhvr>
+                                        <p:cTn id="46" dur="1" fill="hold">
+                                          <p:stCondLst>
+                                            <p:cond delay="0"/>
+                                          </p:stCondLst>
+                                        </p:cTn>
+                                        <p:tgtEl>
+                                          <p:spTgt spid="22"/>
+                                        </p:tgtEl>
+                                        <p:attrNameLst>
+                                          <p:attrName>style.visibility</p:attrName>
+                                        </p:attrNameLst>
+                                      </p:cBhvr>
+                                      <p:to>
+                                        <p:strVal val="visible"/>
+                                      </p:to>
+                                    </p:set>
+                                  </p:childTnLst>
+                                </p:cTn>
+                              </p:par>
+                            </p:childTnLst>
+                          </p:cTn>
+                        </p:par>
+                      </p:childTnLst>
+                    </p:cTn>
+                  </p:par>
+                  <p:par>
+                    <p:cTn id="47" fill="hold">
+                      <p:stCondLst>
+                        <p:cond delay="indefinite"/>
+                      </p:stCondLst>
+                      <p:childTnLst>
+                        <p:par>
+                          <p:cTn id="48" fill="hold">
+                            <p:stCondLst>
+                              <p:cond delay="0"/>
+                            </p:stCondLst>
+                            <p:childTnLst>
+                              <p:par>
+                                <p:cTn id="49" presetID="1" presetClass="entr" presetSubtype="0" fill="hold" grpId="0" nodeType="clickEffect">
+                                  <p:stCondLst>
+                                    <p:cond delay="0"/>
+                                  </p:stCondLst>
+                                  <p:childTnLst>
+                                    <p:set>
+                                      <p:cBhvr>
+                                        <p:cTn id="50" dur="1" fill="hold">
+                                          <p:stCondLst>
+                                            <p:cond delay="0"/>
+                                          </p:stCondLst>
+                                        </p:cTn>
+                                        <p:tgtEl>
+                                          <p:spTgt spid="23"/>
+                                        </p:tgtEl>
+                                        <p:attrNameLst>
+                                          <p:attrName>style.visibility</p:attrName>
+                                        </p:attrNameLst>
+                                      </p:cBhvr>
+                                      <p:to>
+                                        <p:strVal val="visible"/>
+                                      </p:to>
+                                    </p:set>
+                                  </p:childTnLst>
+                                </p:cTn>
+                              </p:par>
+                            </p:childTnLst>
+                          </p:cTn>
+                        </p:par>
+                      </p:childTnLst>
+                    </p:cTn>
+                  </p:par>
+                </p:childTnLst>
+              </p:cTn>
+              <p:prevCondLst>
+                <p:cond evt="onPrev" delay="0">
+                  <p:tgtEl>
+                    <p:sldTgt/>
+                  </p:tgtEl>
+                </p:cond>
+              </p:prevCondLst>
+              <p:nextCondLst>
+                <p:cond evt="onNext" delay="0">
+                  <p:tgtEl>
+                    <p:sldTgt/>
+                  </p:tgtEl>
+                </p:cond>
+              </p:nextCondLst>
+            </p:seq>
+          </p:childTnLst>
+        </p:cTn>
+      </p:par>
+    </p:tnLst>
+    <p:bldLst>
+      <p:bldP spid="15" grpId="0"/>
+      <p:bldP spid="16" grpId="0"/>
+      <p:bldP spid="17" grpId="0"/>
+      <p:bldP spid="18" grpId="0"/>
+      <p:bldP spid="19" grpId="0"/>
+      <p:bldP spid="20" grpId="0"/>
+      <p:bldP spid="21" grpId="0"/>
+      <p:bldP spid="22" grpId="0"/>
+      <p:bldP spid="23" grpId="0"/>
+    </p:bldLst>
+  </p:timing>
+</p:sld>
+</file>
+
+<file path=ppt/slides/slide9.xml><?xml version="1.0" encoding="utf-8"?>
+<p:sld xmlns:a="http://schemas.openxmlformats.org/drawingml/2006/main" xmlns:r="http://schemas.openxmlformats.org/officeDocument/2006/relationships" xmlns:p="http://schemas.openxmlformats.org/presentationml/2006/main">
+  <p:cSld>
+    <p:spTree>
+      <p:nvGrpSpPr>
+        <p:cNvPr id="1" name=""/>
+        <p:cNvGrpSpPr/>
+        <p:nvPr/>
+      </p:nvGrpSpPr>
+      <p:grpSpPr>
+        <a:xfrm>
+          <a:off x="0" y="0"/>
+          <a:ext cx="0" cy="0"/>
+          <a:chOff x="0" y="0"/>
+          <a:chExt cx="0" cy="0"/>
+        </a:xfrm>
+      </p:grpSpPr>
+      <p:sp>
+        <p:nvSpPr>
+          <p:cNvPr id="2" name="TextBox 1">
+            <a:extLst>
+              <a:ext uri="{FF2B5EF4-FFF2-40B4-BE49-F238E27FC236}">
+                <a16:creationId xmlns:a16="http://schemas.microsoft.com/office/drawing/2014/main" id="{3A7B8767-66DE-A93B-EDEB-EB98DBD15948}"/>
+              </a:ext>
+            </a:extLst>
+          </p:cNvPr>
+          <p:cNvSpPr txBox="1"/>
+          <p:nvPr/>
+        </p:nvSpPr>
+        <p:spPr>
+          <a:xfrm>
+            <a:off x="4378863" y="207819"/>
+            <a:ext cx="3748077" cy="630942"/>
+          </a:xfrm>
+          <a:prstGeom prst="rect">
+            <a:avLst/>
+          </a:prstGeom>
+          <a:noFill/>
+        </p:spPr>
+        <p:txBody>
+          <a:bodyPr wrap="none" rtlCol="0">
+            <a:spAutoFit/>
+          </a:bodyPr>
+          <a:lstStyle/>
+          <a:p>
+            <a:r>
+              <a:rPr lang="en-US" sz="3500"/>
+              <a:t>Preparation of Data</a:t>
+            </a:r>
+          </a:p>
+        </p:txBody>
+      </p:sp>
+      <p:sp>
+        <p:nvSpPr>
+          <p:cNvPr id="3" name="TextBox 2">
+            <a:extLst>
+              <a:ext uri="{FF2B5EF4-FFF2-40B4-BE49-F238E27FC236}">
+                <a16:creationId xmlns:a16="http://schemas.microsoft.com/office/drawing/2014/main" id="{9FA9C295-9473-9DEE-9F76-58C92D13AAC7}"/>
+              </a:ext>
+            </a:extLst>
+          </p:cNvPr>
+          <p:cNvSpPr txBox="1"/>
+          <p:nvPr/>
+        </p:nvSpPr>
+        <p:spPr>
+          <a:xfrm>
+            <a:off x="362744" y="997808"/>
+            <a:ext cx="2389372" cy="523220"/>
+          </a:xfrm>
+          <a:prstGeom prst="rect">
+            <a:avLst/>
+          </a:prstGeom>
+          <a:noFill/>
+        </p:spPr>
+        <p:txBody>
+          <a:bodyPr wrap="none" rtlCol="0">
+            <a:spAutoFit/>
+          </a:bodyPr>
+          <a:lstStyle/>
+          <a:p>
+            <a:r>
+              <a:rPr lang="en-US" sz="2800"/>
+              <a:t>Target Column:</a:t>
+            </a:r>
+          </a:p>
+        </p:txBody>
+      </p:sp>
+      <p:sp>
+        <p:nvSpPr>
+          <p:cNvPr id="4" name="TextBox 3">
+            <a:extLst>
+              <a:ext uri="{FF2B5EF4-FFF2-40B4-BE49-F238E27FC236}">
+                <a16:creationId xmlns:a16="http://schemas.microsoft.com/office/drawing/2014/main" id="{8C2BD9A1-016E-FF6C-8392-D389941C6A0A}"/>
+              </a:ext>
+            </a:extLst>
+          </p:cNvPr>
+          <p:cNvSpPr txBox="1"/>
+          <p:nvPr/>
+        </p:nvSpPr>
+        <p:spPr>
+          <a:xfrm>
+            <a:off x="3184177" y="997808"/>
+            <a:ext cx="3187989" cy="523220"/>
+          </a:xfrm>
+          <a:prstGeom prst="rect">
+            <a:avLst/>
+          </a:prstGeom>
+          <a:noFill/>
+        </p:spPr>
+        <p:txBody>
+          <a:bodyPr wrap="none" rtlCol="0">
+            <a:spAutoFit/>
+          </a:bodyPr>
+          <a:lstStyle/>
+          <a:p>
+            <a:r>
+              <a:rPr lang="en-US" sz="2800" b="1"/>
+              <a:t>Approved or Denied</a:t>
+            </a:r>
+          </a:p>
+        </p:txBody>
+      </p:sp>
+      <p:sp>
+        <p:nvSpPr>
+          <p:cNvPr id="5" name="TextBox 4">
+            <a:extLst>
+              <a:ext uri="{FF2B5EF4-FFF2-40B4-BE49-F238E27FC236}">
+                <a16:creationId xmlns:a16="http://schemas.microsoft.com/office/drawing/2014/main" id="{2FE20402-A704-74CE-93DB-04186B6F9C89}"/>
+              </a:ext>
+            </a:extLst>
+          </p:cNvPr>
+          <p:cNvSpPr txBox="1"/>
+          <p:nvPr/>
+        </p:nvSpPr>
+        <p:spPr>
+          <a:xfrm>
+            <a:off x="6804227" y="998089"/>
+            <a:ext cx="2454903" cy="523220"/>
+          </a:xfrm>
+          <a:prstGeom prst="rect">
+            <a:avLst/>
+          </a:prstGeom>
+          <a:noFill/>
+        </p:spPr>
+        <p:txBody>
+          <a:bodyPr wrap="none" rtlCol="0">
+            <a:spAutoFit/>
+          </a:bodyPr>
+          <a:lstStyle/>
+          <a:p>
+            <a:r>
+              <a:rPr lang="en-US" sz="2800"/>
+              <a:t>Binary encoded</a:t>
+            </a:r>
+          </a:p>
+        </p:txBody>
+      </p:sp>
+      <p:sp>
+        <p:nvSpPr>
+          <p:cNvPr id="6" name="TextBox 5">
+            <a:extLst>
+              <a:ext uri="{FF2B5EF4-FFF2-40B4-BE49-F238E27FC236}">
+                <a16:creationId xmlns:a16="http://schemas.microsoft.com/office/drawing/2014/main" id="{4BEE85DC-769B-13F7-C4D9-41246A9E6BDC}"/>
+              </a:ext>
+            </a:extLst>
+          </p:cNvPr>
+          <p:cNvSpPr txBox="1"/>
+          <p:nvPr/>
+        </p:nvSpPr>
+        <p:spPr>
+          <a:xfrm>
+            <a:off x="362744" y="3127874"/>
+            <a:ext cx="8313623" cy="523220"/>
+          </a:xfrm>
+          <a:prstGeom prst="rect">
+            <a:avLst/>
+          </a:prstGeom>
+          <a:noFill/>
+        </p:spPr>
+        <p:txBody>
+          <a:bodyPr wrap="none" rtlCol="0">
+            <a:spAutoFit/>
+          </a:bodyPr>
+          <a:lstStyle/>
+          <a:p>
+            <a:r>
+              <a:rPr lang="en-US" sz="2800"/>
+              <a:t>Our final dataset had fifty columns excluding the Target.</a:t>
+            </a:r>
+          </a:p>
+        </p:txBody>
+      </p:sp>
+      <p:sp>
+        <p:nvSpPr>
+          <p:cNvPr id="7" name="TextBox 6">
+            <a:extLst>
+              <a:ext uri="{FF2B5EF4-FFF2-40B4-BE49-F238E27FC236}">
+                <a16:creationId xmlns:a16="http://schemas.microsoft.com/office/drawing/2014/main" id="{4BE69073-3756-E294-A4AC-D00B86039984}"/>
+              </a:ext>
+            </a:extLst>
+          </p:cNvPr>
+          <p:cNvSpPr txBox="1"/>
+          <p:nvPr/>
+        </p:nvSpPr>
+        <p:spPr>
+          <a:xfrm>
+            <a:off x="362744" y="4044029"/>
+            <a:ext cx="4777291" cy="1815882"/>
+          </a:xfrm>
+          <a:prstGeom prst="rect">
+            <a:avLst/>
+          </a:prstGeom>
+          <a:noFill/>
+        </p:spPr>
+        <p:txBody>
+          <a:bodyPr wrap="square" rtlCol="0">
+            <a:spAutoFit/>
+          </a:bodyPr>
+          <a:lstStyle/>
+          <a:p>
+            <a:r>
+              <a:rPr lang="en-US" sz="2800"/>
+              <a:t>We felt that classification machine learning algorithms would be best for this sort of data set</a:t>
+            </a:r>
+          </a:p>
+        </p:txBody>
+      </p:sp>
+      <mc:AlternateContent xmlns:mc="http://schemas.openxmlformats.org/markup-compatibility/2006">
+        <mc:Choice xmlns:a14="http://schemas.microsoft.com/office/drawing/2010/main" Requires="a14">
+          <p:sp>
+            <p:nvSpPr>
+              <p:cNvPr id="8" name="TextBox 7">
+                <a:extLst>
+                  <a:ext uri="{FF2B5EF4-FFF2-40B4-BE49-F238E27FC236}">
+                    <a16:creationId xmlns:a16="http://schemas.microsoft.com/office/drawing/2014/main" id="{AAB7A48D-E1E4-C14E-B0EE-3202F7F6A5A8}"/>
+                  </a:ext>
+                </a:extLst>
+              </p:cNvPr>
+              <p:cNvSpPr txBox="1"/>
+              <p:nvPr/>
+            </p:nvSpPr>
+            <p:spPr>
+              <a:xfrm>
+                <a:off x="6711745" y="1763302"/>
+                <a:ext cx="2830390" cy="954107"/>
+              </a:xfrm>
+              <a:prstGeom prst="rect">
+                <a:avLst/>
+              </a:prstGeom>
+              <a:noFill/>
+            </p:spPr>
+            <p:txBody>
+              <a:bodyPr wrap="none" rtlCol="0">
+                <a:spAutoFit/>
+              </a:bodyPr>
+              <a:lstStyle/>
+              <a:p>
+                <a:pPr/>
+                <a14:m>
+                  <m:oMathPara xmlns:m="http://schemas.openxmlformats.org/officeDocument/2006/math">
+                    <m:oMathParaPr>
+                      <m:jc m:val="centerGroup"/>
+                    </m:oMathParaPr>
+                    <m:oMath xmlns:m="http://schemas.openxmlformats.org/officeDocument/2006/math">
+                      <m:r>
+                        <a:rPr lang="en-US" sz="2800" b="1" i="0" dirty="0" smtClean="0">
+                          <a:solidFill>
+                            <a:srgbClr val="FF0000"/>
+                          </a:solidFill>
+                          <a:latin typeface="Cambria Math" panose="02040503050406030204" pitchFamily="18" charset="0"/>
+                        </a:rPr>
+                        <m:t>𝐀𝐩𝐩𝐫𝐨𝐯𝐞𝐝</m:t>
+                      </m:r>
+                      <m:r>
+                        <a:rPr lang="en-US" sz="2800" b="1" i="0" dirty="0" smtClean="0">
+                          <a:solidFill>
+                            <a:srgbClr val="FF0000"/>
+                          </a:solidFill>
+                          <a:latin typeface="Cambria Math" panose="02040503050406030204" pitchFamily="18" charset="0"/>
+                        </a:rPr>
+                        <m:t> = </m:t>
+                      </m:r>
+                      <m:r>
+                        <a:rPr lang="en-US" sz="2800" b="1" i="0" dirty="0" smtClean="0">
+                          <a:solidFill>
+                            <a:srgbClr val="FF0000"/>
+                          </a:solidFill>
+                          <a:latin typeface="Cambria Math" panose="02040503050406030204" pitchFamily="18" charset="0"/>
+                        </a:rPr>
+                        <m:t>𝟎</m:t>
+                      </m:r>
+                    </m:oMath>
+                  </m:oMathPara>
+                </a14:m>
+                <a:endParaRPr lang="en-US" sz="2800" b="1">
+                  <a:solidFill>
+                    <a:srgbClr val="FF0000"/>
+                  </a:solidFill>
+                </a:endParaRPr>
+              </a:p>
+              <a:p>
+                <a:pPr/>
+                <a14:m>
+                  <m:oMathPara xmlns:m="http://schemas.openxmlformats.org/officeDocument/2006/math">
+                    <m:oMathParaPr>
+                      <m:jc m:val="centerGroup"/>
+                    </m:oMathParaPr>
+                    <m:oMath xmlns:m="http://schemas.openxmlformats.org/officeDocument/2006/math">
+                      <m:r>
+                        <a:rPr lang="en-US" sz="2800" b="1" i="0" dirty="0" smtClean="0">
+                          <a:solidFill>
+                            <a:srgbClr val="FF0000"/>
+                          </a:solidFill>
+                          <a:latin typeface="Cambria Math" panose="02040503050406030204" pitchFamily="18" charset="0"/>
+                        </a:rPr>
+                        <m:t>𝐃𝐞𝐧𝐢𝐞𝐝</m:t>
+                      </m:r>
+                      <m:r>
+                        <a:rPr lang="en-US" sz="2800" b="1" i="0" dirty="0" smtClean="0">
+                          <a:solidFill>
+                            <a:srgbClr val="FF0000"/>
+                          </a:solidFill>
+                          <a:latin typeface="Cambria Math" panose="02040503050406030204" pitchFamily="18" charset="0"/>
+                        </a:rPr>
+                        <m:t> = </m:t>
+                      </m:r>
+                      <m:r>
+                        <a:rPr lang="en-US" sz="2800" b="1" i="0" dirty="0" smtClean="0">
+                          <a:solidFill>
+                            <a:srgbClr val="FF0000"/>
+                          </a:solidFill>
+                          <a:latin typeface="Cambria Math" panose="02040503050406030204" pitchFamily="18" charset="0"/>
+                        </a:rPr>
+                        <m:t>𝟏</m:t>
+                      </m:r>
+                    </m:oMath>
+                  </m:oMathPara>
+                </a14:m>
+                <a:endParaRPr lang="en-US" sz="2800" b="1">
+                  <a:solidFill>
+                    <a:srgbClr val="FF0000"/>
+                  </a:solidFill>
+                </a:endParaRPr>
+              </a:p>
+            </p:txBody>
+          </p:sp>
+        </mc:Choice>
+        <mc:Fallback>
+          <p:sp>
+            <p:nvSpPr>
+              <p:cNvPr id="8" name="TextBox 7">
+                <a:extLst>
+                  <a:ext uri="{FF2B5EF4-FFF2-40B4-BE49-F238E27FC236}">
+                    <a16:creationId xmlns:a16="http://schemas.microsoft.com/office/drawing/2014/main" id="{AAB7A48D-E1E4-C14E-B0EE-3202F7F6A5A8}"/>
+                  </a:ext>
+                </a:extLst>
+              </p:cNvPr>
+              <p:cNvSpPr txBox="1">
+                <a:spLocks noRot="1" noChangeAspect="1" noMove="1" noResize="1" noEditPoints="1" noAdjustHandles="1" noChangeArrowheads="1" noChangeShapeType="1" noTextEdit="1"/>
+              </p:cNvSpPr>
+              <p:nvPr/>
+            </p:nvSpPr>
+            <p:spPr>
+              <a:xfrm>
+                <a:off x="6711745" y="1763302"/>
+                <a:ext cx="2830390" cy="954107"/>
+              </a:xfrm>
+              <a:prstGeom prst="rect">
+                <a:avLst/>
+              </a:prstGeom>
+              <a:blipFill>
+                <a:blip r:embed="rId2"/>
+                <a:stretch>
+                  <a:fillRect/>
+                </a:stretch>
+              </a:blipFill>
+            </p:spPr>
+            <p:txBody>
+              <a:bodyPr/>
+              <a:lstStyle/>
+              <a:p>
+                <a:r>
+                  <a:rPr lang="en-US">
+                    <a:noFill/>
+                  </a:rPr>
+                  <a:t> </a:t>
+                </a:r>
+              </a:p>
+            </p:txBody>
+          </p:sp>
+        </mc:Fallback>
+      </mc:AlternateContent>
+    </p:spTree>
+    <p:extLst>
+      <p:ext uri="{BB962C8B-B14F-4D97-AF65-F5344CB8AC3E}">
+        <p14:creationId xmlns:p14="http://schemas.microsoft.com/office/powerpoint/2010/main" val="3880380332"/>
+      </p:ext>
+    </p:extLst>
+  </p:cSld>
+  <p:clrMapOvr>
+    <a:masterClrMapping/>
+  </p:clrMapOvr>
+  <p:timing>
+    <p:tnLst>
+      <p:par>
+        <p:cTn id="1" dur="indefinite" restart="never" nodeType="tmRoot">
+          <p:childTnLst>
+            <p:seq concurrent="1" nextAc="seek">
+              <p:cTn id="2" dur="indefinite" nodeType="mainSeq">
+                <p:childTnLst>
+                  <p:par>
+                    <p:cTn id="3" fill="hold">
+                      <p:stCondLst>
+                        <p:cond delay="indefinite"/>
+                      </p:stCondLst>
+                      <p:childTnLst>
+                        <p:par>
+                          <p:cTn id="4" fill="hold">
+                            <p:stCondLst>
+                              <p:cond delay="0"/>
+                            </p:stCondLst>
+                            <p:childTnLst>
+                              <p:par>
+                                <p:cTn id="5" presetID="1" presetClass="entr" presetSubtype="0" fill="hold" grpId="0" nodeType="clickEffect">
+                                  <p:stCondLst>
+                                    <p:cond delay="0"/>
+                                  </p:stCondLst>
+                                  <p:childTnLst>
+                                    <p:set>
+                                      <p:cBhvr>
+                                        <p:cTn id="6" dur="1" fill="hold">
+                                          <p:stCondLst>
+                                            <p:cond delay="0"/>
+                                          </p:stCondLst>
+                                        </p:cTn>
+                                        <p:tgtEl>
+                                          <p:spTgt spid="3"/>
+                                        </p:tgtEl>
+                                        <p:attrNameLst>
+                                          <p:attrName>style.visibility</p:attrName>
+                                        </p:attrNameLst>
+                                      </p:cBhvr>
+                                      <p:to>
+                                        <p:strVal val="visible"/>
+                                      </p:to>
+                                    </p:set>
+                                  </p:childTnLst>
+                                </p:cTn>
+                              </p:par>
+                            </p:childTnLst>
+                          </p:cTn>
+                        </p:par>
+                      </p:childTnLst>
+                    </p:cTn>
+                  </p:par>
+                  <p:par>
+                    <p:cTn id="7" fill="hold">
+                      <p:stCondLst>
+                        <p:cond delay="indefinite"/>
+                      </p:stCondLst>
+                      <p:childTnLst>
+                        <p:par>
+                          <p:cTn id="8" fill="hold">
+                            <p:stCondLst>
+                              <p:cond delay="0"/>
+                            </p:stCondLst>
+                            <p:childTnLst>
+                              <p:par>
+                                <p:cTn id="9" presetID="1" presetClass="entr" presetSubtype="0" fill="hold" grpId="0" nodeType="clickEffect">
+                                  <p:stCondLst>
+                                    <p:cond delay="0"/>
+                                  </p:stCondLst>
+                                  <p:childTnLst>
+                                    <p:set>
+                                      <p:cBhvr>
+                                        <p:cTn id="10" dur="1" fill="hold">
+                                          <p:stCondLst>
+                                            <p:cond delay="0"/>
+                                          </p:stCondLst>
+                                        </p:cTn>
+                                        <p:tgtEl>
+                                          <p:spTgt spid="4"/>
+                                        </p:tgtEl>
+                                        <p:attrNameLst>
+                                          <p:attrName>style.visibility</p:attrName>
+                                        </p:attrNameLst>
+                                      </p:cBhvr>
+                                      <p:to>
+                                        <p:strVal val="visible"/>
+                                      </p:to>
+                                    </p:set>
+                                  </p:childTnLst>
+                                </p:cTn>
+                              </p:par>
+                            </p:childTnLst>
+                          </p:cTn>
+                        </p:par>
+                      </p:childTnLst>
+                    </p:cTn>
+                  </p:par>
+                  <p:par>
+                    <p:cTn id="11" fill="hold">
+                      <p:stCondLst>
+                        <p:cond delay="indefinite"/>
+                      </p:stCondLst>
+                      <p:childTnLst>
+                        <p:par>
+                          <p:cTn id="12" fill="hold">
+                            <p:stCondLst>
+                              <p:cond delay="0"/>
+                            </p:stCondLst>
+                            <p:childTnLst>
+                              <p:par>
+                                <p:cTn id="13" presetID="1" presetClass="entr" presetSubtype="0" fill="hold" grpId="0" nodeType="clickEffect">
+                                  <p:stCondLst>
+                                    <p:cond delay="0"/>
+                                  </p:stCondLst>
+                                  <p:childTnLst>
+                                    <p:set>
+                                      <p:cBhvr>
+                                        <p:cTn id="14" dur="1" fill="hold">
+                                          <p:stCondLst>
+                                            <p:cond delay="0"/>
+                                          </p:stCondLst>
+                                        </p:cTn>
+                                        <p:tgtEl>
+                                          <p:spTgt spid="5"/>
+                                        </p:tgtEl>
+                                        <p:attrNameLst>
+                                          <p:attrName>style.visibility</p:attrName>
+                                        </p:attrNameLst>
+                                      </p:cBhvr>
+                                      <p:to>
+                                        <p:strVal val="visible"/>
+                                      </p:to>
+                                    </p:set>
+                                  </p:childTnLst>
+                                </p:cTn>
+                              </p:par>
+                            </p:childTnLst>
+                          </p:cTn>
+                        </p:par>
+                      </p:childTnLst>
+                    </p:cTn>
+                  </p:par>
+                  <p:par>
+                    <p:cTn id="15" fill="hold">
+                      <p:stCondLst>
+                        <p:cond delay="indefinite"/>
+                      </p:stCondLst>
+                      <p:childTnLst>
+                        <p:par>
+                          <p:cTn id="16" fill="hold">
+                            <p:stCondLst>
+                              <p:cond delay="0"/>
+                            </p:stCondLst>
+                            <p:childTnLst>
+                              <p:par>
+                                <p:cTn id="17" presetID="1" presetClass="entr" presetSubtype="0" fill="hold" grpId="0" nodeType="clickEffect">
+                                  <p:stCondLst>
+                                    <p:cond delay="0"/>
+                                  </p:stCondLst>
+                                  <p:childTnLst>
+                                    <p:set>
+                                      <p:cBhvr>
+                                        <p:cTn id="18" dur="1" fill="hold">
+                                          <p:stCondLst>
+                                            <p:cond delay="0"/>
+                                          </p:stCondLst>
+                                        </p:cTn>
+                                        <p:tgtEl>
+                                          <p:spTgt spid="8"/>
+                                        </p:tgtEl>
+                                        <p:attrNameLst>
+                                          <p:attrName>style.visibility</p:attrName>
+                                        </p:attrNameLst>
+                                      </p:cBhvr>
+                                      <p:to>
+                                        <p:strVal val="visible"/>
+                                      </p:to>
+                                    </p:set>
+                                  </p:childTnLst>
+                                </p:cTn>
+                              </p:par>
+                            </p:childTnLst>
+                          </p:cTn>
+                        </p:par>
+                      </p:childTnLst>
+                    </p:cTn>
+                  </p:par>
+                  <p:par>
+                    <p:cTn id="19" fill="hold">
+                      <p:stCondLst>
+                        <p:cond delay="indefinite"/>
+                      </p:stCondLst>
+                      <p:childTnLst>
+                        <p:par>
+                          <p:cTn id="20" fill="hold">
+                            <p:stCondLst>
+                              <p:cond delay="0"/>
+                            </p:stCondLst>
+                            <p:childTnLst>
+                              <p:par>
+                                <p:cTn id="21" presetID="1" presetClass="entr" presetSubtype="0" fill="hold" grpId="0" nodeType="clickEffect">
+                                  <p:stCondLst>
+                                    <p:cond delay="0"/>
+                                  </p:stCondLst>
+                                  <p:childTnLst>
+                                    <p:set>
+                                      <p:cBhvr>
+                                        <p:cTn id="22" dur="1" fill="hold">
+                                          <p:stCondLst>
+                                            <p:cond delay="0"/>
+                                          </p:stCondLst>
+                                        </p:cTn>
+                                        <p:tgtEl>
+                                          <p:spTgt spid="6"/>
+                                        </p:tgtEl>
+                                        <p:attrNameLst>
+                                          <p:attrName>style.visibility</p:attrName>
+                                        </p:attrNameLst>
+                                      </p:cBhvr>
+                                      <p:to>
+                                        <p:strVal val="visible"/>
+                                      </p:to>
+                                    </p:set>
+                                  </p:childTnLst>
+                                </p:cTn>
+                              </p:par>
+                            </p:childTnLst>
+                          </p:cTn>
+                        </p:par>
+                      </p:childTnLst>
+                    </p:cTn>
+                  </p:par>
+                  <p:par>
+                    <p:cTn id="23" fill="hold">
+                      <p:stCondLst>
+                        <p:cond delay="indefinite"/>
+                      </p:stCondLst>
+                      <p:childTnLst>
+                        <p:par>
+                          <p:cTn id="24" fill="hold">
+                            <p:stCondLst>
+                              <p:cond delay="0"/>
+                            </p:stCondLst>
+                            <p:childTnLst>
+                              <p:par>
+                                <p:cTn id="25" presetID="1" presetClass="entr" presetSubtype="0" fill="hold" grpId="0" nodeType="clickEffect">
+                                  <p:stCondLst>
+                                    <p:cond delay="0"/>
+                                  </p:stCondLst>
+                                  <p:childTnLst>
+                                    <p:set>
+                                      <p:cBhvr>
+                                        <p:cTn id="26" dur="1" fill="hold">
+                                          <p:stCondLst>
+                                            <p:cond delay="0"/>
+                                          </p:stCondLst>
+                                        </p:cTn>
+                                        <p:tgtEl>
+                                          <p:spTgt spid="7"/>
+                                        </p:tgtEl>
+                                        <p:attrNameLst>
+                                          <p:attrName>style.visibility</p:attrName>
+                                        </p:attrNameLst>
+                                      </p:cBhvr>
+                                      <p:to>
+                                        <p:strVal val="visible"/>
+                                      </p:to>
+                                    </p:set>
+                                  </p:childTnLst>
+                                </p:cTn>
+                              </p:par>
+                            </p:childTnLst>
+                          </p:cTn>
+                        </p:par>
+                      </p:childTnLst>
+                    </p:cTn>
+                  </p:par>
+                </p:childTnLst>
+              </p:cTn>
+              <p:prevCondLst>
+                <p:cond evt="onPrev" delay="0">
+                  <p:tgtEl>
+                    <p:sldTgt/>
+                  </p:tgtEl>
+                </p:cond>
+              </p:prevCondLst>
+              <p:nextCondLst>
+                <p:cond evt="onNext" delay="0">
+                  <p:tgtEl>
+                    <p:sldTgt/>
+                  </p:tgtEl>
+                </p:cond>
+              </p:nextCondLst>
+            </p:seq>
+          </p:childTnLst>
+        </p:cTn>
+      </p:par>
+    </p:tnLst>
+    <p:bldLst>
+      <p:bldP spid="3" grpId="0"/>
+      <p:bldP spid="4" grpId="0"/>
+      <p:bldP spid="5" grpId="0"/>
+      <p:bldP spid="6" grpId="0"/>
+      <p:bldP spid="7" grpId="0"/>
+      <p:bldP spid="8" grpId="0"/>
+    </p:bldLst>
+  </p:timing>
 </p:sld>
 </file>
 
